--- a/presos/LincolnHighVisit-2019.pptx
+++ b/presos/LincolnHighVisit-2019.pptx
@@ -5,31 +5,37 @@
     <p:sldMasterId id="2147483660" r:id="rId1"/>
   </p:sldMasterIdLst>
   <p:notesMasterIdLst>
-    <p:notesMasterId r:id="rId24"/>
+    <p:notesMasterId r:id="rId30"/>
   </p:notesMasterIdLst>
   <p:sldIdLst>
     <p:sldId id="260" r:id="rId2"/>
     <p:sldId id="291" r:id="rId3"/>
-    <p:sldId id="282" r:id="rId4"/>
-    <p:sldId id="259" r:id="rId5"/>
-    <p:sldId id="283" r:id="rId6"/>
-    <p:sldId id="277" r:id="rId7"/>
-    <p:sldId id="276" r:id="rId8"/>
-    <p:sldId id="274" r:id="rId9"/>
-    <p:sldId id="275" r:id="rId10"/>
-    <p:sldId id="272" r:id="rId11"/>
-    <p:sldId id="289" r:id="rId12"/>
-    <p:sldId id="285" r:id="rId13"/>
-    <p:sldId id="287" r:id="rId14"/>
-    <p:sldId id="288" r:id="rId15"/>
-    <p:sldId id="292" r:id="rId16"/>
-    <p:sldId id="267" r:id="rId17"/>
-    <p:sldId id="284" r:id="rId18"/>
-    <p:sldId id="265" r:id="rId19"/>
-    <p:sldId id="286" r:id="rId20"/>
-    <p:sldId id="269" r:id="rId21"/>
-    <p:sldId id="268" r:id="rId22"/>
-    <p:sldId id="262" r:id="rId23"/>
+    <p:sldId id="293" r:id="rId4"/>
+    <p:sldId id="294" r:id="rId5"/>
+    <p:sldId id="282" r:id="rId6"/>
+    <p:sldId id="295" r:id="rId7"/>
+    <p:sldId id="296" r:id="rId8"/>
+    <p:sldId id="297" r:id="rId9"/>
+    <p:sldId id="259" r:id="rId10"/>
+    <p:sldId id="283" r:id="rId11"/>
+    <p:sldId id="298" r:id="rId12"/>
+    <p:sldId id="277" r:id="rId13"/>
+    <p:sldId id="276" r:id="rId14"/>
+    <p:sldId id="274" r:id="rId15"/>
+    <p:sldId id="275" r:id="rId16"/>
+    <p:sldId id="272" r:id="rId17"/>
+    <p:sldId id="289" r:id="rId18"/>
+    <p:sldId id="285" r:id="rId19"/>
+    <p:sldId id="287" r:id="rId20"/>
+    <p:sldId id="288" r:id="rId21"/>
+    <p:sldId id="292" r:id="rId22"/>
+    <p:sldId id="267" r:id="rId23"/>
+    <p:sldId id="284" r:id="rId24"/>
+    <p:sldId id="265" r:id="rId25"/>
+    <p:sldId id="286" r:id="rId26"/>
+    <p:sldId id="269" r:id="rId27"/>
+    <p:sldId id="268" r:id="rId28"/>
+    <p:sldId id="262" r:id="rId29"/>
   </p:sldIdLst>
   <p:sldSz cx="12192000" cy="6858000"/>
   <p:notesSz cx="7010400" cy="9296400"/>
@@ -229,7 +235,7 @@
           <a:p>
             <a:fld id="{6876BBC0-2D69-4443-A62A-A79B2D6915DC}" type="datetimeFigureOut">
               <a:rPr lang="en-US" smtClean="0"/>
-              <a:t>1/31/2019</a:t>
+              <a:t>2/14/2019</a:t>
             </a:fld>
             <a:endParaRPr lang="en-US"/>
           </a:p>
@@ -540,74 +546,94 @@
           <a:bodyPr/>
           <a:lstStyle/>
           <a:p>
-            <a:pPr marL="0" marR="0" indent="0" algn="l" defTabSz="914400" rtl="0" eaLnBrk="1" fontAlgn="auto" latinLnBrk="0" hangingPunct="1">
-              <a:lnSpc>
-                <a:spcPct val="100000"/>
-              </a:lnSpc>
-              <a:spcBef>
-                <a:spcPts val="0"/>
-              </a:spcBef>
-              <a:spcAft>
-                <a:spcPts val="0"/>
-              </a:spcAft>
-              <a:buClrTx/>
-              <a:buSzTx/>
-              <a:buFontTx/>
-              <a:buNone/>
-              <a:tabLst/>
-              <a:defRPr/>
-            </a:pPr>
-            <a:r>
-              <a:rPr lang="en-US" dirty="0" err="1"/>
-              <a:t>Auguste</a:t>
-            </a:r>
+            <a:endParaRPr lang="en-US"/>
+          </a:p>
+        </p:txBody>
+      </p:sp>
+      <p:sp>
+        <p:nvSpPr>
+          <p:cNvPr id="4" name="Slide Number Placeholder 3"/>
+          <p:cNvSpPr>
+            <a:spLocks noGrp="1"/>
+          </p:cNvSpPr>
+          <p:nvPr>
+            <p:ph type="sldNum" sz="quarter" idx="5"/>
+          </p:nvPr>
+        </p:nvSpPr>
+        <p:spPr/>
+        <p:txBody>
+          <a:bodyPr/>
+          <a:lstStyle/>
+          <a:p>
+            <a:fld id="{ED876B44-D89A-4FED-90B7-84BD30320FFD}" type="slidenum">
+              <a:rPr lang="en-US" smtClean="0"/>
+              <a:t>3</a:t>
+            </a:fld>
+            <a:endParaRPr lang="en-US"/>
+          </a:p>
+        </p:txBody>
+      </p:sp>
+    </p:spTree>
+    <p:extLst>
+      <p:ext uri="{BB962C8B-B14F-4D97-AF65-F5344CB8AC3E}">
+        <p14:creationId xmlns:p14="http://schemas.microsoft.com/office/powerpoint/2010/main" val="3723460195"/>
+      </p:ext>
+    </p:extLst>
+  </p:cSld>
+  <p:clrMapOvr>
+    <a:masterClrMapping/>
+  </p:clrMapOvr>
+</p:notes>
+</file>
+
+<file path=ppt/notesSlides/notesSlide10.xml><?xml version="1.0" encoding="utf-8"?>
+<p:notes xmlns:a="http://schemas.openxmlformats.org/drawingml/2006/main" xmlns:r="http://schemas.openxmlformats.org/officeDocument/2006/relationships" xmlns:p="http://schemas.openxmlformats.org/presentationml/2006/main">
+  <p:cSld>
+    <p:spTree>
+      <p:nvGrpSpPr>
+        <p:cNvPr id="1" name=""/>
+        <p:cNvGrpSpPr/>
+        <p:nvPr/>
+      </p:nvGrpSpPr>
+      <p:grpSpPr>
+        <a:xfrm>
+          <a:off x="0" y="0"/>
+          <a:ext cx="0" cy="0"/>
+          <a:chOff x="0" y="0"/>
+          <a:chExt cx="0" cy="0"/>
+        </a:xfrm>
+      </p:grpSpPr>
+      <p:sp>
+        <p:nvSpPr>
+          <p:cNvPr id="2" name="Slide Image Placeholder 1"/>
+          <p:cNvSpPr>
+            <a:spLocks noGrp="1" noRot="1" noChangeAspect="1"/>
+          </p:cNvSpPr>
+          <p:nvPr>
+            <p:ph type="sldImg"/>
+          </p:nvPr>
+        </p:nvSpPr>
+        <p:spPr/>
+      </p:sp>
+      <p:sp>
+        <p:nvSpPr>
+          <p:cNvPr id="3" name="Notes Placeholder 2"/>
+          <p:cNvSpPr>
+            <a:spLocks noGrp="1"/>
+          </p:cNvSpPr>
+          <p:nvPr>
+            <p:ph type="body" idx="1"/>
+          </p:nvPr>
+        </p:nvSpPr>
+        <p:spPr/>
+        <p:txBody>
+          <a:bodyPr/>
+          <a:lstStyle/>
+          <a:p>
             <a:r>
               <a:rPr lang="en-US" dirty="0"/>
-              <a:t> </a:t>
-            </a:r>
-            <a:r>
-              <a:rPr lang="en-US" dirty="0" err="1"/>
-              <a:t>Kerckhoffs</a:t>
-            </a:r>
-            <a:r>
-              <a:rPr lang="en-US" dirty="0"/>
-              <a:t> (19 January 1835 – 9 August 1903) was a Dutch linguist and cryptographer who was professor of languages at the </a:t>
-            </a:r>
-            <a:r>
-              <a:rPr lang="en-US" dirty="0" err="1"/>
-              <a:t>École</a:t>
-            </a:r>
-            <a:r>
-              <a:rPr lang="en-US" dirty="0"/>
-              <a:t> des </a:t>
-            </a:r>
-            <a:r>
-              <a:rPr lang="en-US" dirty="0" err="1"/>
-              <a:t>Hautes</a:t>
-            </a:r>
-            <a:r>
-              <a:rPr lang="en-US" dirty="0"/>
-              <a:t> </a:t>
-            </a:r>
-            <a:r>
-              <a:rPr lang="en-US" dirty="0" err="1"/>
-              <a:t>Études</a:t>
-            </a:r>
-            <a:r>
-              <a:rPr lang="en-US" dirty="0"/>
-              <a:t> </a:t>
-            </a:r>
-            <a:r>
-              <a:rPr lang="en-US" dirty="0" err="1"/>
-              <a:t>Commerciales</a:t>
-            </a:r>
-            <a:r>
-              <a:rPr lang="en-US" dirty="0"/>
-              <a:t> in Paris in the late 19th century.</a:t>
-            </a:r>
-          </a:p>
-          <a:p>
-            <a:endParaRPr lang="en-US" dirty="0"/>
+              <a:t>Current NSA/NIST short term PQ guidance requires 3072 bit moduli. Therefore each prime must be 1536 bits or ~463 digits each. This results in a ~925 digit modulus.</a:t>
+            </a:r>
           </a:p>
         </p:txBody>
       </p:sp>
@@ -626,9 +652,9 @@
           <a:bodyPr/>
           <a:lstStyle/>
           <a:p>
-            <a:fld id="{A2226071-1B1D-4A6E-8708-FF184D4EAD61}" type="slidenum">
+            <a:fld id="{ED876B44-D89A-4FED-90B7-84BD30320FFD}" type="slidenum">
               <a:rPr lang="en-US" smtClean="0"/>
-              <a:t>3</a:t>
+              <a:t>16</a:t>
             </a:fld>
             <a:endParaRPr lang="en-US"/>
           </a:p>
@@ -637,7 +663,7 @@
     </p:spTree>
     <p:extLst>
       <p:ext uri="{BB962C8B-B14F-4D97-AF65-F5344CB8AC3E}">
-        <p14:creationId xmlns:p14="http://schemas.microsoft.com/office/powerpoint/2010/main" val="1921664761"/>
+        <p14:creationId xmlns:p14="http://schemas.microsoft.com/office/powerpoint/2010/main" val="3064481713"/>
       </p:ext>
     </p:extLst>
   </p:cSld>
@@ -647,7 +673,7 @@
 </p:notes>
 </file>
 
-<file path=ppt/notesSlides/notesSlide10.xml><?xml version="1.0" encoding="utf-8"?>
+<file path=ppt/notesSlides/notesSlide11.xml><?xml version="1.0" encoding="utf-8"?>
 <p:notes xmlns:a="http://schemas.openxmlformats.org/drawingml/2006/main" xmlns:r="http://schemas.openxmlformats.org/officeDocument/2006/relationships" xmlns:p="http://schemas.openxmlformats.org/presentationml/2006/main">
   <p:cSld>
     <p:spTree>
@@ -712,7 +738,7 @@
           <a:p>
             <a:fld id="{ED876B44-D89A-4FED-90B7-84BD30320FFD}" type="slidenum">
               <a:rPr lang="en-US" smtClean="0"/>
-              <a:t>21</a:t>
+              <a:t>19</a:t>
             </a:fld>
             <a:endParaRPr lang="en-US"/>
           </a:p>
@@ -721,7 +747,7 @@
     </p:spTree>
     <p:extLst>
       <p:ext uri="{BB962C8B-B14F-4D97-AF65-F5344CB8AC3E}">
-        <p14:creationId xmlns:p14="http://schemas.microsoft.com/office/powerpoint/2010/main" val="2799827041"/>
+        <p14:creationId xmlns:p14="http://schemas.microsoft.com/office/powerpoint/2010/main" val="2533898954"/>
       </p:ext>
     </p:extLst>
   </p:cSld>
@@ -731,616 +757,7 @@
 </p:notes>
 </file>
 
-<file path=ppt/notesSlides/notesSlide2.xml><?xml version="1.0" encoding="utf-8"?>
-<p:notes xmlns:a="http://schemas.openxmlformats.org/drawingml/2006/main" xmlns:r="http://schemas.openxmlformats.org/officeDocument/2006/relationships" xmlns:p="http://schemas.openxmlformats.org/presentationml/2006/main">
-  <p:cSld>
-    <p:spTree>
-      <p:nvGrpSpPr>
-        <p:cNvPr id="1" name=""/>
-        <p:cNvGrpSpPr/>
-        <p:nvPr/>
-      </p:nvGrpSpPr>
-      <p:grpSpPr>
-        <a:xfrm>
-          <a:off x="0" y="0"/>
-          <a:ext cx="0" cy="0"/>
-          <a:chOff x="0" y="0"/>
-          <a:chExt cx="0" cy="0"/>
-        </a:xfrm>
-      </p:grpSpPr>
-      <p:sp>
-        <p:nvSpPr>
-          <p:cNvPr id="2" name="Slide Image Placeholder 1"/>
-          <p:cNvSpPr>
-            <a:spLocks noGrp="1" noRot="1" noChangeAspect="1"/>
-          </p:cNvSpPr>
-          <p:nvPr>
-            <p:ph type="sldImg"/>
-          </p:nvPr>
-        </p:nvSpPr>
-        <p:spPr/>
-      </p:sp>
-      <p:sp>
-        <p:nvSpPr>
-          <p:cNvPr id="3" name="Notes Placeholder 2"/>
-          <p:cNvSpPr>
-            <a:spLocks noGrp="1"/>
-          </p:cNvSpPr>
-          <p:nvPr>
-            <p:ph type="body" idx="1"/>
-          </p:nvPr>
-        </p:nvSpPr>
-        <p:spPr/>
-        <p:txBody>
-          <a:bodyPr/>
-          <a:lstStyle/>
-          <a:p>
-            <a:r>
-              <a:rPr lang="en-US" dirty="0"/>
-              <a:t>Current NSA/NIST short term PQ guidance requires 3072 bit moduli. Therefore each prime must be 1536 bits or ~463 digits each. This results in a ~925 digit modulus.</a:t>
-            </a:r>
-          </a:p>
-        </p:txBody>
-      </p:sp>
-      <p:sp>
-        <p:nvSpPr>
-          <p:cNvPr id="4" name="Slide Number Placeholder 3"/>
-          <p:cNvSpPr>
-            <a:spLocks noGrp="1"/>
-          </p:cNvSpPr>
-          <p:nvPr>
-            <p:ph type="sldNum" sz="quarter" idx="10"/>
-          </p:nvPr>
-        </p:nvSpPr>
-        <p:spPr/>
-        <p:txBody>
-          <a:bodyPr/>
-          <a:lstStyle/>
-          <a:p>
-            <a:fld id="{ED876B44-D89A-4FED-90B7-84BD30320FFD}" type="slidenum">
-              <a:rPr lang="en-US" smtClean="0"/>
-              <a:t>4</a:t>
-            </a:fld>
-            <a:endParaRPr lang="en-US"/>
-          </a:p>
-        </p:txBody>
-      </p:sp>
-    </p:spTree>
-    <p:extLst>
-      <p:ext uri="{BB962C8B-B14F-4D97-AF65-F5344CB8AC3E}">
-        <p14:creationId xmlns:p14="http://schemas.microsoft.com/office/powerpoint/2010/main" val="1554892183"/>
-      </p:ext>
-    </p:extLst>
-  </p:cSld>
-  <p:clrMapOvr>
-    <a:masterClrMapping/>
-  </p:clrMapOvr>
-</p:notes>
-</file>
-
-<file path=ppt/notesSlides/notesSlide3.xml><?xml version="1.0" encoding="utf-8"?>
-<p:notes xmlns:a="http://schemas.openxmlformats.org/drawingml/2006/main" xmlns:r="http://schemas.openxmlformats.org/officeDocument/2006/relationships" xmlns:p="http://schemas.openxmlformats.org/presentationml/2006/main">
-  <p:cSld>
-    <p:spTree>
-      <p:nvGrpSpPr>
-        <p:cNvPr id="1" name=""/>
-        <p:cNvGrpSpPr/>
-        <p:nvPr/>
-      </p:nvGrpSpPr>
-      <p:grpSpPr>
-        <a:xfrm>
-          <a:off x="0" y="0"/>
-          <a:ext cx="0" cy="0"/>
-          <a:chOff x="0" y="0"/>
-          <a:chExt cx="0" cy="0"/>
-        </a:xfrm>
-      </p:grpSpPr>
-      <p:sp>
-        <p:nvSpPr>
-          <p:cNvPr id="2" name="Slide Image Placeholder 1"/>
-          <p:cNvSpPr>
-            <a:spLocks noGrp="1" noRot="1" noChangeAspect="1"/>
-          </p:cNvSpPr>
-          <p:nvPr>
-            <p:ph type="sldImg"/>
-          </p:nvPr>
-        </p:nvSpPr>
-        <p:spPr/>
-      </p:sp>
-      <p:sp>
-        <p:nvSpPr>
-          <p:cNvPr id="3" name="Notes Placeholder 2"/>
-          <p:cNvSpPr>
-            <a:spLocks noGrp="1"/>
-          </p:cNvSpPr>
-          <p:nvPr>
-            <p:ph type="body" idx="1"/>
-          </p:nvPr>
-        </p:nvSpPr>
-        <p:spPr/>
-        <p:txBody>
-          <a:bodyPr/>
-          <a:lstStyle/>
-          <a:p>
-            <a:r>
-              <a:rPr lang="en-US" dirty="0"/>
-              <a:t>Current NSA/NIST short term PQ guidance requires 3072 bit moduli. Therefore each prime must be 1536 bits or ~463 digits each. This results in a ~925 digit modulus.</a:t>
-            </a:r>
-          </a:p>
-        </p:txBody>
-      </p:sp>
-      <p:sp>
-        <p:nvSpPr>
-          <p:cNvPr id="4" name="Slide Number Placeholder 3"/>
-          <p:cNvSpPr>
-            <a:spLocks noGrp="1"/>
-          </p:cNvSpPr>
-          <p:nvPr>
-            <p:ph type="sldNum" sz="quarter" idx="10"/>
-          </p:nvPr>
-        </p:nvSpPr>
-        <p:spPr/>
-        <p:txBody>
-          <a:bodyPr/>
-          <a:lstStyle/>
-          <a:p>
-            <a:fld id="{ED876B44-D89A-4FED-90B7-84BD30320FFD}" type="slidenum">
-              <a:rPr lang="en-US" smtClean="0"/>
-              <a:t>5</a:t>
-            </a:fld>
-            <a:endParaRPr lang="en-US"/>
-          </a:p>
-        </p:txBody>
-      </p:sp>
-    </p:spTree>
-    <p:extLst>
-      <p:ext uri="{BB962C8B-B14F-4D97-AF65-F5344CB8AC3E}">
-        <p14:creationId xmlns:p14="http://schemas.microsoft.com/office/powerpoint/2010/main" val="2471888325"/>
-      </p:ext>
-    </p:extLst>
-  </p:cSld>
-  <p:clrMapOvr>
-    <a:masterClrMapping/>
-  </p:clrMapOvr>
-</p:notes>
-</file>
-
-<file path=ppt/notesSlides/notesSlide4.xml><?xml version="1.0" encoding="utf-8"?>
-<p:notes xmlns:a="http://schemas.openxmlformats.org/drawingml/2006/main" xmlns:r="http://schemas.openxmlformats.org/officeDocument/2006/relationships" xmlns:p="http://schemas.openxmlformats.org/presentationml/2006/main">
-  <p:cSld>
-    <p:spTree>
-      <p:nvGrpSpPr>
-        <p:cNvPr id="1" name=""/>
-        <p:cNvGrpSpPr/>
-        <p:nvPr/>
-      </p:nvGrpSpPr>
-      <p:grpSpPr>
-        <a:xfrm>
-          <a:off x="0" y="0"/>
-          <a:ext cx="0" cy="0"/>
-          <a:chOff x="0" y="0"/>
-          <a:chExt cx="0" cy="0"/>
-        </a:xfrm>
-      </p:grpSpPr>
-      <p:sp>
-        <p:nvSpPr>
-          <p:cNvPr id="2" name="Slide Image Placeholder 1"/>
-          <p:cNvSpPr>
-            <a:spLocks noGrp="1" noRot="1" noChangeAspect="1"/>
-          </p:cNvSpPr>
-          <p:nvPr>
-            <p:ph type="sldImg"/>
-          </p:nvPr>
-        </p:nvSpPr>
-        <p:spPr/>
-      </p:sp>
-      <p:sp>
-        <p:nvSpPr>
-          <p:cNvPr id="3" name="Notes Placeholder 2"/>
-          <p:cNvSpPr>
-            <a:spLocks noGrp="1"/>
-          </p:cNvSpPr>
-          <p:nvPr>
-            <p:ph type="body" idx="1"/>
-          </p:nvPr>
-        </p:nvSpPr>
-        <p:spPr/>
-        <p:txBody>
-          <a:bodyPr/>
-          <a:lstStyle/>
-          <a:p>
-            <a:r>
-              <a:rPr lang="en-US" dirty="0"/>
-              <a:t>Current NSA/NIST short term PQ guidance requires 3072 bit moduli. Therefore each prime must be 1536 bits or ~463 digits each. This results in a ~925 digit modulus.</a:t>
-            </a:r>
-          </a:p>
-        </p:txBody>
-      </p:sp>
-      <p:sp>
-        <p:nvSpPr>
-          <p:cNvPr id="4" name="Slide Number Placeholder 3"/>
-          <p:cNvSpPr>
-            <a:spLocks noGrp="1"/>
-          </p:cNvSpPr>
-          <p:nvPr>
-            <p:ph type="sldNum" sz="quarter" idx="10"/>
-          </p:nvPr>
-        </p:nvSpPr>
-        <p:spPr/>
-        <p:txBody>
-          <a:bodyPr/>
-          <a:lstStyle/>
-          <a:p>
-            <a:fld id="{ED876B44-D89A-4FED-90B7-84BD30320FFD}" type="slidenum">
-              <a:rPr lang="en-US" smtClean="0"/>
-              <a:t>6</a:t>
-            </a:fld>
-            <a:endParaRPr lang="en-US"/>
-          </a:p>
-        </p:txBody>
-      </p:sp>
-    </p:spTree>
-    <p:extLst>
-      <p:ext uri="{BB962C8B-B14F-4D97-AF65-F5344CB8AC3E}">
-        <p14:creationId xmlns:p14="http://schemas.microsoft.com/office/powerpoint/2010/main" val="4052215020"/>
-      </p:ext>
-    </p:extLst>
-  </p:cSld>
-  <p:clrMapOvr>
-    <a:masterClrMapping/>
-  </p:clrMapOvr>
-</p:notes>
-</file>
-
-<file path=ppt/notesSlides/notesSlide5.xml><?xml version="1.0" encoding="utf-8"?>
-<p:notes xmlns:a="http://schemas.openxmlformats.org/drawingml/2006/main" xmlns:r="http://schemas.openxmlformats.org/officeDocument/2006/relationships" xmlns:p="http://schemas.openxmlformats.org/presentationml/2006/main">
-  <p:cSld>
-    <p:spTree>
-      <p:nvGrpSpPr>
-        <p:cNvPr id="1" name=""/>
-        <p:cNvGrpSpPr/>
-        <p:nvPr/>
-      </p:nvGrpSpPr>
-      <p:grpSpPr>
-        <a:xfrm>
-          <a:off x="0" y="0"/>
-          <a:ext cx="0" cy="0"/>
-          <a:chOff x="0" y="0"/>
-          <a:chExt cx="0" cy="0"/>
-        </a:xfrm>
-      </p:grpSpPr>
-      <p:sp>
-        <p:nvSpPr>
-          <p:cNvPr id="2" name="Slide Image Placeholder 1"/>
-          <p:cNvSpPr>
-            <a:spLocks noGrp="1" noRot="1" noChangeAspect="1"/>
-          </p:cNvSpPr>
-          <p:nvPr>
-            <p:ph type="sldImg"/>
-          </p:nvPr>
-        </p:nvSpPr>
-        <p:spPr/>
-      </p:sp>
-      <p:sp>
-        <p:nvSpPr>
-          <p:cNvPr id="3" name="Notes Placeholder 2"/>
-          <p:cNvSpPr>
-            <a:spLocks noGrp="1"/>
-          </p:cNvSpPr>
-          <p:nvPr>
-            <p:ph type="body" idx="1"/>
-          </p:nvPr>
-        </p:nvSpPr>
-        <p:spPr/>
-        <p:txBody>
-          <a:bodyPr/>
-          <a:lstStyle/>
-          <a:p>
-            <a:r>
-              <a:rPr lang="en-US" dirty="0"/>
-              <a:t>Current NSA/NIST short term PQ guidance requires 3072 bit moduli. Therefore each prime must be 1536 bits or ~463 digits each. This results in a ~925 digit modulus.</a:t>
-            </a:r>
-          </a:p>
-        </p:txBody>
-      </p:sp>
-      <p:sp>
-        <p:nvSpPr>
-          <p:cNvPr id="4" name="Slide Number Placeholder 3"/>
-          <p:cNvSpPr>
-            <a:spLocks noGrp="1"/>
-          </p:cNvSpPr>
-          <p:nvPr>
-            <p:ph type="sldNum" sz="quarter" idx="10"/>
-          </p:nvPr>
-        </p:nvSpPr>
-        <p:spPr/>
-        <p:txBody>
-          <a:bodyPr/>
-          <a:lstStyle/>
-          <a:p>
-            <a:fld id="{ED876B44-D89A-4FED-90B7-84BD30320FFD}" type="slidenum">
-              <a:rPr lang="en-US" smtClean="0"/>
-              <a:t>7</a:t>
-            </a:fld>
-            <a:endParaRPr lang="en-US"/>
-          </a:p>
-        </p:txBody>
-      </p:sp>
-    </p:spTree>
-    <p:extLst>
-      <p:ext uri="{BB962C8B-B14F-4D97-AF65-F5344CB8AC3E}">
-        <p14:creationId xmlns:p14="http://schemas.microsoft.com/office/powerpoint/2010/main" val="115655642"/>
-      </p:ext>
-    </p:extLst>
-  </p:cSld>
-  <p:clrMapOvr>
-    <a:masterClrMapping/>
-  </p:clrMapOvr>
-</p:notes>
-</file>
-
-<file path=ppt/notesSlides/notesSlide6.xml><?xml version="1.0" encoding="utf-8"?>
-<p:notes xmlns:a="http://schemas.openxmlformats.org/drawingml/2006/main" xmlns:r="http://schemas.openxmlformats.org/officeDocument/2006/relationships" xmlns:p="http://schemas.openxmlformats.org/presentationml/2006/main">
-  <p:cSld>
-    <p:spTree>
-      <p:nvGrpSpPr>
-        <p:cNvPr id="1" name=""/>
-        <p:cNvGrpSpPr/>
-        <p:nvPr/>
-      </p:nvGrpSpPr>
-      <p:grpSpPr>
-        <a:xfrm>
-          <a:off x="0" y="0"/>
-          <a:ext cx="0" cy="0"/>
-          <a:chOff x="0" y="0"/>
-          <a:chExt cx="0" cy="0"/>
-        </a:xfrm>
-      </p:grpSpPr>
-      <p:sp>
-        <p:nvSpPr>
-          <p:cNvPr id="2" name="Slide Image Placeholder 1"/>
-          <p:cNvSpPr>
-            <a:spLocks noGrp="1" noRot="1" noChangeAspect="1"/>
-          </p:cNvSpPr>
-          <p:nvPr>
-            <p:ph type="sldImg"/>
-          </p:nvPr>
-        </p:nvSpPr>
-        <p:spPr/>
-      </p:sp>
-      <p:sp>
-        <p:nvSpPr>
-          <p:cNvPr id="3" name="Notes Placeholder 2"/>
-          <p:cNvSpPr>
-            <a:spLocks noGrp="1"/>
-          </p:cNvSpPr>
-          <p:nvPr>
-            <p:ph type="body" idx="1"/>
-          </p:nvPr>
-        </p:nvSpPr>
-        <p:spPr/>
-        <p:txBody>
-          <a:bodyPr/>
-          <a:lstStyle/>
-          <a:p>
-            <a:r>
-              <a:rPr lang="en-US" dirty="0"/>
-              <a:t>Current NSA/NIST short term PQ guidance requires 3072 bit moduli. Therefore each prime must be 1536 bits or ~463 digits each. This results in a ~925 digit modulus.</a:t>
-            </a:r>
-          </a:p>
-        </p:txBody>
-      </p:sp>
-      <p:sp>
-        <p:nvSpPr>
-          <p:cNvPr id="4" name="Slide Number Placeholder 3"/>
-          <p:cNvSpPr>
-            <a:spLocks noGrp="1"/>
-          </p:cNvSpPr>
-          <p:nvPr>
-            <p:ph type="sldNum" sz="quarter" idx="10"/>
-          </p:nvPr>
-        </p:nvSpPr>
-        <p:spPr/>
-        <p:txBody>
-          <a:bodyPr/>
-          <a:lstStyle/>
-          <a:p>
-            <a:fld id="{ED876B44-D89A-4FED-90B7-84BD30320FFD}" type="slidenum">
-              <a:rPr lang="en-US" smtClean="0"/>
-              <a:t>8</a:t>
-            </a:fld>
-            <a:endParaRPr lang="en-US"/>
-          </a:p>
-        </p:txBody>
-      </p:sp>
-    </p:spTree>
-    <p:extLst>
-      <p:ext uri="{BB962C8B-B14F-4D97-AF65-F5344CB8AC3E}">
-        <p14:creationId xmlns:p14="http://schemas.microsoft.com/office/powerpoint/2010/main" val="2435323525"/>
-      </p:ext>
-    </p:extLst>
-  </p:cSld>
-  <p:clrMapOvr>
-    <a:masterClrMapping/>
-  </p:clrMapOvr>
-</p:notes>
-</file>
-
-<file path=ppt/notesSlides/notesSlide7.xml><?xml version="1.0" encoding="utf-8"?>
-<p:notes xmlns:a="http://schemas.openxmlformats.org/drawingml/2006/main" xmlns:r="http://schemas.openxmlformats.org/officeDocument/2006/relationships" xmlns:p="http://schemas.openxmlformats.org/presentationml/2006/main">
-  <p:cSld>
-    <p:spTree>
-      <p:nvGrpSpPr>
-        <p:cNvPr id="1" name=""/>
-        <p:cNvGrpSpPr/>
-        <p:nvPr/>
-      </p:nvGrpSpPr>
-      <p:grpSpPr>
-        <a:xfrm>
-          <a:off x="0" y="0"/>
-          <a:ext cx="0" cy="0"/>
-          <a:chOff x="0" y="0"/>
-          <a:chExt cx="0" cy="0"/>
-        </a:xfrm>
-      </p:grpSpPr>
-      <p:sp>
-        <p:nvSpPr>
-          <p:cNvPr id="2" name="Slide Image Placeholder 1"/>
-          <p:cNvSpPr>
-            <a:spLocks noGrp="1" noRot="1" noChangeAspect="1"/>
-          </p:cNvSpPr>
-          <p:nvPr>
-            <p:ph type="sldImg"/>
-          </p:nvPr>
-        </p:nvSpPr>
-        <p:spPr/>
-      </p:sp>
-      <p:sp>
-        <p:nvSpPr>
-          <p:cNvPr id="3" name="Notes Placeholder 2"/>
-          <p:cNvSpPr>
-            <a:spLocks noGrp="1"/>
-          </p:cNvSpPr>
-          <p:nvPr>
-            <p:ph type="body" idx="1"/>
-          </p:nvPr>
-        </p:nvSpPr>
-        <p:spPr/>
-        <p:txBody>
-          <a:bodyPr/>
-          <a:lstStyle/>
-          <a:p>
-            <a:r>
-              <a:rPr lang="en-US" dirty="0"/>
-              <a:t>Current NSA/NIST short term PQ guidance requires 3072 bit moduli. Therefore each prime must be 1536 bits or ~463 digits each. This results in a ~925 digit modulus.</a:t>
-            </a:r>
-          </a:p>
-        </p:txBody>
-      </p:sp>
-      <p:sp>
-        <p:nvSpPr>
-          <p:cNvPr id="4" name="Slide Number Placeholder 3"/>
-          <p:cNvSpPr>
-            <a:spLocks noGrp="1"/>
-          </p:cNvSpPr>
-          <p:nvPr>
-            <p:ph type="sldNum" sz="quarter" idx="10"/>
-          </p:nvPr>
-        </p:nvSpPr>
-        <p:spPr/>
-        <p:txBody>
-          <a:bodyPr/>
-          <a:lstStyle/>
-          <a:p>
-            <a:fld id="{ED876B44-D89A-4FED-90B7-84BD30320FFD}" type="slidenum">
-              <a:rPr lang="en-US" smtClean="0"/>
-              <a:t>9</a:t>
-            </a:fld>
-            <a:endParaRPr lang="en-US"/>
-          </a:p>
-        </p:txBody>
-      </p:sp>
-    </p:spTree>
-    <p:extLst>
-      <p:ext uri="{BB962C8B-B14F-4D97-AF65-F5344CB8AC3E}">
-        <p14:creationId xmlns:p14="http://schemas.microsoft.com/office/powerpoint/2010/main" val="166837150"/>
-      </p:ext>
-    </p:extLst>
-  </p:cSld>
-  <p:clrMapOvr>
-    <a:masterClrMapping/>
-  </p:clrMapOvr>
-</p:notes>
-</file>
-
-<file path=ppt/notesSlides/notesSlide8.xml><?xml version="1.0" encoding="utf-8"?>
-<p:notes xmlns:a="http://schemas.openxmlformats.org/drawingml/2006/main" xmlns:r="http://schemas.openxmlformats.org/officeDocument/2006/relationships" xmlns:p="http://schemas.openxmlformats.org/presentationml/2006/main">
-  <p:cSld>
-    <p:spTree>
-      <p:nvGrpSpPr>
-        <p:cNvPr id="1" name=""/>
-        <p:cNvGrpSpPr/>
-        <p:nvPr/>
-      </p:nvGrpSpPr>
-      <p:grpSpPr>
-        <a:xfrm>
-          <a:off x="0" y="0"/>
-          <a:ext cx="0" cy="0"/>
-          <a:chOff x="0" y="0"/>
-          <a:chExt cx="0" cy="0"/>
-        </a:xfrm>
-      </p:grpSpPr>
-      <p:sp>
-        <p:nvSpPr>
-          <p:cNvPr id="2" name="Slide Image Placeholder 1"/>
-          <p:cNvSpPr>
-            <a:spLocks noGrp="1" noRot="1" noChangeAspect="1"/>
-          </p:cNvSpPr>
-          <p:nvPr>
-            <p:ph type="sldImg"/>
-          </p:nvPr>
-        </p:nvSpPr>
-        <p:spPr/>
-      </p:sp>
-      <p:sp>
-        <p:nvSpPr>
-          <p:cNvPr id="3" name="Notes Placeholder 2"/>
-          <p:cNvSpPr>
-            <a:spLocks noGrp="1"/>
-          </p:cNvSpPr>
-          <p:nvPr>
-            <p:ph type="body" idx="1"/>
-          </p:nvPr>
-        </p:nvSpPr>
-        <p:spPr/>
-        <p:txBody>
-          <a:bodyPr/>
-          <a:lstStyle/>
-          <a:p>
-            <a:r>
-              <a:rPr lang="en-US" dirty="0"/>
-              <a:t>Current NSA/NIST short term PQ guidance requires 3072 bit moduli. Therefore each prime must be 1536 bits or ~463 digits each. This results in a ~925 digit modulus.</a:t>
-            </a:r>
-          </a:p>
-        </p:txBody>
-      </p:sp>
-      <p:sp>
-        <p:nvSpPr>
-          <p:cNvPr id="4" name="Slide Number Placeholder 3"/>
-          <p:cNvSpPr>
-            <a:spLocks noGrp="1"/>
-          </p:cNvSpPr>
-          <p:nvPr>
-            <p:ph type="sldNum" sz="quarter" idx="10"/>
-          </p:nvPr>
-        </p:nvSpPr>
-        <p:spPr/>
-        <p:txBody>
-          <a:bodyPr/>
-          <a:lstStyle/>
-          <a:p>
-            <a:fld id="{ED876B44-D89A-4FED-90B7-84BD30320FFD}" type="slidenum">
-              <a:rPr lang="en-US" smtClean="0"/>
-              <a:t>10</a:t>
-            </a:fld>
-            <a:endParaRPr lang="en-US"/>
-          </a:p>
-        </p:txBody>
-      </p:sp>
-    </p:spTree>
-    <p:extLst>
-      <p:ext uri="{BB962C8B-B14F-4D97-AF65-F5344CB8AC3E}">
-        <p14:creationId xmlns:p14="http://schemas.microsoft.com/office/powerpoint/2010/main" val="3064481713"/>
-      </p:ext>
-    </p:extLst>
-  </p:cSld>
-  <p:clrMapOvr>
-    <a:masterClrMapping/>
-  </p:clrMapOvr>
-</p:notes>
-</file>
-
-<file path=ppt/notesSlides/notesSlide9.xml><?xml version="1.0" encoding="utf-8"?>
+<file path=ppt/notesSlides/notesSlide12.xml><?xml version="1.0" encoding="utf-8"?>
 <p:notes xmlns:a="http://schemas.openxmlformats.org/drawingml/2006/main" xmlns:r="http://schemas.openxmlformats.org/officeDocument/2006/relationships" xmlns:p="http://schemas.openxmlformats.org/presentationml/2006/main">
   <p:cSld>
     <p:spTree>
@@ -1405,6 +822,592 @@
           <a:p>
             <a:fld id="{ED876B44-D89A-4FED-90B7-84BD30320FFD}" type="slidenum">
               <a:rPr lang="en-US" smtClean="0"/>
+              <a:t>27</a:t>
+            </a:fld>
+            <a:endParaRPr lang="en-US"/>
+          </a:p>
+        </p:txBody>
+      </p:sp>
+    </p:spTree>
+    <p:extLst>
+      <p:ext uri="{BB962C8B-B14F-4D97-AF65-F5344CB8AC3E}">
+        <p14:creationId xmlns:p14="http://schemas.microsoft.com/office/powerpoint/2010/main" val="2799827041"/>
+      </p:ext>
+    </p:extLst>
+  </p:cSld>
+  <p:clrMapOvr>
+    <a:masterClrMapping/>
+  </p:clrMapOvr>
+</p:notes>
+</file>
+
+<file path=ppt/notesSlides/notesSlide2.xml><?xml version="1.0" encoding="utf-8"?>
+<p:notes xmlns:a="http://schemas.openxmlformats.org/drawingml/2006/main" xmlns:r="http://schemas.openxmlformats.org/officeDocument/2006/relationships" xmlns:p="http://schemas.openxmlformats.org/presentationml/2006/main">
+  <p:cSld>
+    <p:spTree>
+      <p:nvGrpSpPr>
+        <p:cNvPr id="1" name=""/>
+        <p:cNvGrpSpPr/>
+        <p:nvPr/>
+      </p:nvGrpSpPr>
+      <p:grpSpPr>
+        <a:xfrm>
+          <a:off x="0" y="0"/>
+          <a:ext cx="0" cy="0"/>
+          <a:chOff x="0" y="0"/>
+          <a:chExt cx="0" cy="0"/>
+        </a:xfrm>
+      </p:grpSpPr>
+      <p:sp>
+        <p:nvSpPr>
+          <p:cNvPr id="2" name="Slide Image Placeholder 1"/>
+          <p:cNvSpPr>
+            <a:spLocks noGrp="1" noRot="1" noChangeAspect="1"/>
+          </p:cNvSpPr>
+          <p:nvPr>
+            <p:ph type="sldImg"/>
+          </p:nvPr>
+        </p:nvSpPr>
+        <p:spPr/>
+      </p:sp>
+      <p:sp>
+        <p:nvSpPr>
+          <p:cNvPr id="3" name="Notes Placeholder 2"/>
+          <p:cNvSpPr>
+            <a:spLocks noGrp="1"/>
+          </p:cNvSpPr>
+          <p:nvPr>
+            <p:ph type="body" idx="1"/>
+          </p:nvPr>
+        </p:nvSpPr>
+        <p:spPr/>
+        <p:txBody>
+          <a:bodyPr/>
+          <a:lstStyle/>
+          <a:p>
+            <a:pPr marL="0" marR="0" indent="0" algn="l" defTabSz="914400" rtl="0" eaLnBrk="1" fontAlgn="auto" latinLnBrk="0" hangingPunct="1">
+              <a:lnSpc>
+                <a:spcPct val="100000"/>
+              </a:lnSpc>
+              <a:spcBef>
+                <a:spcPts val="0"/>
+              </a:spcBef>
+              <a:spcAft>
+                <a:spcPts val="0"/>
+              </a:spcAft>
+              <a:buClrTx/>
+              <a:buSzTx/>
+              <a:buFontTx/>
+              <a:buNone/>
+              <a:tabLst/>
+              <a:defRPr/>
+            </a:pPr>
+            <a:r>
+              <a:rPr lang="en-US" dirty="0" err="1"/>
+              <a:t>Auguste</a:t>
+            </a:r>
+            <a:r>
+              <a:rPr lang="en-US" dirty="0"/>
+              <a:t> </a:t>
+            </a:r>
+            <a:r>
+              <a:rPr lang="en-US" dirty="0" err="1"/>
+              <a:t>Kerckhoffs</a:t>
+            </a:r>
+            <a:r>
+              <a:rPr lang="en-US" dirty="0"/>
+              <a:t> (19 January 1835 – 9 August 1903) was a Dutch linguist and cryptographer who was professor of languages at the </a:t>
+            </a:r>
+            <a:r>
+              <a:rPr lang="en-US" dirty="0" err="1"/>
+              <a:t>École</a:t>
+            </a:r>
+            <a:r>
+              <a:rPr lang="en-US" dirty="0"/>
+              <a:t> des </a:t>
+            </a:r>
+            <a:r>
+              <a:rPr lang="en-US" dirty="0" err="1"/>
+              <a:t>Hautes</a:t>
+            </a:r>
+            <a:r>
+              <a:rPr lang="en-US" dirty="0"/>
+              <a:t> </a:t>
+            </a:r>
+            <a:r>
+              <a:rPr lang="en-US" dirty="0" err="1"/>
+              <a:t>Études</a:t>
+            </a:r>
+            <a:r>
+              <a:rPr lang="en-US" dirty="0"/>
+              <a:t> </a:t>
+            </a:r>
+            <a:r>
+              <a:rPr lang="en-US" dirty="0" err="1"/>
+              <a:t>Commerciales</a:t>
+            </a:r>
+            <a:r>
+              <a:rPr lang="en-US" dirty="0"/>
+              <a:t> in Paris in the late 19th century.</a:t>
+            </a:r>
+          </a:p>
+          <a:p>
+            <a:endParaRPr lang="en-US" dirty="0"/>
+          </a:p>
+        </p:txBody>
+      </p:sp>
+      <p:sp>
+        <p:nvSpPr>
+          <p:cNvPr id="4" name="Slide Number Placeholder 3"/>
+          <p:cNvSpPr>
+            <a:spLocks noGrp="1"/>
+          </p:cNvSpPr>
+          <p:nvPr>
+            <p:ph type="sldNum" sz="quarter" idx="10"/>
+          </p:nvPr>
+        </p:nvSpPr>
+        <p:spPr/>
+        <p:txBody>
+          <a:bodyPr/>
+          <a:lstStyle/>
+          <a:p>
+            <a:fld id="{A2226071-1B1D-4A6E-8708-FF184D4EAD61}" type="slidenum">
+              <a:rPr lang="en-US" smtClean="0"/>
+              <a:t>5</a:t>
+            </a:fld>
+            <a:endParaRPr lang="en-US"/>
+          </a:p>
+        </p:txBody>
+      </p:sp>
+    </p:spTree>
+    <p:extLst>
+      <p:ext uri="{BB962C8B-B14F-4D97-AF65-F5344CB8AC3E}">
+        <p14:creationId xmlns:p14="http://schemas.microsoft.com/office/powerpoint/2010/main" val="1921664761"/>
+      </p:ext>
+    </p:extLst>
+  </p:cSld>
+  <p:clrMapOvr>
+    <a:masterClrMapping/>
+  </p:clrMapOvr>
+</p:notes>
+</file>
+
+<file path=ppt/notesSlides/notesSlide3.xml><?xml version="1.0" encoding="utf-8"?>
+<p:notes xmlns:a="http://schemas.openxmlformats.org/drawingml/2006/main" xmlns:r="http://schemas.openxmlformats.org/officeDocument/2006/relationships" xmlns:p="http://schemas.openxmlformats.org/presentationml/2006/main">
+  <p:cSld>
+    <p:spTree>
+      <p:nvGrpSpPr>
+        <p:cNvPr id="1" name=""/>
+        <p:cNvGrpSpPr/>
+        <p:nvPr/>
+      </p:nvGrpSpPr>
+      <p:grpSpPr>
+        <a:xfrm>
+          <a:off x="0" y="0"/>
+          <a:ext cx="0" cy="0"/>
+          <a:chOff x="0" y="0"/>
+          <a:chExt cx="0" cy="0"/>
+        </a:xfrm>
+      </p:grpSpPr>
+      <p:sp>
+        <p:nvSpPr>
+          <p:cNvPr id="2" name="Slide Image Placeholder 1"/>
+          <p:cNvSpPr>
+            <a:spLocks noGrp="1" noRot="1" noChangeAspect="1"/>
+          </p:cNvSpPr>
+          <p:nvPr>
+            <p:ph type="sldImg"/>
+          </p:nvPr>
+        </p:nvSpPr>
+        <p:spPr/>
+      </p:sp>
+      <p:sp>
+        <p:nvSpPr>
+          <p:cNvPr id="3" name="Notes Placeholder 2"/>
+          <p:cNvSpPr>
+            <a:spLocks noGrp="1"/>
+          </p:cNvSpPr>
+          <p:nvPr>
+            <p:ph type="body" idx="1"/>
+          </p:nvPr>
+        </p:nvSpPr>
+        <p:spPr/>
+        <p:txBody>
+          <a:bodyPr/>
+          <a:lstStyle/>
+          <a:p>
+            <a:r>
+              <a:rPr lang="en-US" dirty="0"/>
+              <a:t>Current NSA/NIST short term PQ guidance requires 3072 bit moduli. Therefore each prime must be 1536 bits or ~463 digits each. This results in a ~925 digit modulus.</a:t>
+            </a:r>
+          </a:p>
+        </p:txBody>
+      </p:sp>
+      <p:sp>
+        <p:nvSpPr>
+          <p:cNvPr id="4" name="Slide Number Placeholder 3"/>
+          <p:cNvSpPr>
+            <a:spLocks noGrp="1"/>
+          </p:cNvSpPr>
+          <p:nvPr>
+            <p:ph type="sldNum" sz="quarter" idx="10"/>
+          </p:nvPr>
+        </p:nvSpPr>
+        <p:spPr/>
+        <p:txBody>
+          <a:bodyPr/>
+          <a:lstStyle/>
+          <a:p>
+            <a:fld id="{ED876B44-D89A-4FED-90B7-84BD30320FFD}" type="slidenum">
+              <a:rPr lang="en-US" smtClean="0"/>
+              <a:t>9</a:t>
+            </a:fld>
+            <a:endParaRPr lang="en-US"/>
+          </a:p>
+        </p:txBody>
+      </p:sp>
+    </p:spTree>
+    <p:extLst>
+      <p:ext uri="{BB962C8B-B14F-4D97-AF65-F5344CB8AC3E}">
+        <p14:creationId xmlns:p14="http://schemas.microsoft.com/office/powerpoint/2010/main" val="1554892183"/>
+      </p:ext>
+    </p:extLst>
+  </p:cSld>
+  <p:clrMapOvr>
+    <a:masterClrMapping/>
+  </p:clrMapOvr>
+</p:notes>
+</file>
+
+<file path=ppt/notesSlides/notesSlide4.xml><?xml version="1.0" encoding="utf-8"?>
+<p:notes xmlns:a="http://schemas.openxmlformats.org/drawingml/2006/main" xmlns:r="http://schemas.openxmlformats.org/officeDocument/2006/relationships" xmlns:p="http://schemas.openxmlformats.org/presentationml/2006/main">
+  <p:cSld>
+    <p:spTree>
+      <p:nvGrpSpPr>
+        <p:cNvPr id="1" name=""/>
+        <p:cNvGrpSpPr/>
+        <p:nvPr/>
+      </p:nvGrpSpPr>
+      <p:grpSpPr>
+        <a:xfrm>
+          <a:off x="0" y="0"/>
+          <a:ext cx="0" cy="0"/>
+          <a:chOff x="0" y="0"/>
+          <a:chExt cx="0" cy="0"/>
+        </a:xfrm>
+      </p:grpSpPr>
+      <p:sp>
+        <p:nvSpPr>
+          <p:cNvPr id="2" name="Slide Image Placeholder 1"/>
+          <p:cNvSpPr>
+            <a:spLocks noGrp="1" noRot="1" noChangeAspect="1"/>
+          </p:cNvSpPr>
+          <p:nvPr>
+            <p:ph type="sldImg"/>
+          </p:nvPr>
+        </p:nvSpPr>
+        <p:spPr/>
+      </p:sp>
+      <p:sp>
+        <p:nvSpPr>
+          <p:cNvPr id="3" name="Notes Placeholder 2"/>
+          <p:cNvSpPr>
+            <a:spLocks noGrp="1"/>
+          </p:cNvSpPr>
+          <p:nvPr>
+            <p:ph type="body" idx="1"/>
+          </p:nvPr>
+        </p:nvSpPr>
+        <p:spPr/>
+        <p:txBody>
+          <a:bodyPr/>
+          <a:lstStyle/>
+          <a:p>
+            <a:r>
+              <a:rPr lang="en-US" dirty="0"/>
+              <a:t>Current NSA/NIST short term PQ guidance requires 3072 bit moduli. Therefore each prime must be 1536 bits or ~463 digits each. This results in a ~925 digit modulus.</a:t>
+            </a:r>
+          </a:p>
+        </p:txBody>
+      </p:sp>
+      <p:sp>
+        <p:nvSpPr>
+          <p:cNvPr id="4" name="Slide Number Placeholder 3"/>
+          <p:cNvSpPr>
+            <a:spLocks noGrp="1"/>
+          </p:cNvSpPr>
+          <p:nvPr>
+            <p:ph type="sldNum" sz="quarter" idx="10"/>
+          </p:nvPr>
+        </p:nvSpPr>
+        <p:spPr/>
+        <p:txBody>
+          <a:bodyPr/>
+          <a:lstStyle/>
+          <a:p>
+            <a:fld id="{ED876B44-D89A-4FED-90B7-84BD30320FFD}" type="slidenum">
+              <a:rPr lang="en-US" smtClean="0"/>
+              <a:t>10</a:t>
+            </a:fld>
+            <a:endParaRPr lang="en-US"/>
+          </a:p>
+        </p:txBody>
+      </p:sp>
+    </p:spTree>
+    <p:extLst>
+      <p:ext uri="{BB962C8B-B14F-4D97-AF65-F5344CB8AC3E}">
+        <p14:creationId xmlns:p14="http://schemas.microsoft.com/office/powerpoint/2010/main" val="2471888325"/>
+      </p:ext>
+    </p:extLst>
+  </p:cSld>
+  <p:clrMapOvr>
+    <a:masterClrMapping/>
+  </p:clrMapOvr>
+</p:notes>
+</file>
+
+<file path=ppt/notesSlides/notesSlide5.xml><?xml version="1.0" encoding="utf-8"?>
+<p:notes xmlns:a="http://schemas.openxmlformats.org/drawingml/2006/main" xmlns:r="http://schemas.openxmlformats.org/officeDocument/2006/relationships" xmlns:p="http://schemas.openxmlformats.org/presentationml/2006/main">
+  <p:cSld>
+    <p:spTree>
+      <p:nvGrpSpPr>
+        <p:cNvPr id="1" name=""/>
+        <p:cNvGrpSpPr/>
+        <p:nvPr/>
+      </p:nvGrpSpPr>
+      <p:grpSpPr>
+        <a:xfrm>
+          <a:off x="0" y="0"/>
+          <a:ext cx="0" cy="0"/>
+          <a:chOff x="0" y="0"/>
+          <a:chExt cx="0" cy="0"/>
+        </a:xfrm>
+      </p:grpSpPr>
+      <p:sp>
+        <p:nvSpPr>
+          <p:cNvPr id="2" name="Slide Image Placeholder 1"/>
+          <p:cNvSpPr>
+            <a:spLocks noGrp="1" noRot="1" noChangeAspect="1"/>
+          </p:cNvSpPr>
+          <p:nvPr>
+            <p:ph type="sldImg"/>
+          </p:nvPr>
+        </p:nvSpPr>
+        <p:spPr/>
+      </p:sp>
+      <p:sp>
+        <p:nvSpPr>
+          <p:cNvPr id="3" name="Notes Placeholder 2"/>
+          <p:cNvSpPr>
+            <a:spLocks noGrp="1"/>
+          </p:cNvSpPr>
+          <p:nvPr>
+            <p:ph type="body" idx="1"/>
+          </p:nvPr>
+        </p:nvSpPr>
+        <p:spPr/>
+        <p:txBody>
+          <a:bodyPr/>
+          <a:lstStyle/>
+          <a:p>
+            <a:r>
+              <a:rPr lang="en-US" dirty="0"/>
+              <a:t>Current NSA/NIST short term PQ guidance requires 3072 bit moduli. Therefore each prime must be 1536 bits or ~463 digits each. This results in a ~925 digit modulus.</a:t>
+            </a:r>
+          </a:p>
+        </p:txBody>
+      </p:sp>
+      <p:sp>
+        <p:nvSpPr>
+          <p:cNvPr id="4" name="Slide Number Placeholder 3"/>
+          <p:cNvSpPr>
+            <a:spLocks noGrp="1"/>
+          </p:cNvSpPr>
+          <p:nvPr>
+            <p:ph type="sldNum" sz="quarter" idx="10"/>
+          </p:nvPr>
+        </p:nvSpPr>
+        <p:spPr/>
+        <p:txBody>
+          <a:bodyPr/>
+          <a:lstStyle/>
+          <a:p>
+            <a:fld id="{ED876B44-D89A-4FED-90B7-84BD30320FFD}" type="slidenum">
+              <a:rPr lang="en-US" smtClean="0"/>
+              <a:t>11</a:t>
+            </a:fld>
+            <a:endParaRPr lang="en-US"/>
+          </a:p>
+        </p:txBody>
+      </p:sp>
+    </p:spTree>
+    <p:extLst>
+      <p:ext uri="{BB962C8B-B14F-4D97-AF65-F5344CB8AC3E}">
+        <p14:creationId xmlns:p14="http://schemas.microsoft.com/office/powerpoint/2010/main" val="2467835665"/>
+      </p:ext>
+    </p:extLst>
+  </p:cSld>
+  <p:clrMapOvr>
+    <a:masterClrMapping/>
+  </p:clrMapOvr>
+</p:notes>
+</file>
+
+<file path=ppt/notesSlides/notesSlide6.xml><?xml version="1.0" encoding="utf-8"?>
+<p:notes xmlns:a="http://schemas.openxmlformats.org/drawingml/2006/main" xmlns:r="http://schemas.openxmlformats.org/officeDocument/2006/relationships" xmlns:p="http://schemas.openxmlformats.org/presentationml/2006/main">
+  <p:cSld>
+    <p:spTree>
+      <p:nvGrpSpPr>
+        <p:cNvPr id="1" name=""/>
+        <p:cNvGrpSpPr/>
+        <p:nvPr/>
+      </p:nvGrpSpPr>
+      <p:grpSpPr>
+        <a:xfrm>
+          <a:off x="0" y="0"/>
+          <a:ext cx="0" cy="0"/>
+          <a:chOff x="0" y="0"/>
+          <a:chExt cx="0" cy="0"/>
+        </a:xfrm>
+      </p:grpSpPr>
+      <p:sp>
+        <p:nvSpPr>
+          <p:cNvPr id="2" name="Slide Image Placeholder 1"/>
+          <p:cNvSpPr>
+            <a:spLocks noGrp="1" noRot="1" noChangeAspect="1"/>
+          </p:cNvSpPr>
+          <p:nvPr>
+            <p:ph type="sldImg"/>
+          </p:nvPr>
+        </p:nvSpPr>
+        <p:spPr/>
+      </p:sp>
+      <p:sp>
+        <p:nvSpPr>
+          <p:cNvPr id="3" name="Notes Placeholder 2"/>
+          <p:cNvSpPr>
+            <a:spLocks noGrp="1"/>
+          </p:cNvSpPr>
+          <p:nvPr>
+            <p:ph type="body" idx="1"/>
+          </p:nvPr>
+        </p:nvSpPr>
+        <p:spPr/>
+        <p:txBody>
+          <a:bodyPr/>
+          <a:lstStyle/>
+          <a:p>
+            <a:r>
+              <a:rPr lang="en-US" dirty="0"/>
+              <a:t>Current NSA/NIST short term PQ guidance requires 3072 bit moduli. Therefore each prime must be 1536 bits or ~463 digits each. This results in a ~925 digit modulus.</a:t>
+            </a:r>
+          </a:p>
+        </p:txBody>
+      </p:sp>
+      <p:sp>
+        <p:nvSpPr>
+          <p:cNvPr id="4" name="Slide Number Placeholder 3"/>
+          <p:cNvSpPr>
+            <a:spLocks noGrp="1"/>
+          </p:cNvSpPr>
+          <p:nvPr>
+            <p:ph type="sldNum" sz="quarter" idx="10"/>
+          </p:nvPr>
+        </p:nvSpPr>
+        <p:spPr/>
+        <p:txBody>
+          <a:bodyPr/>
+          <a:lstStyle/>
+          <a:p>
+            <a:fld id="{ED876B44-D89A-4FED-90B7-84BD30320FFD}" type="slidenum">
+              <a:rPr lang="en-US" smtClean="0"/>
+              <a:t>12</a:t>
+            </a:fld>
+            <a:endParaRPr lang="en-US"/>
+          </a:p>
+        </p:txBody>
+      </p:sp>
+    </p:spTree>
+    <p:extLst>
+      <p:ext uri="{BB962C8B-B14F-4D97-AF65-F5344CB8AC3E}">
+        <p14:creationId xmlns:p14="http://schemas.microsoft.com/office/powerpoint/2010/main" val="4052215020"/>
+      </p:ext>
+    </p:extLst>
+  </p:cSld>
+  <p:clrMapOvr>
+    <a:masterClrMapping/>
+  </p:clrMapOvr>
+</p:notes>
+</file>
+
+<file path=ppt/notesSlides/notesSlide7.xml><?xml version="1.0" encoding="utf-8"?>
+<p:notes xmlns:a="http://schemas.openxmlformats.org/drawingml/2006/main" xmlns:r="http://schemas.openxmlformats.org/officeDocument/2006/relationships" xmlns:p="http://schemas.openxmlformats.org/presentationml/2006/main">
+  <p:cSld>
+    <p:spTree>
+      <p:nvGrpSpPr>
+        <p:cNvPr id="1" name=""/>
+        <p:cNvGrpSpPr/>
+        <p:nvPr/>
+      </p:nvGrpSpPr>
+      <p:grpSpPr>
+        <a:xfrm>
+          <a:off x="0" y="0"/>
+          <a:ext cx="0" cy="0"/>
+          <a:chOff x="0" y="0"/>
+          <a:chExt cx="0" cy="0"/>
+        </a:xfrm>
+      </p:grpSpPr>
+      <p:sp>
+        <p:nvSpPr>
+          <p:cNvPr id="2" name="Slide Image Placeholder 1"/>
+          <p:cNvSpPr>
+            <a:spLocks noGrp="1" noRot="1" noChangeAspect="1"/>
+          </p:cNvSpPr>
+          <p:nvPr>
+            <p:ph type="sldImg"/>
+          </p:nvPr>
+        </p:nvSpPr>
+        <p:spPr/>
+      </p:sp>
+      <p:sp>
+        <p:nvSpPr>
+          <p:cNvPr id="3" name="Notes Placeholder 2"/>
+          <p:cNvSpPr>
+            <a:spLocks noGrp="1"/>
+          </p:cNvSpPr>
+          <p:nvPr>
+            <p:ph type="body" idx="1"/>
+          </p:nvPr>
+        </p:nvSpPr>
+        <p:spPr/>
+        <p:txBody>
+          <a:bodyPr/>
+          <a:lstStyle/>
+          <a:p>
+            <a:r>
+              <a:rPr lang="en-US" dirty="0"/>
+              <a:t>Current NSA/NIST short term PQ guidance requires 3072 bit moduli. Therefore each prime must be 1536 bits or ~463 digits each. This results in a ~925 digit modulus.</a:t>
+            </a:r>
+          </a:p>
+        </p:txBody>
+      </p:sp>
+      <p:sp>
+        <p:nvSpPr>
+          <p:cNvPr id="4" name="Slide Number Placeholder 3"/>
+          <p:cNvSpPr>
+            <a:spLocks noGrp="1"/>
+          </p:cNvSpPr>
+          <p:nvPr>
+            <p:ph type="sldNum" sz="quarter" idx="10"/>
+          </p:nvPr>
+        </p:nvSpPr>
+        <p:spPr/>
+        <p:txBody>
+          <a:bodyPr/>
+          <a:lstStyle/>
+          <a:p>
+            <a:fld id="{ED876B44-D89A-4FED-90B7-84BD30320FFD}" type="slidenum">
+              <a:rPr lang="en-US" smtClean="0"/>
               <a:t>13</a:t>
             </a:fld>
             <a:endParaRPr lang="en-US"/>
@@ -1414,7 +1417,181 @@
     </p:spTree>
     <p:extLst>
       <p:ext uri="{BB962C8B-B14F-4D97-AF65-F5344CB8AC3E}">
-        <p14:creationId xmlns:p14="http://schemas.microsoft.com/office/powerpoint/2010/main" val="2533898954"/>
+        <p14:creationId xmlns:p14="http://schemas.microsoft.com/office/powerpoint/2010/main" val="115655642"/>
+      </p:ext>
+    </p:extLst>
+  </p:cSld>
+  <p:clrMapOvr>
+    <a:masterClrMapping/>
+  </p:clrMapOvr>
+</p:notes>
+</file>
+
+<file path=ppt/notesSlides/notesSlide8.xml><?xml version="1.0" encoding="utf-8"?>
+<p:notes xmlns:a="http://schemas.openxmlformats.org/drawingml/2006/main" xmlns:r="http://schemas.openxmlformats.org/officeDocument/2006/relationships" xmlns:p="http://schemas.openxmlformats.org/presentationml/2006/main">
+  <p:cSld>
+    <p:spTree>
+      <p:nvGrpSpPr>
+        <p:cNvPr id="1" name=""/>
+        <p:cNvGrpSpPr/>
+        <p:nvPr/>
+      </p:nvGrpSpPr>
+      <p:grpSpPr>
+        <a:xfrm>
+          <a:off x="0" y="0"/>
+          <a:ext cx="0" cy="0"/>
+          <a:chOff x="0" y="0"/>
+          <a:chExt cx="0" cy="0"/>
+        </a:xfrm>
+      </p:grpSpPr>
+      <p:sp>
+        <p:nvSpPr>
+          <p:cNvPr id="2" name="Slide Image Placeholder 1"/>
+          <p:cNvSpPr>
+            <a:spLocks noGrp="1" noRot="1" noChangeAspect="1"/>
+          </p:cNvSpPr>
+          <p:nvPr>
+            <p:ph type="sldImg"/>
+          </p:nvPr>
+        </p:nvSpPr>
+        <p:spPr/>
+      </p:sp>
+      <p:sp>
+        <p:nvSpPr>
+          <p:cNvPr id="3" name="Notes Placeholder 2"/>
+          <p:cNvSpPr>
+            <a:spLocks noGrp="1"/>
+          </p:cNvSpPr>
+          <p:nvPr>
+            <p:ph type="body" idx="1"/>
+          </p:nvPr>
+        </p:nvSpPr>
+        <p:spPr/>
+        <p:txBody>
+          <a:bodyPr/>
+          <a:lstStyle/>
+          <a:p>
+            <a:r>
+              <a:rPr lang="en-US" dirty="0"/>
+              <a:t>Current NSA/NIST short term PQ guidance requires 3072 bit moduli. Therefore each prime must be 1536 bits or ~463 digits each. This results in a ~925 digit modulus.</a:t>
+            </a:r>
+          </a:p>
+        </p:txBody>
+      </p:sp>
+      <p:sp>
+        <p:nvSpPr>
+          <p:cNvPr id="4" name="Slide Number Placeholder 3"/>
+          <p:cNvSpPr>
+            <a:spLocks noGrp="1"/>
+          </p:cNvSpPr>
+          <p:nvPr>
+            <p:ph type="sldNum" sz="quarter" idx="10"/>
+          </p:nvPr>
+        </p:nvSpPr>
+        <p:spPr/>
+        <p:txBody>
+          <a:bodyPr/>
+          <a:lstStyle/>
+          <a:p>
+            <a:fld id="{ED876B44-D89A-4FED-90B7-84BD30320FFD}" type="slidenum">
+              <a:rPr lang="en-US" smtClean="0"/>
+              <a:t>14</a:t>
+            </a:fld>
+            <a:endParaRPr lang="en-US"/>
+          </a:p>
+        </p:txBody>
+      </p:sp>
+    </p:spTree>
+    <p:extLst>
+      <p:ext uri="{BB962C8B-B14F-4D97-AF65-F5344CB8AC3E}">
+        <p14:creationId xmlns:p14="http://schemas.microsoft.com/office/powerpoint/2010/main" val="2435323525"/>
+      </p:ext>
+    </p:extLst>
+  </p:cSld>
+  <p:clrMapOvr>
+    <a:masterClrMapping/>
+  </p:clrMapOvr>
+</p:notes>
+</file>
+
+<file path=ppt/notesSlides/notesSlide9.xml><?xml version="1.0" encoding="utf-8"?>
+<p:notes xmlns:a="http://schemas.openxmlformats.org/drawingml/2006/main" xmlns:r="http://schemas.openxmlformats.org/officeDocument/2006/relationships" xmlns:p="http://schemas.openxmlformats.org/presentationml/2006/main">
+  <p:cSld>
+    <p:spTree>
+      <p:nvGrpSpPr>
+        <p:cNvPr id="1" name=""/>
+        <p:cNvGrpSpPr/>
+        <p:nvPr/>
+      </p:nvGrpSpPr>
+      <p:grpSpPr>
+        <a:xfrm>
+          <a:off x="0" y="0"/>
+          <a:ext cx="0" cy="0"/>
+          <a:chOff x="0" y="0"/>
+          <a:chExt cx="0" cy="0"/>
+        </a:xfrm>
+      </p:grpSpPr>
+      <p:sp>
+        <p:nvSpPr>
+          <p:cNvPr id="2" name="Slide Image Placeholder 1"/>
+          <p:cNvSpPr>
+            <a:spLocks noGrp="1" noRot="1" noChangeAspect="1"/>
+          </p:cNvSpPr>
+          <p:nvPr>
+            <p:ph type="sldImg"/>
+          </p:nvPr>
+        </p:nvSpPr>
+        <p:spPr/>
+      </p:sp>
+      <p:sp>
+        <p:nvSpPr>
+          <p:cNvPr id="3" name="Notes Placeholder 2"/>
+          <p:cNvSpPr>
+            <a:spLocks noGrp="1"/>
+          </p:cNvSpPr>
+          <p:nvPr>
+            <p:ph type="body" idx="1"/>
+          </p:nvPr>
+        </p:nvSpPr>
+        <p:spPr/>
+        <p:txBody>
+          <a:bodyPr/>
+          <a:lstStyle/>
+          <a:p>
+            <a:r>
+              <a:rPr lang="en-US" dirty="0"/>
+              <a:t>Current NSA/NIST short term PQ guidance requires 3072 bit moduli. Therefore each prime must be 1536 bits or ~463 digits each. This results in a ~925 digit modulus.</a:t>
+            </a:r>
+          </a:p>
+        </p:txBody>
+      </p:sp>
+      <p:sp>
+        <p:nvSpPr>
+          <p:cNvPr id="4" name="Slide Number Placeholder 3"/>
+          <p:cNvSpPr>
+            <a:spLocks noGrp="1"/>
+          </p:cNvSpPr>
+          <p:nvPr>
+            <p:ph type="sldNum" sz="quarter" idx="10"/>
+          </p:nvPr>
+        </p:nvSpPr>
+        <p:spPr/>
+        <p:txBody>
+          <a:bodyPr/>
+          <a:lstStyle/>
+          <a:p>
+            <a:fld id="{ED876B44-D89A-4FED-90B7-84BD30320FFD}" type="slidenum">
+              <a:rPr lang="en-US" smtClean="0"/>
+              <a:t>15</a:t>
+            </a:fld>
+            <a:endParaRPr lang="en-US"/>
+          </a:p>
+        </p:txBody>
+      </p:sp>
+    </p:spTree>
+    <p:extLst>
+      <p:ext uri="{BB962C8B-B14F-4D97-AF65-F5344CB8AC3E}">
+        <p14:creationId xmlns:p14="http://schemas.microsoft.com/office/powerpoint/2010/main" val="166837150"/>
       </p:ext>
     </p:extLst>
   </p:cSld>
@@ -7021,7 +7198,7 @@
           <a:p>
             <a:fld id="{4509A250-FF31-4206-8172-F9D3106AACB1}" type="datetimeFigureOut">
               <a:rPr lang="en-US" smtClean="0"/>
-              <a:t>1/31/2019</a:t>
+              <a:t>2/14/2019</a:t>
             </a:fld>
             <a:endParaRPr lang="en-US" dirty="0"/>
           </a:p>
@@ -9545,7 +9722,7 @@
           <a:p>
             <a:r>
               <a:rPr lang="en-US" dirty="0"/>
-              <a:t>RSA Cryptography</a:t>
+              <a:t>Cryptography</a:t>
             </a:r>
           </a:p>
         </p:txBody>
@@ -9576,6 +9753,1000 @@
 </file>
 
 <file path=ppt/slides/slide10.xml><?xml version="1.0" encoding="utf-8"?>
+<p:sld xmlns:a="http://schemas.openxmlformats.org/drawingml/2006/main" xmlns:r="http://schemas.openxmlformats.org/officeDocument/2006/relationships" xmlns:p="http://schemas.openxmlformats.org/presentationml/2006/main">
+  <p:cSld>
+    <p:spTree>
+      <p:nvGrpSpPr>
+        <p:cNvPr id="1" name=""/>
+        <p:cNvGrpSpPr/>
+        <p:nvPr/>
+      </p:nvGrpSpPr>
+      <p:grpSpPr>
+        <a:xfrm>
+          <a:off x="0" y="0"/>
+          <a:ext cx="0" cy="0"/>
+          <a:chOff x="0" y="0"/>
+          <a:chExt cx="0" cy="0"/>
+        </a:xfrm>
+      </p:grpSpPr>
+      <p:sp>
+        <p:nvSpPr>
+          <p:cNvPr id="4" name="Title 3"/>
+          <p:cNvSpPr>
+            <a:spLocks noGrp="1"/>
+          </p:cNvSpPr>
+          <p:nvPr>
+            <p:ph type="title"/>
+          </p:nvPr>
+        </p:nvSpPr>
+        <p:spPr/>
+        <p:txBody>
+          <a:bodyPr/>
+          <a:lstStyle/>
+          <a:p>
+            <a:r>
+              <a:rPr lang="en-US" dirty="0"/>
+              <a:t>AN Introduction To RSA</a:t>
+            </a:r>
+          </a:p>
+        </p:txBody>
+      </p:sp>
+      <p:sp>
+        <p:nvSpPr>
+          <p:cNvPr id="5" name="Content Placeholder 4"/>
+          <p:cNvSpPr>
+            <a:spLocks noGrp="1"/>
+          </p:cNvSpPr>
+          <p:nvPr>
+            <p:ph sz="quarter" idx="13"/>
+          </p:nvPr>
+        </p:nvSpPr>
+        <p:spPr/>
+        <p:txBody>
+          <a:bodyPr>
+            <a:normAutofit/>
+          </a:bodyPr>
+          <a:lstStyle/>
+          <a:p>
+            <a:r>
+              <a:rPr lang="en-US" dirty="0"/>
+              <a:t>The keys are created by selecting 2 prime numbers (p, q) and multiplying them together to create a modulus (n). This value is used during encryption and decryption.</a:t>
+            </a:r>
+          </a:p>
+          <a:p>
+            <a:pPr lvl="1"/>
+            <a:r>
+              <a:rPr lang="en-US" dirty="0"/>
+              <a:t>Public key = (e, n) – e is called the “public exponent”, while n is the modulus.</a:t>
+            </a:r>
+          </a:p>
+          <a:p>
+            <a:pPr lvl="1"/>
+            <a:r>
+              <a:rPr lang="en-US" dirty="0"/>
+              <a:t>Private key = (d, n) – d is called the “private exponent”, while n is the modulus.</a:t>
+            </a:r>
+          </a:p>
+          <a:p>
+            <a:pPr marL="0" lvl="1" indent="0">
+              <a:buNone/>
+            </a:pPr>
+            <a:endParaRPr lang="en-US" dirty="0"/>
+          </a:p>
+        </p:txBody>
+      </p:sp>
+    </p:spTree>
+    <p:extLst>
+      <p:ext uri="{BB962C8B-B14F-4D97-AF65-F5344CB8AC3E}">
+        <p14:creationId xmlns:p14="http://schemas.microsoft.com/office/powerpoint/2010/main" val="1425912052"/>
+      </p:ext>
+    </p:extLst>
+  </p:cSld>
+  <p:clrMapOvr>
+    <a:masterClrMapping/>
+  </p:clrMapOvr>
+  <mc:AlternateContent xmlns:mc="http://schemas.openxmlformats.org/markup-compatibility/2006" xmlns:p14="http://schemas.microsoft.com/office/powerpoint/2010/main">
+    <mc:Choice Requires="p14">
+      <p:transition spd="med" p14:dur="700">
+        <p:fade/>
+      </p:transition>
+    </mc:Choice>
+    <mc:Fallback xmlns="">
+      <p:transition spd="med">
+        <p:fade/>
+      </p:transition>
+    </mc:Fallback>
+  </mc:AlternateContent>
+</p:sld>
+</file>
+
+<file path=ppt/slides/slide11.xml><?xml version="1.0" encoding="utf-8"?>
+<p:sld xmlns:a="http://schemas.openxmlformats.org/drawingml/2006/main" xmlns:r="http://schemas.openxmlformats.org/officeDocument/2006/relationships" xmlns:p="http://schemas.openxmlformats.org/presentationml/2006/main">
+  <p:cSld>
+    <p:spTree>
+      <p:nvGrpSpPr>
+        <p:cNvPr id="1" name=""/>
+        <p:cNvGrpSpPr/>
+        <p:nvPr/>
+      </p:nvGrpSpPr>
+      <p:grpSpPr>
+        <a:xfrm>
+          <a:off x="0" y="0"/>
+          <a:ext cx="0" cy="0"/>
+          <a:chOff x="0" y="0"/>
+          <a:chExt cx="0" cy="0"/>
+        </a:xfrm>
+      </p:grpSpPr>
+      <p:sp>
+        <p:nvSpPr>
+          <p:cNvPr id="4" name="Title 3"/>
+          <p:cNvSpPr>
+            <a:spLocks noGrp="1"/>
+          </p:cNvSpPr>
+          <p:nvPr>
+            <p:ph type="title"/>
+          </p:nvPr>
+        </p:nvSpPr>
+        <p:spPr/>
+        <p:txBody>
+          <a:bodyPr/>
+          <a:lstStyle/>
+          <a:p>
+            <a:r>
+              <a:rPr lang="en-US" dirty="0"/>
+              <a:t>AN Introduction To RSA</a:t>
+            </a:r>
+          </a:p>
+        </p:txBody>
+      </p:sp>
+      <p:sp>
+        <p:nvSpPr>
+          <p:cNvPr id="5" name="Content Placeholder 4"/>
+          <p:cNvSpPr>
+            <a:spLocks noGrp="1"/>
+          </p:cNvSpPr>
+          <p:nvPr>
+            <p:ph sz="quarter" idx="13"/>
+          </p:nvPr>
+        </p:nvSpPr>
+        <p:spPr/>
+        <p:txBody>
+          <a:bodyPr>
+            <a:normAutofit/>
+          </a:bodyPr>
+          <a:lstStyle/>
+          <a:p>
+            <a:pPr marL="0" lvl="1" indent="0">
+              <a:buNone/>
+            </a:pPr>
+            <a:r>
+              <a:rPr lang="en-US" dirty="0">
+                <a:solidFill>
+                  <a:srgbClr val="0071C5"/>
+                </a:solidFill>
+              </a:rPr>
+              <a:t>Because the public key is “public,” the public exponent is a known value.  It usually is 3 or 65,537.</a:t>
+            </a:r>
+          </a:p>
+          <a:p>
+            <a:pPr marL="0" lvl="1" indent="0">
+              <a:buNone/>
+            </a:pPr>
+            <a:r>
+              <a:rPr lang="en-US" dirty="0">
+                <a:solidFill>
+                  <a:srgbClr val="0071C5"/>
+                </a:solidFill>
+              </a:rPr>
+              <a:t>Because the private key is “private,” a bit more work goes into creating the private exponent…</a:t>
+            </a:r>
+          </a:p>
+          <a:p>
+            <a:pPr marL="0" lvl="1" indent="0">
+              <a:buNone/>
+            </a:pPr>
+            <a:r>
+              <a:rPr lang="en-US" sz="1900" dirty="0">
+                <a:solidFill>
+                  <a:srgbClr val="0071C5"/>
+                </a:solidFill>
+              </a:rPr>
+              <a:t>For more details on how to compute the private exponent, see the RSA article on Wikipedia.  </a:t>
+            </a:r>
+            <a:r>
+              <a:rPr lang="en-US" sz="1900" dirty="0"/>
+              <a:t>(</a:t>
+            </a:r>
+            <a:r>
+              <a:rPr lang="en-US" sz="1900" dirty="0">
+                <a:hlinkClick r:id="rId3"/>
+              </a:rPr>
+              <a:t>https://en.wikipedia.org/wiki/RSA_(cryptosystem)</a:t>
+            </a:r>
+            <a:r>
+              <a:rPr lang="en-US" sz="1900" dirty="0"/>
+              <a:t>)</a:t>
+            </a:r>
+            <a:endParaRPr lang="en-US" sz="1900" dirty="0">
+              <a:solidFill>
+                <a:srgbClr val="0071C5"/>
+              </a:solidFill>
+            </a:endParaRPr>
+          </a:p>
+          <a:p>
+            <a:pPr marL="0" lvl="1" indent="0">
+              <a:buNone/>
+            </a:pPr>
+            <a:endParaRPr lang="en-US" dirty="0"/>
+          </a:p>
+        </p:txBody>
+      </p:sp>
+    </p:spTree>
+    <p:extLst>
+      <p:ext uri="{BB962C8B-B14F-4D97-AF65-F5344CB8AC3E}">
+        <p14:creationId xmlns:p14="http://schemas.microsoft.com/office/powerpoint/2010/main" val="340608171"/>
+      </p:ext>
+    </p:extLst>
+  </p:cSld>
+  <p:clrMapOvr>
+    <a:masterClrMapping/>
+  </p:clrMapOvr>
+  <mc:AlternateContent xmlns:mc="http://schemas.openxmlformats.org/markup-compatibility/2006" xmlns:p14="http://schemas.microsoft.com/office/powerpoint/2010/main">
+    <mc:Choice Requires="p14">
+      <p:transition spd="med" p14:dur="700">
+        <p:fade/>
+      </p:transition>
+    </mc:Choice>
+    <mc:Fallback xmlns="">
+      <p:transition spd="med">
+        <p:fade/>
+      </p:transition>
+    </mc:Fallback>
+  </mc:AlternateContent>
+</p:sld>
+</file>
+
+<file path=ppt/slides/slide12.xml><?xml version="1.0" encoding="utf-8"?>
+<p:sld xmlns:a="http://schemas.openxmlformats.org/drawingml/2006/main" xmlns:r="http://schemas.openxmlformats.org/officeDocument/2006/relationships" xmlns:p="http://schemas.openxmlformats.org/presentationml/2006/main">
+  <p:cSld>
+    <p:spTree>
+      <p:nvGrpSpPr>
+        <p:cNvPr id="1" name=""/>
+        <p:cNvGrpSpPr/>
+        <p:nvPr/>
+      </p:nvGrpSpPr>
+      <p:grpSpPr>
+        <a:xfrm>
+          <a:off x="0" y="0"/>
+          <a:ext cx="0" cy="0"/>
+          <a:chOff x="0" y="0"/>
+          <a:chExt cx="0" cy="0"/>
+        </a:xfrm>
+      </p:grpSpPr>
+      <p:sp>
+        <p:nvSpPr>
+          <p:cNvPr id="4" name="Title 3"/>
+          <p:cNvSpPr>
+            <a:spLocks noGrp="1"/>
+          </p:cNvSpPr>
+          <p:nvPr>
+            <p:ph type="title"/>
+          </p:nvPr>
+        </p:nvSpPr>
+        <p:spPr/>
+        <p:txBody>
+          <a:bodyPr/>
+          <a:lstStyle/>
+          <a:p>
+            <a:r>
+              <a:rPr lang="en-US" dirty="0"/>
+              <a:t>An Introduction To RSA</a:t>
+            </a:r>
+          </a:p>
+        </p:txBody>
+      </p:sp>
+      <p:sp>
+        <p:nvSpPr>
+          <p:cNvPr id="5" name="Content Placeholder 4"/>
+          <p:cNvSpPr>
+            <a:spLocks noGrp="1"/>
+          </p:cNvSpPr>
+          <p:nvPr>
+            <p:ph sz="quarter" idx="13"/>
+          </p:nvPr>
+        </p:nvSpPr>
+        <p:spPr/>
+        <p:txBody>
+          <a:bodyPr>
+            <a:normAutofit/>
+          </a:bodyPr>
+          <a:lstStyle/>
+          <a:p>
+            <a:r>
+              <a:rPr lang="en-US" dirty="0"/>
+              <a:t>Once the public and private keys are generated, encryption and decryption can occur.</a:t>
+            </a:r>
+          </a:p>
+          <a:p>
+            <a:pPr algn="ctr"/>
+            <a:r>
+              <a:rPr lang="en-US" dirty="0"/>
+              <a:t>Encrypt a message (m) with modular exponentiation…</a:t>
+            </a:r>
+          </a:p>
+          <a:p>
+            <a:pPr marL="0" lvl="1" indent="0" algn="ctr">
+              <a:buNone/>
+            </a:pPr>
+            <a:r>
+              <a:rPr lang="en-US" b="1" dirty="0">
+                <a:solidFill>
+                  <a:srgbClr val="FF0000"/>
+                </a:solidFill>
+              </a:rPr>
+              <a:t>c</a:t>
+            </a:r>
+            <a:r>
+              <a:rPr lang="en-US" b="1" dirty="0"/>
+              <a:t> = </a:t>
+            </a:r>
+            <a:r>
+              <a:rPr lang="en-US" b="1" dirty="0">
+                <a:solidFill>
+                  <a:srgbClr val="00B050"/>
+                </a:solidFill>
+              </a:rPr>
+              <a:t>m</a:t>
+            </a:r>
+            <a:r>
+              <a:rPr lang="en-US" b="1" baseline="30000" dirty="0"/>
+              <a:t>e</a:t>
+            </a:r>
+            <a:r>
+              <a:rPr lang="en-US" b="1" dirty="0"/>
+              <a:t> mod n</a:t>
+            </a:r>
+          </a:p>
+          <a:p>
+            <a:pPr lvl="0" algn="ctr"/>
+            <a:r>
+              <a:rPr lang="en-US" dirty="0"/>
+              <a:t>…and decrypt a message (c) with modular exponentiation</a:t>
+            </a:r>
+          </a:p>
+          <a:p>
+            <a:pPr marL="0" lvl="1" indent="0" algn="ctr">
+              <a:buNone/>
+            </a:pPr>
+            <a:r>
+              <a:rPr lang="en-US" b="1" dirty="0">
+                <a:solidFill>
+                  <a:srgbClr val="00B050"/>
+                </a:solidFill>
+              </a:rPr>
+              <a:t>m</a:t>
+            </a:r>
+            <a:r>
+              <a:rPr lang="en-US" b="1" dirty="0"/>
+              <a:t> = </a:t>
+            </a:r>
+            <a:r>
+              <a:rPr lang="en-US" b="1" dirty="0">
+                <a:solidFill>
+                  <a:srgbClr val="FF0000"/>
+                </a:solidFill>
+              </a:rPr>
+              <a:t>c</a:t>
+            </a:r>
+            <a:r>
+              <a:rPr lang="en-US" b="1" baseline="30000" dirty="0"/>
+              <a:t>d</a:t>
+            </a:r>
+            <a:r>
+              <a:rPr lang="en-US" b="1" dirty="0"/>
+              <a:t> mod n</a:t>
+            </a:r>
+          </a:p>
+          <a:p>
+            <a:endParaRPr lang="en-US" dirty="0"/>
+          </a:p>
+        </p:txBody>
+      </p:sp>
+    </p:spTree>
+    <p:extLst>
+      <p:ext uri="{BB962C8B-B14F-4D97-AF65-F5344CB8AC3E}">
+        <p14:creationId xmlns:p14="http://schemas.microsoft.com/office/powerpoint/2010/main" val="3512066327"/>
+      </p:ext>
+    </p:extLst>
+  </p:cSld>
+  <p:clrMapOvr>
+    <a:masterClrMapping/>
+  </p:clrMapOvr>
+  <mc:AlternateContent xmlns:mc="http://schemas.openxmlformats.org/markup-compatibility/2006" xmlns:p14="http://schemas.microsoft.com/office/powerpoint/2010/main">
+    <mc:Choice Requires="p14">
+      <p:transition spd="med" p14:dur="700">
+        <p:fade/>
+      </p:transition>
+    </mc:Choice>
+    <mc:Fallback xmlns="">
+      <p:transition spd="med">
+        <p:fade/>
+      </p:transition>
+    </mc:Fallback>
+  </mc:AlternateContent>
+</p:sld>
+</file>
+
+<file path=ppt/slides/slide13.xml><?xml version="1.0" encoding="utf-8"?>
+<p:sld xmlns:a="http://schemas.openxmlformats.org/drawingml/2006/main" xmlns:r="http://schemas.openxmlformats.org/officeDocument/2006/relationships" xmlns:p="http://schemas.openxmlformats.org/presentationml/2006/main">
+  <p:cSld>
+    <p:spTree>
+      <p:nvGrpSpPr>
+        <p:cNvPr id="1" name=""/>
+        <p:cNvGrpSpPr/>
+        <p:nvPr/>
+      </p:nvGrpSpPr>
+      <p:grpSpPr>
+        <a:xfrm>
+          <a:off x="0" y="0"/>
+          <a:ext cx="0" cy="0"/>
+          <a:chOff x="0" y="0"/>
+          <a:chExt cx="0" cy="0"/>
+        </a:xfrm>
+      </p:grpSpPr>
+      <p:sp>
+        <p:nvSpPr>
+          <p:cNvPr id="4" name="Title 3"/>
+          <p:cNvSpPr>
+            <a:spLocks noGrp="1"/>
+          </p:cNvSpPr>
+          <p:nvPr>
+            <p:ph type="title"/>
+          </p:nvPr>
+        </p:nvSpPr>
+        <p:spPr/>
+        <p:txBody>
+          <a:bodyPr/>
+          <a:lstStyle/>
+          <a:p>
+            <a:r>
+              <a:rPr lang="en-US" dirty="0"/>
+              <a:t>Breaking RSA keys by factoring large integers</a:t>
+            </a:r>
+          </a:p>
+        </p:txBody>
+      </p:sp>
+      <p:sp>
+        <p:nvSpPr>
+          <p:cNvPr id="5" name="Content Placeholder 4"/>
+          <p:cNvSpPr>
+            <a:spLocks noGrp="1"/>
+          </p:cNvSpPr>
+          <p:nvPr>
+            <p:ph sz="quarter" idx="13"/>
+          </p:nvPr>
+        </p:nvSpPr>
+        <p:spPr/>
+        <p:txBody>
+          <a:bodyPr>
+            <a:normAutofit/>
+          </a:bodyPr>
+          <a:lstStyle/>
+          <a:p>
+            <a:r>
+              <a:rPr lang="en-US" dirty="0"/>
+              <a:t>As stated earlier…</a:t>
+            </a:r>
+          </a:p>
+          <a:p>
+            <a:pPr algn="ctr"/>
+            <a:r>
+              <a:rPr lang="en-US" b="1" dirty="0"/>
+              <a:t>The security of RSA relies on the difficulty of factoring large integers.</a:t>
+            </a:r>
+          </a:p>
+          <a:p>
+            <a:pPr algn="ctr"/>
+            <a:endParaRPr lang="en-US" dirty="0"/>
+          </a:p>
+          <a:p>
+            <a:r>
+              <a:rPr lang="en-US" dirty="0"/>
+              <a:t>One way to break RSA is to factor the modulus into its composite primes.  After doing this, computing the private key is trivial.</a:t>
+            </a:r>
+          </a:p>
+          <a:p>
+            <a:r>
+              <a:rPr lang="en-US" dirty="0"/>
+              <a:t>Numerous algorithms exist for factoring large integers – none of them are very efficient… yet.</a:t>
+            </a:r>
+          </a:p>
+          <a:p>
+            <a:pPr marL="0" lvl="1" indent="0">
+              <a:buNone/>
+            </a:pPr>
+            <a:r>
+              <a:rPr lang="en-US" dirty="0"/>
+              <a:t>i.e. Quadratic sieve, general number field sieve, Shor’s algorithm (quantum computers)</a:t>
+            </a:r>
+          </a:p>
+        </p:txBody>
+      </p:sp>
+    </p:spTree>
+    <p:extLst>
+      <p:ext uri="{BB962C8B-B14F-4D97-AF65-F5344CB8AC3E}">
+        <p14:creationId xmlns:p14="http://schemas.microsoft.com/office/powerpoint/2010/main" val="82824601"/>
+      </p:ext>
+    </p:extLst>
+  </p:cSld>
+  <p:clrMapOvr>
+    <a:masterClrMapping/>
+  </p:clrMapOvr>
+  <mc:AlternateContent xmlns:mc="http://schemas.openxmlformats.org/markup-compatibility/2006" xmlns:p14="http://schemas.microsoft.com/office/powerpoint/2010/main">
+    <mc:Choice Requires="p14">
+      <p:transition spd="med" p14:dur="700">
+        <p:fade/>
+      </p:transition>
+    </mc:Choice>
+    <mc:Fallback xmlns="">
+      <p:transition spd="med">
+        <p:fade/>
+      </p:transition>
+    </mc:Fallback>
+  </mc:AlternateContent>
+</p:sld>
+</file>
+
+<file path=ppt/slides/slide14.xml><?xml version="1.0" encoding="utf-8"?>
+<p:sld xmlns:a="http://schemas.openxmlformats.org/drawingml/2006/main" xmlns:r="http://schemas.openxmlformats.org/officeDocument/2006/relationships" xmlns:p="http://schemas.openxmlformats.org/presentationml/2006/main">
+  <p:cSld>
+    <p:spTree>
+      <p:nvGrpSpPr>
+        <p:cNvPr id="1" name=""/>
+        <p:cNvGrpSpPr/>
+        <p:nvPr/>
+      </p:nvGrpSpPr>
+      <p:grpSpPr>
+        <a:xfrm>
+          <a:off x="0" y="0"/>
+          <a:ext cx="0" cy="0"/>
+          <a:chOff x="0" y="0"/>
+          <a:chExt cx="0" cy="0"/>
+        </a:xfrm>
+      </p:grpSpPr>
+      <p:sp>
+        <p:nvSpPr>
+          <p:cNvPr id="4" name="Title 3"/>
+          <p:cNvSpPr>
+            <a:spLocks noGrp="1"/>
+          </p:cNvSpPr>
+          <p:nvPr>
+            <p:ph type="title"/>
+          </p:nvPr>
+        </p:nvSpPr>
+        <p:spPr/>
+        <p:txBody>
+          <a:bodyPr/>
+          <a:lstStyle/>
+          <a:p>
+            <a:r>
+              <a:rPr lang="en-US" dirty="0"/>
+              <a:t>Breaking RSA keys by factoring large integers</a:t>
+            </a:r>
+          </a:p>
+        </p:txBody>
+      </p:sp>
+      <p:sp>
+        <p:nvSpPr>
+          <p:cNvPr id="5" name="Content Placeholder 4"/>
+          <p:cNvSpPr>
+            <a:spLocks noGrp="1"/>
+          </p:cNvSpPr>
+          <p:nvPr>
+            <p:ph sz="quarter" idx="13"/>
+          </p:nvPr>
+        </p:nvSpPr>
+        <p:spPr>
+          <a:xfrm>
+            <a:off x="607484" y="1604434"/>
+            <a:ext cx="10972800" cy="4567767"/>
+          </a:xfrm>
+        </p:spPr>
+        <p:txBody>
+          <a:bodyPr>
+            <a:normAutofit lnSpcReduction="10000"/>
+          </a:bodyPr>
+          <a:lstStyle/>
+          <a:p>
+            <a:r>
+              <a:rPr lang="en-US" dirty="0"/>
+              <a:t>Size of Modulus and Time to Factor Examples:</a:t>
+            </a:r>
+          </a:p>
+          <a:p>
+            <a:pPr lvl="1">
+              <a:spcBef>
+                <a:spcPts val="800"/>
+              </a:spcBef>
+            </a:pPr>
+            <a:r>
+              <a:rPr lang="en-US" dirty="0"/>
+              <a:t>1 digit (3 bit) Primes:</a:t>
+            </a:r>
+          </a:p>
+          <a:p>
+            <a:pPr marL="0" lvl="1" indent="0">
+              <a:spcBef>
+                <a:spcPts val="800"/>
+              </a:spcBef>
+              <a:buNone/>
+            </a:pPr>
+            <a:r>
+              <a:rPr lang="en-US" dirty="0"/>
+              <a:t>	n = 15</a:t>
+            </a:r>
+          </a:p>
+          <a:p>
+            <a:pPr marL="0" lvl="1" indent="0">
+              <a:spcBef>
+                <a:spcPts val="800"/>
+              </a:spcBef>
+              <a:buNone/>
+            </a:pPr>
+            <a:r>
+              <a:rPr lang="en-US" dirty="0"/>
+              <a:t>	</a:t>
+            </a:r>
+            <a:r>
+              <a:rPr lang="en-US" b="1" dirty="0"/>
+              <a:t>You can do it in your head</a:t>
+            </a:r>
+          </a:p>
+          <a:p>
+            <a:pPr lvl="1">
+              <a:spcBef>
+                <a:spcPts val="800"/>
+              </a:spcBef>
+            </a:pPr>
+            <a:r>
+              <a:rPr lang="en-US" dirty="0"/>
+              <a:t>2 digit (7 bit) Primes:</a:t>
+            </a:r>
+          </a:p>
+          <a:p>
+            <a:pPr marL="0" lvl="1" indent="0">
+              <a:spcBef>
+                <a:spcPts val="800"/>
+              </a:spcBef>
+              <a:buNone/>
+            </a:pPr>
+            <a:r>
+              <a:rPr lang="en-US" dirty="0"/>
+              <a:t>	n = 143</a:t>
+            </a:r>
+          </a:p>
+          <a:p>
+            <a:pPr marL="0" lvl="1" indent="0">
+              <a:spcBef>
+                <a:spcPts val="800"/>
+              </a:spcBef>
+              <a:buNone/>
+            </a:pPr>
+            <a:r>
+              <a:rPr lang="en-US" dirty="0"/>
+              <a:t>	</a:t>
+            </a:r>
+            <a:r>
+              <a:rPr lang="en-US" b="1" dirty="0"/>
+              <a:t>Wolfram Alpha, ~2 seconds</a:t>
+            </a:r>
+          </a:p>
+          <a:p>
+            <a:pPr lvl="1">
+              <a:spcBef>
+                <a:spcPts val="800"/>
+              </a:spcBef>
+            </a:pPr>
+            <a:r>
+              <a:rPr lang="en-US" dirty="0"/>
+              <a:t>29 digit (96 bit) primes</a:t>
+            </a:r>
+          </a:p>
+          <a:p>
+            <a:pPr marL="0" lvl="1" indent="0">
+              <a:spcBef>
+                <a:spcPts val="800"/>
+              </a:spcBef>
+              <a:buNone/>
+            </a:pPr>
+            <a:r>
+              <a:rPr lang="en-US" dirty="0"/>
+              <a:t>	n = </a:t>
+            </a:r>
+            <a:r>
+              <a:rPr lang="en-US" sz="2000" dirty="0"/>
+              <a:t>867,613,962,415,402,435,477,298,008,177,867,109,237,440,452,526,483,367,617</a:t>
+            </a:r>
+            <a:endParaRPr lang="en-US" dirty="0"/>
+          </a:p>
+          <a:p>
+            <a:pPr marL="0" lvl="1" indent="0">
+              <a:spcBef>
+                <a:spcPts val="800"/>
+              </a:spcBef>
+              <a:buNone/>
+            </a:pPr>
+            <a:r>
+              <a:rPr lang="en-US" dirty="0"/>
+              <a:t> 	</a:t>
+            </a:r>
+            <a:r>
+              <a:rPr lang="en-US" b="1" dirty="0"/>
+              <a:t>Mathematica, ~24 seconds</a:t>
+            </a:r>
+          </a:p>
+        </p:txBody>
+      </p:sp>
+    </p:spTree>
+    <p:extLst>
+      <p:ext uri="{BB962C8B-B14F-4D97-AF65-F5344CB8AC3E}">
+        <p14:creationId xmlns:p14="http://schemas.microsoft.com/office/powerpoint/2010/main" val="3984108401"/>
+      </p:ext>
+    </p:extLst>
+  </p:cSld>
+  <p:clrMapOvr>
+    <a:masterClrMapping/>
+  </p:clrMapOvr>
+  <mc:AlternateContent xmlns:mc="http://schemas.openxmlformats.org/markup-compatibility/2006" xmlns:p14="http://schemas.microsoft.com/office/powerpoint/2010/main">
+    <mc:Choice Requires="p14">
+      <p:transition spd="med" p14:dur="700">
+        <p:fade/>
+      </p:transition>
+    </mc:Choice>
+    <mc:Fallback xmlns="">
+      <p:transition spd="med">
+        <p:fade/>
+      </p:transition>
+    </mc:Fallback>
+  </mc:AlternateContent>
+</p:sld>
+</file>
+
+<file path=ppt/slides/slide15.xml><?xml version="1.0" encoding="utf-8"?>
+<p:sld xmlns:a="http://schemas.openxmlformats.org/drawingml/2006/main" xmlns:r="http://schemas.openxmlformats.org/officeDocument/2006/relationships" xmlns:p="http://schemas.openxmlformats.org/presentationml/2006/main">
+  <p:cSld>
+    <p:spTree>
+      <p:nvGrpSpPr>
+        <p:cNvPr id="1" name=""/>
+        <p:cNvGrpSpPr/>
+        <p:nvPr/>
+      </p:nvGrpSpPr>
+      <p:grpSpPr>
+        <a:xfrm>
+          <a:off x="0" y="0"/>
+          <a:ext cx="0" cy="0"/>
+          <a:chOff x="0" y="0"/>
+          <a:chExt cx="0" cy="0"/>
+        </a:xfrm>
+      </p:grpSpPr>
+      <p:sp>
+        <p:nvSpPr>
+          <p:cNvPr id="4" name="Title 3"/>
+          <p:cNvSpPr>
+            <a:spLocks noGrp="1"/>
+          </p:cNvSpPr>
+          <p:nvPr>
+            <p:ph type="title"/>
+          </p:nvPr>
+        </p:nvSpPr>
+        <p:spPr/>
+        <p:txBody>
+          <a:bodyPr/>
+          <a:lstStyle/>
+          <a:p>
+            <a:r>
+              <a:rPr lang="en-US"/>
+              <a:t>Breaking RSA keys by factoring large integers</a:t>
+            </a:r>
+            <a:endParaRPr lang="en-US" dirty="0"/>
+          </a:p>
+        </p:txBody>
+      </p:sp>
+      <p:sp>
+        <p:nvSpPr>
+          <p:cNvPr id="5" name="Content Placeholder 4"/>
+          <p:cNvSpPr>
+            <a:spLocks noGrp="1"/>
+          </p:cNvSpPr>
+          <p:nvPr>
+            <p:ph sz="quarter" idx="13"/>
+          </p:nvPr>
+        </p:nvSpPr>
+        <p:spPr>
+          <a:xfrm>
+            <a:off x="607484" y="1604434"/>
+            <a:ext cx="10972800" cy="4567767"/>
+          </a:xfrm>
+        </p:spPr>
+        <p:txBody>
+          <a:bodyPr>
+            <a:normAutofit/>
+          </a:bodyPr>
+          <a:lstStyle/>
+          <a:p>
+            <a:r>
+              <a:rPr lang="en-US" dirty="0"/>
+              <a:t>Size of Modulus and Time to Factor Examples:</a:t>
+            </a:r>
+          </a:p>
+          <a:p>
+            <a:pPr lvl="1">
+              <a:spcBef>
+                <a:spcPts val="800"/>
+              </a:spcBef>
+            </a:pPr>
+            <a:r>
+              <a:rPr lang="en-US" dirty="0"/>
+              <a:t>38 digit (128 bit) Primes:</a:t>
+            </a:r>
+          </a:p>
+          <a:p>
+            <a:pPr marL="0" lvl="1" indent="0">
+              <a:spcBef>
+                <a:spcPts val="800"/>
+              </a:spcBef>
+              <a:buNone/>
+            </a:pPr>
+            <a:r>
+              <a:rPr lang="en-US" dirty="0"/>
+              <a:t>	n = </a:t>
+            </a:r>
+            <a:r>
+              <a:rPr lang="en-US" sz="1500" dirty="0"/>
+              <a:t>4,637,459,905,241,799,769,412,843,561,193,493,829,489,199,478,024,203,253,706,191,473,185,200,037,729</a:t>
+            </a:r>
+          </a:p>
+          <a:p>
+            <a:pPr marL="0" lvl="1" indent="0">
+              <a:spcBef>
+                <a:spcPts val="800"/>
+              </a:spcBef>
+              <a:buNone/>
+            </a:pPr>
+            <a:r>
+              <a:rPr lang="en-US" dirty="0"/>
+              <a:t>	</a:t>
+            </a:r>
+            <a:r>
+              <a:rPr lang="en-US" b="1" dirty="0"/>
+              <a:t>Mathematica - ~5 hours</a:t>
+            </a:r>
+          </a:p>
+          <a:p>
+            <a:pPr lvl="1">
+              <a:spcBef>
+                <a:spcPts val="800"/>
+              </a:spcBef>
+            </a:pPr>
+            <a:r>
+              <a:rPr lang="en-US" dirty="0"/>
+              <a:t>77 digit (256 bit) Primes:</a:t>
+            </a:r>
+          </a:p>
+          <a:p>
+            <a:pPr marL="0" lvl="1" indent="0">
+              <a:spcBef>
+                <a:spcPts val="800"/>
+              </a:spcBef>
+              <a:buNone/>
+            </a:pPr>
+            <a:r>
+              <a:rPr lang="en-US" dirty="0"/>
+              <a:t>	n = </a:t>
+            </a:r>
+            <a:r>
+              <a:rPr lang="en-US" sz="2000" dirty="0"/>
+              <a:t>236,012,741,621,802,425,066,330,265,165,700,315,193,312,434,416,449,</a:t>
+            </a:r>
+          </a:p>
+          <a:p>
+            <a:pPr marL="0" lvl="1" indent="0">
+              <a:spcBef>
+                <a:spcPts val="800"/>
+              </a:spcBef>
+              <a:buNone/>
+            </a:pPr>
+            <a:r>
+              <a:rPr lang="en-US" sz="2000" dirty="0"/>
+              <a:t>	        968,636,968,575,390,885,339,147,519,239,167,208,203,220,363,699,066,</a:t>
+            </a:r>
+          </a:p>
+          <a:p>
+            <a:pPr marL="0" lvl="1" indent="0">
+              <a:spcBef>
+                <a:spcPts val="800"/>
+              </a:spcBef>
+              <a:buNone/>
+            </a:pPr>
+            <a:r>
+              <a:rPr lang="en-US" sz="2000" dirty="0"/>
+              <a:t>	        385,552,349,528,694,161,090,438,463,626,425,305,838,906,204,022,793</a:t>
+            </a:r>
+          </a:p>
+          <a:p>
+            <a:pPr marL="0" lvl="1" indent="0">
+              <a:spcBef>
+                <a:spcPts val="800"/>
+              </a:spcBef>
+              <a:buNone/>
+            </a:pPr>
+            <a:r>
+              <a:rPr lang="en-US" dirty="0"/>
+              <a:t>	</a:t>
+            </a:r>
+            <a:r>
+              <a:rPr lang="en-US" b="1" dirty="0"/>
+              <a:t>Mathematica – ???</a:t>
+            </a:r>
+          </a:p>
+          <a:p>
+            <a:pPr marL="0" lvl="1" indent="0">
+              <a:spcBef>
+                <a:spcPts val="800"/>
+              </a:spcBef>
+              <a:buNone/>
+            </a:pPr>
+            <a:r>
+              <a:rPr lang="en-US" dirty="0"/>
+              <a:t>By the way, 256 bit primes were considered </a:t>
+            </a:r>
+            <a:r>
+              <a:rPr lang="en-US" b="1" dirty="0"/>
+              <a:t>“secure” </a:t>
+            </a:r>
+            <a:r>
+              <a:rPr lang="en-US" dirty="0"/>
+              <a:t>until around 2006</a:t>
+            </a:r>
+            <a:endParaRPr lang="en-US" b="1" dirty="0"/>
+          </a:p>
+          <a:p>
+            <a:pPr marL="0" lvl="1" indent="0">
+              <a:spcBef>
+                <a:spcPts val="800"/>
+              </a:spcBef>
+              <a:buNone/>
+            </a:pPr>
+            <a:endParaRPr lang="en-US" b="1" dirty="0"/>
+          </a:p>
+        </p:txBody>
+      </p:sp>
+    </p:spTree>
+    <p:extLst>
+      <p:ext uri="{BB962C8B-B14F-4D97-AF65-F5344CB8AC3E}">
+        <p14:creationId xmlns:p14="http://schemas.microsoft.com/office/powerpoint/2010/main" val="3831406169"/>
+      </p:ext>
+    </p:extLst>
+  </p:cSld>
+  <p:clrMapOvr>
+    <a:masterClrMapping/>
+  </p:clrMapOvr>
+  <mc:AlternateContent xmlns:mc="http://schemas.openxmlformats.org/markup-compatibility/2006" xmlns:p14="http://schemas.microsoft.com/office/powerpoint/2010/main">
+    <mc:Choice Requires="p14">
+      <p:transition spd="med" p14:dur="700">
+        <p:fade/>
+      </p:transition>
+    </mc:Choice>
+    <mc:Fallback xmlns="">
+      <p:transition spd="med">
+        <p:fade/>
+      </p:transition>
+    </mc:Fallback>
+  </mc:AlternateContent>
+</p:sld>
+</file>
+
+<file path=ppt/slides/slide16.xml><?xml version="1.0" encoding="utf-8"?>
 <p:sld xmlns:a="http://schemas.openxmlformats.org/drawingml/2006/main" xmlns:r="http://schemas.openxmlformats.org/officeDocument/2006/relationships" xmlns:p="http://schemas.openxmlformats.org/presentationml/2006/main">
   <p:cSld>
     <p:spTree>
@@ -9853,7 +11024,7 @@
 </p:sld>
 </file>
 
-<file path=ppt/slides/slide11.xml><?xml version="1.0" encoding="utf-8"?>
+<file path=ppt/slides/slide17.xml><?xml version="1.0" encoding="utf-8"?>
 <p:sld xmlns:a="http://schemas.openxmlformats.org/drawingml/2006/main" xmlns:r="http://schemas.openxmlformats.org/officeDocument/2006/relationships" xmlns:p="http://schemas.openxmlformats.org/presentationml/2006/main">
   <p:cSld>
     <p:spTree>
@@ -9923,7 +11094,7 @@
 </p:sld>
 </file>
 
-<file path=ppt/slides/slide12.xml><?xml version="1.0" encoding="utf-8"?>
+<file path=ppt/slides/slide18.xml><?xml version="1.0" encoding="utf-8"?>
 <p:sld xmlns:a="http://schemas.openxmlformats.org/drawingml/2006/main" xmlns:r="http://schemas.openxmlformats.org/officeDocument/2006/relationships" xmlns:p="http://schemas.openxmlformats.org/presentationml/2006/main">
   <p:cSld>
     <p:spTree>
@@ -9972,7 +11143,12 @@
             <p:ph sz="quarter" idx="13"/>
           </p:nvPr>
         </p:nvSpPr>
-        <p:spPr/>
+        <p:spPr>
+          <a:xfrm>
+            <a:off x="607484" y="1576298"/>
+            <a:ext cx="10970683" cy="4567767"/>
+          </a:xfrm>
+        </p:spPr>
         <p:txBody>
           <a:bodyPr>
             <a:normAutofit/>
@@ -9981,14 +11157,14 @@
           <a:p>
             <a:r>
               <a:rPr lang="en-US" dirty="0"/>
-              <a:t>Because RSA is a mathematical algorithm, we must first convert the text to a number:</a:t>
+              <a:t>Because RSA is a mathematical algorithm, we must first convert the text to a number.  One way to do that is to base27 encode it:</a:t>
             </a:r>
           </a:p>
           <a:p>
             <a:pPr lvl="1"/>
             <a:r>
               <a:rPr lang="en-US" dirty="0"/>
-              <a:t>Convert each character to a number between 0 and 26. For example: ‘`’ = 0, ‘A’ = 1, ‘B’ = 2,…‘Z’ = 26.</a:t>
+              <a:t>Convert each character to a number between 0 and 26. </a:t>
             </a:r>
           </a:p>
           <a:p>
@@ -10004,6 +11180,15 @@
             </a:pPr>
             <a:r>
               <a:rPr lang="en-US" dirty="0"/>
+              <a:t>For example, the letters “ABCD” - A = 1; B = 2; C = 3; D = 4</a:t>
+            </a:r>
+          </a:p>
+          <a:p>
+            <a:pPr marL="0" lvl="1" indent="0">
+              <a:buNone/>
+            </a:pPr>
+            <a:r>
+              <a:rPr lang="en-US" dirty="0"/>
               <a:t>This amounts to:</a:t>
             </a:r>
           </a:p>
@@ -10013,7 +11198,41 @@
             </a:pPr>
             <a:r>
               <a:rPr lang="en-US" dirty="0"/>
-              <a:t>num = (19683 * ChNum1) + (729 * ChNum2) + (27 * ChNum3) + ChNum4.</a:t>
+              <a:t>num = (27</a:t>
+            </a:r>
+            <a:r>
+              <a:rPr lang="en-US" baseline="30000" dirty="0"/>
+              <a:t>3</a:t>
+            </a:r>
+            <a:r>
+              <a:rPr lang="en-US" dirty="0"/>
+              <a:t> * 1) + (27</a:t>
+            </a:r>
+            <a:r>
+              <a:rPr lang="en-US" baseline="30000" dirty="0"/>
+              <a:t>2</a:t>
+            </a:r>
+            <a:r>
+              <a:rPr lang="en-US" dirty="0"/>
+              <a:t> * 2) + (27 * 3) + 4</a:t>
+            </a:r>
+          </a:p>
+          <a:p>
+            <a:pPr marL="457189" lvl="2" indent="0">
+              <a:buNone/>
+            </a:pPr>
+            <a:r>
+              <a:rPr lang="en-US" dirty="0"/>
+              <a:t>num = 19,683 + 1,458 + 81 + 4</a:t>
+            </a:r>
+          </a:p>
+          <a:p>
+            <a:pPr marL="457189" lvl="2" indent="0">
+              <a:buNone/>
+            </a:pPr>
+            <a:r>
+              <a:rPr lang="en-US" dirty="0"/>
+              <a:t>Num = 21,226</a:t>
             </a:r>
           </a:p>
         </p:txBody>
@@ -10043,7 +11262,7 @@
 </p:sld>
 </file>
 
-<file path=ppt/slides/slide13.xml><?xml version="1.0" encoding="utf-8"?>
+<file path=ppt/slides/slide19.xml><?xml version="1.0" encoding="utf-8"?>
 <p:sld xmlns:a="http://schemas.openxmlformats.org/drawingml/2006/main" xmlns:r="http://schemas.openxmlformats.org/officeDocument/2006/relationships" xmlns:p="http://schemas.openxmlformats.org/presentationml/2006/main">
   <p:cSld>
     <p:spTree>
@@ -10117,12 +11336,11 @@
             </a:r>
           </a:p>
           <a:p>
-            <a:pPr marL="800100" lvl="1" indent="-342900">
+            <a:pPr marL="457200" lvl="1" indent="0">
               <a:spcBef>
                 <a:spcPts val="400"/>
               </a:spcBef>
-              <a:buFont typeface="+mj-lt"/>
-              <a:buAutoNum type="arabicPeriod"/>
+              <a:buNone/>
             </a:pPr>
             <a:r>
               <a:rPr lang="en-US" sz="1200" dirty="0"/>
@@ -10143,12 +11361,11 @@
             </a:r>
           </a:p>
           <a:p>
-            <a:pPr marL="800100" lvl="1" indent="-342900">
+            <a:pPr marL="457200" lvl="1" indent="0">
               <a:spcBef>
                 <a:spcPts val="400"/>
               </a:spcBef>
-              <a:buFont typeface="+mj-lt"/>
-              <a:buAutoNum type="arabicPeriod"/>
+              <a:buNone/>
             </a:pPr>
             <a:r>
               <a:rPr lang="en-US" sz="1200" dirty="0"/>
@@ -10156,12 +11373,11 @@
             </a:r>
           </a:p>
           <a:p>
-            <a:pPr marL="800100" lvl="1" indent="-342900">
+            <a:pPr marL="457200" lvl="1" indent="0">
               <a:spcBef>
                 <a:spcPts val="400"/>
               </a:spcBef>
-              <a:buFont typeface="+mj-lt"/>
-              <a:buAutoNum type="arabicPeriod"/>
+              <a:buNone/>
             </a:pPr>
             <a:r>
               <a:rPr lang="en-US" sz="1200" dirty="0"/>
@@ -10182,12 +11398,11 @@
             </a:r>
           </a:p>
           <a:p>
-            <a:pPr marL="800100" lvl="1" indent="-342900">
+            <a:pPr marL="457200" lvl="1" indent="0">
               <a:spcBef>
                 <a:spcPts val="400"/>
               </a:spcBef>
-              <a:buFont typeface="+mj-lt"/>
-              <a:buAutoNum type="arabicPeriod"/>
+              <a:buNone/>
             </a:pPr>
             <a:r>
               <a:rPr lang="en-US" sz="1200" dirty="0"/>
@@ -10195,12 +11410,11 @@
             </a:r>
           </a:p>
           <a:p>
-            <a:pPr marL="800100" lvl="1" indent="-342900">
+            <a:pPr marL="457200" lvl="1" indent="0">
               <a:spcBef>
                 <a:spcPts val="400"/>
               </a:spcBef>
-              <a:buFont typeface="+mj-lt"/>
-              <a:buAutoNum type="arabicPeriod"/>
+              <a:buNone/>
             </a:pPr>
             <a:r>
               <a:rPr lang="en-US" sz="1200" dirty="0"/>
@@ -10221,12 +11435,11 @@
             </a:r>
           </a:p>
           <a:p>
-            <a:pPr marL="800100" lvl="1" indent="-342900">
+            <a:pPr marL="457200" lvl="1" indent="0">
               <a:spcBef>
                 <a:spcPts val="400"/>
               </a:spcBef>
-              <a:buFont typeface="+mj-lt"/>
-              <a:buAutoNum type="arabicPeriod"/>
+              <a:buNone/>
             </a:pPr>
             <a:r>
               <a:rPr lang="en-US" sz="1200" dirty="0"/>
@@ -10234,35 +11447,15 @@
             </a:r>
           </a:p>
           <a:p>
-            <a:pPr marL="800100" lvl="1" indent="-342900">
+            <a:pPr marL="457200" lvl="1" indent="0">
               <a:spcBef>
                 <a:spcPts val="400"/>
               </a:spcBef>
-              <a:buFont typeface="+mj-lt"/>
-              <a:buAutoNum type="arabicPeriod"/>
+              <a:buNone/>
             </a:pPr>
             <a:r>
               <a:rPr lang="en-US" sz="1200" dirty="0"/>
-              <a:t>Ad this to your current value. The result is 80060.</a:t>
-            </a:r>
-          </a:p>
-          <a:p>
-            <a:pPr>
-              <a:spcBef>
-                <a:spcPts val="400"/>
-              </a:spcBef>
-            </a:pPr>
-            <a:endParaRPr lang="en-US" sz="1200" dirty="0"/>
-          </a:p>
-          <a:p>
-            <a:pPr>
-              <a:spcBef>
-                <a:spcPts val="400"/>
-              </a:spcBef>
-            </a:pPr>
-            <a:r>
-              <a:rPr lang="en-US" sz="1200" dirty="0"/>
-              <a:t>The result is 80060 </a:t>
+              <a:t>Add this to your current value. The result is 80060.</a:t>
             </a:r>
           </a:p>
           <a:p>
@@ -12035,7 +13228,7 @@
                     <a:p>
                       <a:pPr algn="r" fontAlgn="b"/>
                       <a:r>
-                        <a:rPr lang="en-US" sz="1050" b="1" u="none" strike="noStrike">
+                        <a:rPr lang="en-US" sz="1050" b="1" u="none" strike="noStrike" dirty="0">
                           <a:solidFill>
                             <a:schemeClr val="bg1"/>
                           </a:solidFill>
@@ -12043,7 +13236,7 @@
                         </a:rPr>
                         <a:t>19683</a:t>
                       </a:r>
-                      <a:endParaRPr lang="en-US" sz="1050" b="1" i="0" u="none" strike="noStrike">
+                      <a:endParaRPr lang="en-US" sz="1050" b="1" i="0" u="none" strike="noStrike" dirty="0">
                         <a:solidFill>
                           <a:schemeClr val="bg1"/>
                         </a:solidFill>
@@ -16485,7 +17678,251 @@
 </p:sld>
 </file>
 
-<file path=ppt/slides/slide14.xml><?xml version="1.0" encoding="utf-8"?>
+<file path=ppt/slides/slide2.xml><?xml version="1.0" encoding="utf-8"?>
+<p:sld xmlns:a="http://schemas.openxmlformats.org/drawingml/2006/main" xmlns:r="http://schemas.openxmlformats.org/officeDocument/2006/relationships" xmlns:p="http://schemas.openxmlformats.org/presentationml/2006/main">
+  <p:cSld>
+    <p:spTree>
+      <p:nvGrpSpPr>
+        <p:cNvPr id="1" name=""/>
+        <p:cNvGrpSpPr/>
+        <p:nvPr/>
+      </p:nvGrpSpPr>
+      <p:grpSpPr>
+        <a:xfrm>
+          <a:off x="0" y="0"/>
+          <a:ext cx="0" cy="0"/>
+          <a:chOff x="0" y="0"/>
+          <a:chExt cx="0" cy="0"/>
+        </a:xfrm>
+      </p:grpSpPr>
+      <p:pic>
+        <p:nvPicPr>
+          <p:cNvPr id="8" name="Content Placeholder 7" descr="A close up of a toy&#10;&#10;Description generated with high confidence">
+            <a:extLst>
+              <a:ext uri="{FF2B5EF4-FFF2-40B4-BE49-F238E27FC236}">
+                <a16:creationId xmlns:a16="http://schemas.microsoft.com/office/drawing/2014/main" id="{DA980278-90EF-473E-AA44-C36F979D14C4}"/>
+              </a:ext>
+            </a:extLst>
+          </p:cNvPr>
+          <p:cNvPicPr>
+            <a:picLocks noGrp="1" noChangeAspect="1"/>
+          </p:cNvPicPr>
+          <p:nvPr>
+            <p:ph sz="half" idx="1"/>
+          </p:nvPr>
+        </p:nvPicPr>
+        <p:blipFill>
+          <a:blip r:embed="rId2">
+            <a:extLst>
+              <a:ext uri="{28A0092B-C50C-407E-A947-70E740481C1C}">
+                <a14:useLocalDpi xmlns:a14="http://schemas.microsoft.com/office/drawing/2010/main" val="0"/>
+              </a:ext>
+            </a:extLst>
+          </a:blip>
+          <a:stretch>
+            <a:fillRect/>
+          </a:stretch>
+        </p:blipFill>
+        <p:spPr>
+          <a:xfrm>
+            <a:off x="2842748" y="1570037"/>
+            <a:ext cx="2746169" cy="4567237"/>
+          </a:xfrm>
+          <a:prstGeom prst="rect">
+            <a:avLst/>
+          </a:prstGeom>
+          <a:ln>
+            <a:noFill/>
+          </a:ln>
+          <a:effectLst>
+            <a:outerShdw blurRad="292100" dist="139700" dir="2700000" algn="tl" rotWithShape="0">
+              <a:srgbClr val="333333">
+                <a:alpha val="65000"/>
+              </a:srgbClr>
+            </a:outerShdw>
+          </a:effectLst>
+        </p:spPr>
+      </p:pic>
+      <p:pic>
+        <p:nvPicPr>
+          <p:cNvPr id="10" name="Content Placeholder 9" descr="A close up of a pair of sunglasses&#10;&#10;Description generated with high confidence">
+            <a:extLst>
+              <a:ext uri="{FF2B5EF4-FFF2-40B4-BE49-F238E27FC236}">
+                <a16:creationId xmlns:a16="http://schemas.microsoft.com/office/drawing/2014/main" id="{C4B2949F-7D6C-4480-AF9F-972DF24C4572}"/>
+              </a:ext>
+            </a:extLst>
+          </p:cNvPr>
+          <p:cNvPicPr>
+            <a:picLocks noGrp="1" noChangeAspect="1"/>
+          </p:cNvPicPr>
+          <p:nvPr>
+            <p:ph sz="half" idx="13"/>
+          </p:nvPr>
+        </p:nvPicPr>
+        <p:blipFill>
+          <a:blip r:embed="rId3">
+            <a:extLst>
+              <a:ext uri="{28A0092B-C50C-407E-A947-70E740481C1C}">
+                <a14:useLocalDpi xmlns:a14="http://schemas.microsoft.com/office/drawing/2010/main" val="0"/>
+              </a:ext>
+            </a:extLst>
+          </a:blip>
+          <a:stretch>
+            <a:fillRect/>
+          </a:stretch>
+        </p:blipFill>
+        <p:spPr>
+          <a:xfrm>
+            <a:off x="6396548" y="1570037"/>
+            <a:ext cx="2952704" cy="4567237"/>
+          </a:xfrm>
+          <a:prstGeom prst="rect">
+            <a:avLst/>
+          </a:prstGeom>
+          <a:ln>
+            <a:noFill/>
+          </a:ln>
+          <a:effectLst>
+            <a:outerShdw blurRad="292100" dist="139700" dir="2700000" algn="tl" rotWithShape="0">
+              <a:srgbClr val="333333">
+                <a:alpha val="65000"/>
+              </a:srgbClr>
+            </a:outerShdw>
+          </a:effectLst>
+        </p:spPr>
+      </p:pic>
+      <p:sp>
+        <p:nvSpPr>
+          <p:cNvPr id="4" name="Title 3">
+            <a:extLst>
+              <a:ext uri="{FF2B5EF4-FFF2-40B4-BE49-F238E27FC236}">
+                <a16:creationId xmlns:a16="http://schemas.microsoft.com/office/drawing/2014/main" id="{22F25A64-2941-478E-99D3-8EF7C87B31BB}"/>
+              </a:ext>
+            </a:extLst>
+          </p:cNvPr>
+          <p:cNvSpPr>
+            <a:spLocks noGrp="1"/>
+          </p:cNvSpPr>
+          <p:nvPr>
+            <p:ph type="title"/>
+          </p:nvPr>
+        </p:nvSpPr>
+        <p:spPr/>
+        <p:txBody>
+          <a:bodyPr/>
+          <a:lstStyle/>
+          <a:p>
+            <a:r>
+              <a:rPr lang="en-US" dirty="0"/>
+              <a:t>Introductions…</a:t>
+            </a:r>
+          </a:p>
+        </p:txBody>
+      </p:sp>
+      <p:sp>
+        <p:nvSpPr>
+          <p:cNvPr id="11" name="TextBox 10">
+            <a:extLst>
+              <a:ext uri="{FF2B5EF4-FFF2-40B4-BE49-F238E27FC236}">
+                <a16:creationId xmlns:a16="http://schemas.microsoft.com/office/drawing/2014/main" id="{769474F9-78D8-4522-AE4F-2448DDAB2BBD}"/>
+              </a:ext>
+            </a:extLst>
+          </p:cNvPr>
+          <p:cNvSpPr txBox="1"/>
+          <p:nvPr/>
+        </p:nvSpPr>
+        <p:spPr>
+          <a:xfrm>
+            <a:off x="2910987" y="5981644"/>
+            <a:ext cx="1576316" cy="107722"/>
+          </a:xfrm>
+          <a:prstGeom prst="rect">
+            <a:avLst/>
+          </a:prstGeom>
+          <a:noFill/>
+        </p:spPr>
+        <p:txBody>
+          <a:bodyPr vert="horz" wrap="square" lIns="0" tIns="0" rIns="0" bIns="0" rtlCol="0">
+            <a:spAutoFit/>
+          </a:bodyPr>
+          <a:lstStyle/>
+          <a:p>
+            <a:r>
+              <a:rPr lang="en-US" sz="700" dirty="0">
+                <a:solidFill>
+                  <a:schemeClr val="bg1"/>
+                </a:solidFill>
+              </a:rPr>
+              <a:t>© 2017 The LEGO Group</a:t>
+            </a:r>
+          </a:p>
+        </p:txBody>
+      </p:sp>
+      <p:sp>
+        <p:nvSpPr>
+          <p:cNvPr id="12" name="TextBox 11">
+            <a:extLst>
+              <a:ext uri="{FF2B5EF4-FFF2-40B4-BE49-F238E27FC236}">
+                <a16:creationId xmlns:a16="http://schemas.microsoft.com/office/drawing/2014/main" id="{9C19D10F-2E7E-4256-8A60-D27477781D52}"/>
+              </a:ext>
+            </a:extLst>
+          </p:cNvPr>
+          <p:cNvSpPr txBox="1"/>
+          <p:nvPr/>
+        </p:nvSpPr>
+        <p:spPr>
+          <a:xfrm>
+            <a:off x="6468504" y="5981644"/>
+            <a:ext cx="1576316" cy="107722"/>
+          </a:xfrm>
+          <a:prstGeom prst="rect">
+            <a:avLst/>
+          </a:prstGeom>
+          <a:noFill/>
+        </p:spPr>
+        <p:txBody>
+          <a:bodyPr vert="horz" wrap="square" lIns="0" tIns="0" rIns="0" bIns="0" rtlCol="0">
+            <a:spAutoFit/>
+          </a:bodyPr>
+          <a:lstStyle/>
+          <a:p>
+            <a:r>
+              <a:rPr lang="en-US" sz="700" dirty="0">
+                <a:solidFill>
+                  <a:schemeClr val="bg1"/>
+                </a:solidFill>
+              </a:rPr>
+              <a:t>© 2017 The LEGO Group</a:t>
+            </a:r>
+          </a:p>
+        </p:txBody>
+      </p:sp>
+    </p:spTree>
+    <p:extLst>
+      <p:ext uri="{BB962C8B-B14F-4D97-AF65-F5344CB8AC3E}">
+        <p14:creationId xmlns:p14="http://schemas.microsoft.com/office/powerpoint/2010/main" val="3198154178"/>
+      </p:ext>
+    </p:extLst>
+  </p:cSld>
+  <p:clrMapOvr>
+    <a:masterClrMapping/>
+  </p:clrMapOvr>
+  <mc:AlternateContent xmlns:mc="http://schemas.openxmlformats.org/markup-compatibility/2006" xmlns:p14="http://schemas.microsoft.com/office/powerpoint/2010/main">
+    <mc:Choice Requires="p14">
+      <p:transition spd="med" p14:dur="700">
+        <p:fade/>
+      </p:transition>
+    </mc:Choice>
+    <mc:Fallback xmlns="">
+      <p:transition spd="med">
+        <p:fade/>
+      </p:transition>
+    </mc:Fallback>
+  </mc:AlternateContent>
+</p:sld>
+</file>
+
+<file path=ppt/slides/slide20.xml><?xml version="1.0" encoding="utf-8"?>
 <p:sld xmlns:a="http://schemas.openxmlformats.org/drawingml/2006/main" xmlns:r="http://schemas.openxmlformats.org/officeDocument/2006/relationships" xmlns:p="http://schemas.openxmlformats.org/presentationml/2006/main">
   <p:cSld>
     <p:spTree>
@@ -22889,7 +24326,7 @@
 </p:sld>
 </file>
 
-<file path=ppt/slides/slide15.xml><?xml version="1.0" encoding="utf-8"?>
+<file path=ppt/slides/slide21.xml><?xml version="1.0" encoding="utf-8"?>
 <p:sld xmlns:a="http://schemas.openxmlformats.org/drawingml/2006/main" xmlns:r="http://schemas.openxmlformats.org/officeDocument/2006/relationships" xmlns:p="http://schemas.openxmlformats.org/presentationml/2006/main">
   <p:cSld>
     <p:spTree>
@@ -23090,7 +24527,7 @@
 </p:sld>
 </file>
 
-<file path=ppt/slides/slide16.xml><?xml version="1.0" encoding="utf-8"?>
+<file path=ppt/slides/slide22.xml><?xml version="1.0" encoding="utf-8"?>
 <p:sld xmlns:a="http://schemas.openxmlformats.org/drawingml/2006/main" xmlns:r="http://schemas.openxmlformats.org/officeDocument/2006/relationships" xmlns:p="http://schemas.openxmlformats.org/presentationml/2006/main">
   <p:cSld>
     <p:spTree>
@@ -23275,7 +24712,7 @@
 </p:sld>
 </file>
 
-<file path=ppt/slides/slide17.xml><?xml version="1.0" encoding="utf-8"?>
+<file path=ppt/slides/slide23.xml><?xml version="1.0" encoding="utf-8"?>
 <p:sld xmlns:a="http://schemas.openxmlformats.org/drawingml/2006/main" xmlns:r="http://schemas.openxmlformats.org/officeDocument/2006/relationships" xmlns:p="http://schemas.openxmlformats.org/presentationml/2006/main">
   <p:cSld>
     <p:spTree>
@@ -23345,7 +24782,7 @@
 </p:sld>
 </file>
 
-<file path=ppt/slides/slide18.xml><?xml version="1.0" encoding="utf-8"?>
+<file path=ppt/slides/slide24.xml><?xml version="1.0" encoding="utf-8"?>
 <p:sld xmlns:a="http://schemas.openxmlformats.org/drawingml/2006/main" xmlns:r="http://schemas.openxmlformats.org/officeDocument/2006/relationships" xmlns:p="http://schemas.openxmlformats.org/presentationml/2006/main">
   <p:cSld>
     <p:spTree>
@@ -23541,7 +24978,7 @@
 </p:sld>
 </file>
 
-<file path=ppt/slides/slide19.xml><?xml version="1.0" encoding="utf-8"?>
+<file path=ppt/slides/slide25.xml><?xml version="1.0" encoding="utf-8"?>
 <p:sld xmlns:a="http://schemas.openxmlformats.org/drawingml/2006/main" xmlns:r="http://schemas.openxmlformats.org/officeDocument/2006/relationships" xmlns:p="http://schemas.openxmlformats.org/presentationml/2006/main">
   <p:cSld>
     <p:spTree>
@@ -23670,251 +25107,7 @@
 </p:sld>
 </file>
 
-<file path=ppt/slides/slide2.xml><?xml version="1.0" encoding="utf-8"?>
-<p:sld xmlns:a="http://schemas.openxmlformats.org/drawingml/2006/main" xmlns:r="http://schemas.openxmlformats.org/officeDocument/2006/relationships" xmlns:p="http://schemas.openxmlformats.org/presentationml/2006/main">
-  <p:cSld>
-    <p:spTree>
-      <p:nvGrpSpPr>
-        <p:cNvPr id="1" name=""/>
-        <p:cNvGrpSpPr/>
-        <p:nvPr/>
-      </p:nvGrpSpPr>
-      <p:grpSpPr>
-        <a:xfrm>
-          <a:off x="0" y="0"/>
-          <a:ext cx="0" cy="0"/>
-          <a:chOff x="0" y="0"/>
-          <a:chExt cx="0" cy="0"/>
-        </a:xfrm>
-      </p:grpSpPr>
-      <p:pic>
-        <p:nvPicPr>
-          <p:cNvPr id="8" name="Content Placeholder 7" descr="A close up of a toy&#10;&#10;Description generated with high confidence">
-            <a:extLst>
-              <a:ext uri="{FF2B5EF4-FFF2-40B4-BE49-F238E27FC236}">
-                <a16:creationId xmlns:a16="http://schemas.microsoft.com/office/drawing/2014/main" id="{DA980278-90EF-473E-AA44-C36F979D14C4}"/>
-              </a:ext>
-            </a:extLst>
-          </p:cNvPr>
-          <p:cNvPicPr>
-            <a:picLocks noGrp="1" noChangeAspect="1"/>
-          </p:cNvPicPr>
-          <p:nvPr>
-            <p:ph sz="half" idx="1"/>
-          </p:nvPr>
-        </p:nvPicPr>
-        <p:blipFill>
-          <a:blip r:embed="rId2">
-            <a:extLst>
-              <a:ext uri="{28A0092B-C50C-407E-A947-70E740481C1C}">
-                <a14:useLocalDpi xmlns:a14="http://schemas.microsoft.com/office/drawing/2010/main" val="0"/>
-              </a:ext>
-            </a:extLst>
-          </a:blip>
-          <a:stretch>
-            <a:fillRect/>
-          </a:stretch>
-        </p:blipFill>
-        <p:spPr>
-          <a:xfrm>
-            <a:off x="2842748" y="1570037"/>
-            <a:ext cx="2746169" cy="4567237"/>
-          </a:xfrm>
-          <a:prstGeom prst="rect">
-            <a:avLst/>
-          </a:prstGeom>
-          <a:ln>
-            <a:noFill/>
-          </a:ln>
-          <a:effectLst>
-            <a:outerShdw blurRad="292100" dist="139700" dir="2700000" algn="tl" rotWithShape="0">
-              <a:srgbClr val="333333">
-                <a:alpha val="65000"/>
-              </a:srgbClr>
-            </a:outerShdw>
-          </a:effectLst>
-        </p:spPr>
-      </p:pic>
-      <p:pic>
-        <p:nvPicPr>
-          <p:cNvPr id="10" name="Content Placeholder 9" descr="A close up of a pair of sunglasses&#10;&#10;Description generated with high confidence">
-            <a:extLst>
-              <a:ext uri="{FF2B5EF4-FFF2-40B4-BE49-F238E27FC236}">
-                <a16:creationId xmlns:a16="http://schemas.microsoft.com/office/drawing/2014/main" id="{C4B2949F-7D6C-4480-AF9F-972DF24C4572}"/>
-              </a:ext>
-            </a:extLst>
-          </p:cNvPr>
-          <p:cNvPicPr>
-            <a:picLocks noGrp="1" noChangeAspect="1"/>
-          </p:cNvPicPr>
-          <p:nvPr>
-            <p:ph sz="half" idx="13"/>
-          </p:nvPr>
-        </p:nvPicPr>
-        <p:blipFill>
-          <a:blip r:embed="rId3">
-            <a:extLst>
-              <a:ext uri="{28A0092B-C50C-407E-A947-70E740481C1C}">
-                <a14:useLocalDpi xmlns:a14="http://schemas.microsoft.com/office/drawing/2010/main" val="0"/>
-              </a:ext>
-            </a:extLst>
-          </a:blip>
-          <a:stretch>
-            <a:fillRect/>
-          </a:stretch>
-        </p:blipFill>
-        <p:spPr>
-          <a:xfrm>
-            <a:off x="6396548" y="1570037"/>
-            <a:ext cx="2952704" cy="4567237"/>
-          </a:xfrm>
-          <a:prstGeom prst="rect">
-            <a:avLst/>
-          </a:prstGeom>
-          <a:ln>
-            <a:noFill/>
-          </a:ln>
-          <a:effectLst>
-            <a:outerShdw blurRad="292100" dist="139700" dir="2700000" algn="tl" rotWithShape="0">
-              <a:srgbClr val="333333">
-                <a:alpha val="65000"/>
-              </a:srgbClr>
-            </a:outerShdw>
-          </a:effectLst>
-        </p:spPr>
-      </p:pic>
-      <p:sp>
-        <p:nvSpPr>
-          <p:cNvPr id="4" name="Title 3">
-            <a:extLst>
-              <a:ext uri="{FF2B5EF4-FFF2-40B4-BE49-F238E27FC236}">
-                <a16:creationId xmlns:a16="http://schemas.microsoft.com/office/drawing/2014/main" id="{22F25A64-2941-478E-99D3-8EF7C87B31BB}"/>
-              </a:ext>
-            </a:extLst>
-          </p:cNvPr>
-          <p:cNvSpPr>
-            <a:spLocks noGrp="1"/>
-          </p:cNvSpPr>
-          <p:nvPr>
-            <p:ph type="title"/>
-          </p:nvPr>
-        </p:nvSpPr>
-        <p:spPr/>
-        <p:txBody>
-          <a:bodyPr/>
-          <a:lstStyle/>
-          <a:p>
-            <a:r>
-              <a:rPr lang="en-US" dirty="0"/>
-              <a:t>Introductions…</a:t>
-            </a:r>
-          </a:p>
-        </p:txBody>
-      </p:sp>
-      <p:sp>
-        <p:nvSpPr>
-          <p:cNvPr id="11" name="TextBox 10">
-            <a:extLst>
-              <a:ext uri="{FF2B5EF4-FFF2-40B4-BE49-F238E27FC236}">
-                <a16:creationId xmlns:a16="http://schemas.microsoft.com/office/drawing/2014/main" id="{769474F9-78D8-4522-AE4F-2448DDAB2BBD}"/>
-              </a:ext>
-            </a:extLst>
-          </p:cNvPr>
-          <p:cNvSpPr txBox="1"/>
-          <p:nvPr/>
-        </p:nvSpPr>
-        <p:spPr>
-          <a:xfrm>
-            <a:off x="2910987" y="5981644"/>
-            <a:ext cx="1576316" cy="107722"/>
-          </a:xfrm>
-          <a:prstGeom prst="rect">
-            <a:avLst/>
-          </a:prstGeom>
-          <a:noFill/>
-        </p:spPr>
-        <p:txBody>
-          <a:bodyPr vert="horz" wrap="square" lIns="0" tIns="0" rIns="0" bIns="0" rtlCol="0">
-            <a:spAutoFit/>
-          </a:bodyPr>
-          <a:lstStyle/>
-          <a:p>
-            <a:r>
-              <a:rPr lang="en-US" sz="700" dirty="0">
-                <a:solidFill>
-                  <a:schemeClr val="bg1"/>
-                </a:solidFill>
-              </a:rPr>
-              <a:t>© 2017 The LEGO Group</a:t>
-            </a:r>
-          </a:p>
-        </p:txBody>
-      </p:sp>
-      <p:sp>
-        <p:nvSpPr>
-          <p:cNvPr id="12" name="TextBox 11">
-            <a:extLst>
-              <a:ext uri="{FF2B5EF4-FFF2-40B4-BE49-F238E27FC236}">
-                <a16:creationId xmlns:a16="http://schemas.microsoft.com/office/drawing/2014/main" id="{9C19D10F-2E7E-4256-8A60-D27477781D52}"/>
-              </a:ext>
-            </a:extLst>
-          </p:cNvPr>
-          <p:cNvSpPr txBox="1"/>
-          <p:nvPr/>
-        </p:nvSpPr>
-        <p:spPr>
-          <a:xfrm>
-            <a:off x="6468504" y="5981644"/>
-            <a:ext cx="1576316" cy="107722"/>
-          </a:xfrm>
-          <a:prstGeom prst="rect">
-            <a:avLst/>
-          </a:prstGeom>
-          <a:noFill/>
-        </p:spPr>
-        <p:txBody>
-          <a:bodyPr vert="horz" wrap="square" lIns="0" tIns="0" rIns="0" bIns="0" rtlCol="0">
-            <a:spAutoFit/>
-          </a:bodyPr>
-          <a:lstStyle/>
-          <a:p>
-            <a:r>
-              <a:rPr lang="en-US" sz="700" dirty="0">
-                <a:solidFill>
-                  <a:schemeClr val="bg1"/>
-                </a:solidFill>
-              </a:rPr>
-              <a:t>© 2017 The LEGO Group</a:t>
-            </a:r>
-          </a:p>
-        </p:txBody>
-      </p:sp>
-    </p:spTree>
-    <p:extLst>
-      <p:ext uri="{BB962C8B-B14F-4D97-AF65-F5344CB8AC3E}">
-        <p14:creationId xmlns:p14="http://schemas.microsoft.com/office/powerpoint/2010/main" val="3198154178"/>
-      </p:ext>
-    </p:extLst>
-  </p:cSld>
-  <p:clrMapOvr>
-    <a:masterClrMapping/>
-  </p:clrMapOvr>
-  <mc:AlternateContent xmlns:mc="http://schemas.openxmlformats.org/markup-compatibility/2006" xmlns:p14="http://schemas.microsoft.com/office/powerpoint/2010/main">
-    <mc:Choice Requires="p14">
-      <p:transition spd="med" p14:dur="700">
-        <p:fade/>
-      </p:transition>
-    </mc:Choice>
-    <mc:Fallback xmlns="">
-      <p:transition spd="med">
-        <p:fade/>
-      </p:transition>
-    </mc:Fallback>
-  </mc:AlternateContent>
-</p:sld>
-</file>
-
-<file path=ppt/slides/slide20.xml><?xml version="1.0" encoding="utf-8"?>
+<file path=ppt/slides/slide26.xml><?xml version="1.0" encoding="utf-8"?>
 <p:sld xmlns:a="http://schemas.openxmlformats.org/drawingml/2006/main" xmlns:r="http://schemas.openxmlformats.org/officeDocument/2006/relationships" xmlns:p="http://schemas.openxmlformats.org/presentationml/2006/main">
   <p:cSld>
     <p:spTree>
@@ -24059,7 +25252,7 @@
 </p:sld>
 </file>
 
-<file path=ppt/slides/slide21.xml><?xml version="1.0" encoding="utf-8"?>
+<file path=ppt/slides/slide27.xml><?xml version="1.0" encoding="utf-8"?>
 <p:sld xmlns:a="http://schemas.openxmlformats.org/drawingml/2006/main" xmlns:r="http://schemas.openxmlformats.org/officeDocument/2006/relationships" xmlns:p="http://schemas.openxmlformats.org/presentationml/2006/main">
   <p:cSld>
     <p:spTree>
@@ -30059,7 +31252,7 @@
 </p:sld>
 </file>
 
-<file path=ppt/slides/slide22.xml><?xml version="1.0" encoding="utf-8"?>
+<file path=ppt/slides/slide28.xml><?xml version="1.0" encoding="utf-8"?>
 <p:sld xmlns:a="http://schemas.openxmlformats.org/drawingml/2006/main" xmlns:r="http://schemas.openxmlformats.org/officeDocument/2006/relationships" xmlns:p="http://schemas.openxmlformats.org/presentationml/2006/main">
   <p:cSld>
     <p:spTree>
@@ -30142,7 +31335,13 @@
       </p:grpSpPr>
       <p:sp>
         <p:nvSpPr>
-          <p:cNvPr id="3" name="Title 2"/>
+          <p:cNvPr id="2" name="Title 1">
+            <a:extLst>
+              <a:ext uri="{FF2B5EF4-FFF2-40B4-BE49-F238E27FC236}">
+                <a16:creationId xmlns:a16="http://schemas.microsoft.com/office/drawing/2014/main" id="{D4E5E914-E4AA-4343-A2D4-929E4E458BA0}"/>
+              </a:ext>
+            </a:extLst>
+          </p:cNvPr>
           <p:cNvSpPr>
             <a:spLocks noGrp="1"/>
           </p:cNvSpPr>
@@ -30150,139 +31349,328 @@
             <p:ph type="title"/>
           </p:nvPr>
         </p:nvSpPr>
-        <p:spPr>
-          <a:xfrm>
-            <a:off x="1574801" y="1447802"/>
-            <a:ext cx="7950199" cy="1981198"/>
-          </a:xfrm>
-        </p:spPr>
+        <p:spPr/>
         <p:txBody>
           <a:bodyPr/>
           <a:lstStyle/>
           <a:p>
-            <a:pPr>
-              <a:lnSpc>
-                <a:spcPts val="5800"/>
-              </a:lnSpc>
-              <a:spcBef>
-                <a:spcPts val="0"/>
-              </a:spcBef>
-            </a:pPr>
-            <a:r>
-              <a:rPr lang="en-US" sz="5400" dirty="0">
-                <a:solidFill>
-                  <a:schemeClr val="tx1"/>
-                </a:solidFill>
-              </a:rPr>
-              <a:t>“A cryptosystem should be secure even if everything about the system, except the key, is public knowledge.”</a:t>
-            </a:r>
-            <a:endParaRPr lang="en-US" sz="5400" dirty="0"/>
+            <a:r>
+              <a:rPr lang="en-US" dirty="0"/>
+              <a:t>Why is Cryptography Important?</a:t>
+            </a:r>
           </a:p>
         </p:txBody>
       </p:sp>
       <p:sp>
         <p:nvSpPr>
-          <p:cNvPr id="8" name="Text Placeholder 7">
+          <p:cNvPr id="4" name="Rounded Rectangle 5">
             <a:extLst>
               <a:ext uri="{FF2B5EF4-FFF2-40B4-BE49-F238E27FC236}">
-                <a16:creationId xmlns:a16="http://schemas.microsoft.com/office/drawing/2014/main" id="{6AA54BE0-18D4-454D-ABF9-5019BA428BE4}"/>
+                <a16:creationId xmlns:a16="http://schemas.microsoft.com/office/drawing/2014/main" id="{2D8B757F-6D27-49EB-8990-541234289375}"/>
               </a:ext>
             </a:extLst>
           </p:cNvPr>
-          <p:cNvSpPr>
-            <a:spLocks noGrp="1"/>
-          </p:cNvSpPr>
-          <p:nvPr>
-            <p:ph type="body" sz="half" idx="13"/>
-          </p:nvPr>
+          <p:cNvSpPr/>
+          <p:nvPr/>
         </p:nvSpPr>
-        <p:spPr/>
+        <p:spPr>
+          <a:xfrm>
+            <a:off x="5080264" y="1733686"/>
+            <a:ext cx="2029347" cy="1082318"/>
+          </a:xfrm>
+          <a:prstGeom prst="roundRect">
+            <a:avLst/>
+          </a:prstGeom>
+          <a:solidFill>
+            <a:schemeClr val="tx2"/>
+          </a:solidFill>
+          <a:ln>
+            <a:noFill/>
+          </a:ln>
+          <a:effectLst/>
+        </p:spPr>
+        <p:style>
+          <a:lnRef idx="1">
+            <a:schemeClr val="accent1"/>
+          </a:lnRef>
+          <a:fillRef idx="3">
+            <a:schemeClr val="accent1"/>
+          </a:fillRef>
+          <a:effectRef idx="2">
+            <a:schemeClr val="accent1"/>
+          </a:effectRef>
+          <a:fontRef idx="minor">
+            <a:schemeClr val="lt1"/>
+          </a:fontRef>
+        </p:style>
         <p:txBody>
-          <a:bodyPr/>
+          <a:bodyPr rtlCol="0" anchor="ctr"/>
           <a:lstStyle/>
           <a:p>
+            <a:pPr algn="ctr"/>
             <a:r>
               <a:rPr lang="en-US" dirty="0"/>
-              <a:t>– Auguste </a:t>
-            </a:r>
-            <a:r>
-              <a:rPr lang="en-US" dirty="0" err="1"/>
-              <a:t>Kerckhoff</a:t>
-            </a:r>
-            <a:r>
-              <a:rPr lang="en-US" dirty="0"/>
-              <a:t>, 1883</a:t>
+              <a:t>Cryptography</a:t>
             </a:r>
           </a:p>
+        </p:txBody>
+      </p:sp>
+      <p:pic>
+        <p:nvPicPr>
+          <p:cNvPr id="5" name="Picture 4">
+            <a:extLst>
+              <a:ext uri="{FF2B5EF4-FFF2-40B4-BE49-F238E27FC236}">
+                <a16:creationId xmlns:a16="http://schemas.microsoft.com/office/drawing/2014/main" id="{194E3E54-11A5-46EC-A0D7-ADE5F0C99E8B}"/>
+              </a:ext>
+            </a:extLst>
+          </p:cNvPr>
+          <p:cNvPicPr>
+            <a:picLocks noChangeAspect="1"/>
+          </p:cNvPicPr>
+          <p:nvPr/>
+        </p:nvPicPr>
+        <p:blipFill>
+          <a:blip r:embed="rId3"/>
+          <a:stretch>
+            <a:fillRect/>
+          </a:stretch>
+        </p:blipFill>
+        <p:spPr>
+          <a:xfrm>
+            <a:off x="1221488" y="1471561"/>
+            <a:ext cx="1608278" cy="1608278"/>
+          </a:xfrm>
+          <a:prstGeom prst="rect">
+            <a:avLst/>
+          </a:prstGeom>
+        </p:spPr>
+      </p:pic>
+      <p:pic>
+        <p:nvPicPr>
+          <p:cNvPr id="6" name="Picture 5">
+            <a:extLst>
+              <a:ext uri="{FF2B5EF4-FFF2-40B4-BE49-F238E27FC236}">
+                <a16:creationId xmlns:a16="http://schemas.microsoft.com/office/drawing/2014/main" id="{56923DCF-EBE4-4015-B6D2-DB95974CF92B}"/>
+              </a:ext>
+            </a:extLst>
+          </p:cNvPr>
+          <p:cNvPicPr>
+            <a:picLocks noChangeAspect="1"/>
+          </p:cNvPicPr>
+          <p:nvPr/>
+        </p:nvPicPr>
+        <p:blipFill>
+          <a:blip r:embed="rId4"/>
+          <a:stretch>
+            <a:fillRect/>
+          </a:stretch>
+        </p:blipFill>
+        <p:spPr>
+          <a:xfrm>
+            <a:off x="5285291" y="4578112"/>
+            <a:ext cx="1617185" cy="1617185"/>
+          </a:xfrm>
+          <a:prstGeom prst="rect">
+            <a:avLst/>
+          </a:prstGeom>
+        </p:spPr>
+      </p:pic>
+      <p:pic>
+        <p:nvPicPr>
+          <p:cNvPr id="7" name="Picture 6">
+            <a:extLst>
+              <a:ext uri="{FF2B5EF4-FFF2-40B4-BE49-F238E27FC236}">
+                <a16:creationId xmlns:a16="http://schemas.microsoft.com/office/drawing/2014/main" id="{9972DF4D-4279-47DF-89C0-E5FFE943E4B2}"/>
+              </a:ext>
+            </a:extLst>
+          </p:cNvPr>
+          <p:cNvPicPr>
+            <a:picLocks noChangeAspect="1"/>
+          </p:cNvPicPr>
+          <p:nvPr/>
+        </p:nvPicPr>
+        <p:blipFill>
+          <a:blip r:embed="rId5"/>
+          <a:stretch>
+            <a:fillRect/>
+          </a:stretch>
+        </p:blipFill>
+        <p:spPr>
+          <a:xfrm>
+            <a:off x="9351751" y="1471561"/>
+            <a:ext cx="1617185" cy="1617185"/>
+          </a:xfrm>
+          <a:prstGeom prst="rect">
+            <a:avLst/>
+          </a:prstGeom>
+        </p:spPr>
+      </p:pic>
+      <p:sp>
+        <p:nvSpPr>
+          <p:cNvPr id="9" name="Right Arrow 11">
+            <a:extLst>
+              <a:ext uri="{FF2B5EF4-FFF2-40B4-BE49-F238E27FC236}">
+                <a16:creationId xmlns:a16="http://schemas.microsoft.com/office/drawing/2014/main" id="{D23A00F7-C9D6-4B4D-B49F-E69FECB45845}"/>
+              </a:ext>
+            </a:extLst>
+          </p:cNvPr>
+          <p:cNvSpPr/>
+          <p:nvPr/>
+        </p:nvSpPr>
+        <p:spPr>
+          <a:xfrm>
+            <a:off x="2983272" y="1733686"/>
+            <a:ext cx="2096993" cy="1082317"/>
+          </a:xfrm>
+          <a:prstGeom prst="rightArrow">
+            <a:avLst/>
+          </a:prstGeom>
+          <a:solidFill>
+            <a:schemeClr val="tx2"/>
+          </a:solidFill>
+          <a:ln>
+            <a:noFill/>
+          </a:ln>
+          <a:effectLst/>
+        </p:spPr>
+        <p:style>
+          <a:lnRef idx="1">
+            <a:schemeClr val="accent1"/>
+          </a:lnRef>
+          <a:fillRef idx="3">
+            <a:schemeClr val="accent1"/>
+          </a:fillRef>
+          <a:effectRef idx="2">
+            <a:schemeClr val="accent1"/>
+          </a:effectRef>
+          <a:fontRef idx="minor">
+            <a:schemeClr val="lt1"/>
+          </a:fontRef>
+        </p:style>
+        <p:txBody>
+          <a:bodyPr rtlCol="0" anchor="ctr"/>
+          <a:lstStyle/>
           <a:p>
-            <a:endParaRPr lang="en-US" dirty="0"/>
+            <a:pPr algn="ctr"/>
+            <a:r>
+              <a:rPr lang="en-US" sz="1400" dirty="0"/>
+              <a:t>The flu has to get a </a:t>
+            </a:r>
           </a:p>
         </p:txBody>
       </p:sp>
       <p:sp>
         <p:nvSpPr>
-          <p:cNvPr id="4" name="Content Placeholder 3"/>
-          <p:cNvSpPr>
-            <a:spLocks noGrp="1"/>
-          </p:cNvSpPr>
-          <p:nvPr>
-            <p:ph type="body" sz="half" idx="2"/>
-          </p:nvPr>
+          <p:cNvPr id="10" name="Right Arrow 12">
+            <a:extLst>
+              <a:ext uri="{FF2B5EF4-FFF2-40B4-BE49-F238E27FC236}">
+                <a16:creationId xmlns:a16="http://schemas.microsoft.com/office/drawing/2014/main" id="{9A6A8A85-239B-4543-BAB9-E96342FF6D3C}"/>
+              </a:ext>
+            </a:extLst>
+          </p:cNvPr>
+          <p:cNvSpPr/>
+          <p:nvPr/>
         </p:nvSpPr>
-        <p:spPr/>
+        <p:spPr>
+          <a:xfrm>
+            <a:off x="7177017" y="1733685"/>
+            <a:ext cx="2096993" cy="1082317"/>
+          </a:xfrm>
+          <a:prstGeom prst="rightArrow">
+            <a:avLst/>
+          </a:prstGeom>
+          <a:solidFill>
+            <a:schemeClr val="tx2"/>
+          </a:solidFill>
+          <a:ln>
+            <a:noFill/>
+          </a:ln>
+          <a:effectLst/>
+        </p:spPr>
+        <p:style>
+          <a:lnRef idx="1">
+            <a:schemeClr val="accent1"/>
+          </a:lnRef>
+          <a:fillRef idx="3">
+            <a:schemeClr val="accent1"/>
+          </a:fillRef>
+          <a:effectRef idx="2">
+            <a:schemeClr val="accent1"/>
+          </a:effectRef>
+          <a:fontRef idx="minor">
+            <a:schemeClr val="lt1"/>
+          </a:fontRef>
+        </p:style>
         <p:txBody>
-          <a:bodyPr>
-            <a:normAutofit/>
-          </a:bodyPr>
+          <a:bodyPr rtlCol="0" anchor="ctr"/>
           <a:lstStyle/>
           <a:p>
-            <a:pPr lvl="0"/>
-            <a:r>
-              <a:rPr lang="en-US" dirty="0">
-                <a:solidFill>
-                  <a:schemeClr val="accent1"/>
-                </a:solidFill>
-              </a:rPr>
-              <a:t>Knowledge of the cryptographic algorithm and its design does not diminish other security properties. In fact, it is expected that the attacker knows the cryptographic algorithm quite well. Security of the cryptographic algorithm rests only in the underlying hardness assumptions (e.g. the hardness of integer factorization), protection of algorithm secrets (e.g. keys) and implementation correctness.</a:t>
-            </a:r>
-          </a:p>
-          <a:p>
-            <a:endParaRPr lang="en-US" dirty="0">
-              <a:solidFill>
-                <a:schemeClr val="accent1"/>
-              </a:solidFill>
-            </a:endParaRPr>
+            <a:pPr algn="ctr"/>
+            <a:r>
+              <a:rPr lang="en-US" sz="1400" dirty="0"/>
+              <a:t>Chuck Norris shot every year</a:t>
+            </a:r>
           </a:p>
         </p:txBody>
       </p:sp>
       <p:sp>
         <p:nvSpPr>
-          <p:cNvPr id="2" name="Slide Number Placeholder 1"/>
-          <p:cNvSpPr>
-            <a:spLocks noGrp="1"/>
-          </p:cNvSpPr>
-          <p:nvPr>
-            <p:ph type="sldNum" sz="quarter" idx="12"/>
-          </p:nvPr>
+          <p:cNvPr id="11" name="Right Arrow 13">
+            <a:extLst>
+              <a:ext uri="{FF2B5EF4-FFF2-40B4-BE49-F238E27FC236}">
+                <a16:creationId xmlns:a16="http://schemas.microsoft.com/office/drawing/2014/main" id="{9608D367-CD78-4EDB-AFA2-901BC1F0E5C5}"/>
+              </a:ext>
+            </a:extLst>
+          </p:cNvPr>
+          <p:cNvSpPr/>
+          <p:nvPr/>
         </p:nvSpPr>
-        <p:spPr/>
+        <p:spPr>
+          <a:xfrm rot="5400000">
+            <a:off x="5289743" y="3291422"/>
+            <a:ext cx="1608280" cy="817134"/>
+          </a:xfrm>
+          <a:prstGeom prst="rightArrow">
+            <a:avLst/>
+          </a:prstGeom>
+          <a:solidFill>
+            <a:schemeClr val="tx2"/>
+          </a:solidFill>
+          <a:ln>
+            <a:noFill/>
+          </a:ln>
+          <a:effectLst/>
+        </p:spPr>
+        <p:style>
+          <a:lnRef idx="1">
+            <a:schemeClr val="accent1"/>
+          </a:lnRef>
+          <a:fillRef idx="3">
+            <a:schemeClr val="accent1"/>
+          </a:fillRef>
+          <a:effectRef idx="2">
+            <a:schemeClr val="accent1"/>
+          </a:effectRef>
+          <a:fontRef idx="minor">
+            <a:schemeClr val="lt1"/>
+          </a:fontRef>
+        </p:style>
         <p:txBody>
-          <a:bodyPr/>
+          <a:bodyPr rtlCol="0" anchor="ctr"/>
           <a:lstStyle/>
           <a:p>
-            <a:fld id="{EE2556C5-CE8C-6547-B838-EA80C61A4AF7}" type="slidenum">
-              <a:rPr lang="en-US" smtClean="0"/>
-              <a:pPr/>
-              <a:t>3</a:t>
-            </a:fld>
-            <a:endParaRPr lang="en-US" dirty="0"/>
+            <a:pPr algn="ctr"/>
+            <a:r>
+              <a:rPr lang="en-US" dirty="0"/>
+              <a:t>Fe34f..</a:t>
+            </a:r>
           </a:p>
         </p:txBody>
       </p:sp>
     </p:spTree>
     <p:extLst>
       <p:ext uri="{BB962C8B-B14F-4D97-AF65-F5344CB8AC3E}">
-        <p14:creationId xmlns:p14="http://schemas.microsoft.com/office/powerpoint/2010/main" val="3514731230"/>
+        <p14:creationId xmlns:p14="http://schemas.microsoft.com/office/powerpoint/2010/main" val="3824845910"/>
       </p:ext>
     </p:extLst>
   </p:cSld>
@@ -30323,6 +31711,1946 @@
       </p:grpSpPr>
       <p:sp>
         <p:nvSpPr>
+          <p:cNvPr id="2" name="Title 1">
+            <a:extLst>
+              <a:ext uri="{FF2B5EF4-FFF2-40B4-BE49-F238E27FC236}">
+                <a16:creationId xmlns:a16="http://schemas.microsoft.com/office/drawing/2014/main" id="{E5D9D248-289A-436E-930A-EDC2A1DA88CA}"/>
+              </a:ext>
+            </a:extLst>
+          </p:cNvPr>
+          <p:cNvSpPr>
+            <a:spLocks noGrp="1"/>
+          </p:cNvSpPr>
+          <p:nvPr>
+            <p:ph type="title"/>
+          </p:nvPr>
+        </p:nvSpPr>
+        <p:spPr/>
+        <p:txBody>
+          <a:bodyPr/>
+          <a:lstStyle/>
+          <a:p>
+            <a:r>
+              <a:rPr lang="en-US" dirty="0"/>
+              <a:t>Classic Cryptography – Caesar Cipher</a:t>
+            </a:r>
+          </a:p>
+        </p:txBody>
+      </p:sp>
+      <p:sp>
+        <p:nvSpPr>
+          <p:cNvPr id="3" name="Content Placeholder 2">
+            <a:extLst>
+              <a:ext uri="{FF2B5EF4-FFF2-40B4-BE49-F238E27FC236}">
+                <a16:creationId xmlns:a16="http://schemas.microsoft.com/office/drawing/2014/main" id="{42E09CB9-92D4-4D64-B911-812DAA92AEE9}"/>
+              </a:ext>
+            </a:extLst>
+          </p:cNvPr>
+          <p:cNvSpPr>
+            <a:spLocks noGrp="1"/>
+          </p:cNvSpPr>
+          <p:nvPr>
+            <p:ph sz="quarter" idx="13"/>
+          </p:nvPr>
+        </p:nvSpPr>
+        <p:spPr/>
+        <p:txBody>
+          <a:bodyPr/>
+          <a:lstStyle/>
+          <a:p>
+            <a:pPr marL="342900" indent="-342900">
+              <a:buFont typeface="Arial" panose="020B0604020202020204" pitchFamily="34" charset="0"/>
+              <a:buChar char="•"/>
+            </a:pPr>
+            <a:r>
+              <a:rPr lang="en-US" dirty="0"/>
+              <a:t>Shift the alphabet by some number of characters</a:t>
+            </a:r>
+          </a:p>
+          <a:p>
+            <a:pPr algn="ctr"/>
+            <a:r>
+              <a:rPr lang="en-US" dirty="0">
+                <a:latin typeface="Courier New" panose="02070309020205020404" pitchFamily="49" charset="0"/>
+                <a:cs typeface="Courier New" panose="02070309020205020404" pitchFamily="49" charset="0"/>
+              </a:rPr>
+              <a:t>a b c d e f g h I j k l m n o p q r t s t u v w x y z</a:t>
+            </a:r>
+          </a:p>
+          <a:p>
+            <a:pPr algn="ctr"/>
+            <a:r>
+              <a:rPr lang="en-US" dirty="0">
+                <a:latin typeface="Courier New" panose="02070309020205020404" pitchFamily="49" charset="0"/>
+                <a:cs typeface="Courier New" panose="02070309020205020404" pitchFamily="49" charset="0"/>
+              </a:rPr>
+              <a:t>d e f g h I j k l m n o p q r s t u w v w x y z a b c</a:t>
+            </a:r>
+          </a:p>
+          <a:p>
+            <a:pPr algn="ctr"/>
+            <a:endParaRPr lang="en-US" dirty="0"/>
+          </a:p>
+          <a:p>
+            <a:pPr algn="ctr"/>
+            <a:r>
+              <a:rPr lang="en-US" dirty="0"/>
+              <a:t>What is the plain text?</a:t>
+            </a:r>
+          </a:p>
+          <a:p>
+            <a:pPr algn="ctr"/>
+            <a:r>
+              <a:rPr lang="en-US" sz="2800" dirty="0" err="1"/>
+              <a:t>wkdqn</a:t>
+            </a:r>
+            <a:r>
+              <a:rPr lang="en-US" sz="2800" dirty="0"/>
+              <a:t> </a:t>
+            </a:r>
+            <a:r>
+              <a:rPr lang="en-US" sz="2800" dirty="0" err="1"/>
+              <a:t>brx</a:t>
+            </a:r>
+            <a:r>
+              <a:rPr lang="en-US" sz="2800" dirty="0"/>
+              <a:t>, </a:t>
+            </a:r>
+            <a:r>
+              <a:rPr lang="en-US" sz="2800" dirty="0" err="1"/>
+              <a:t>khaw</a:t>
+            </a:r>
+            <a:endParaRPr lang="en-US" sz="2800" dirty="0"/>
+          </a:p>
+        </p:txBody>
+      </p:sp>
+    </p:spTree>
+    <p:extLst>
+      <p:ext uri="{BB962C8B-B14F-4D97-AF65-F5344CB8AC3E}">
+        <p14:creationId xmlns:p14="http://schemas.microsoft.com/office/powerpoint/2010/main" val="2077590675"/>
+      </p:ext>
+    </p:extLst>
+  </p:cSld>
+  <p:clrMapOvr>
+    <a:masterClrMapping/>
+  </p:clrMapOvr>
+  <mc:AlternateContent xmlns:mc="http://schemas.openxmlformats.org/markup-compatibility/2006" xmlns:p14="http://schemas.microsoft.com/office/powerpoint/2010/main">
+    <mc:Choice Requires="p14">
+      <p:transition spd="med" p14:dur="700">
+        <p:fade/>
+      </p:transition>
+    </mc:Choice>
+    <mc:Fallback xmlns="">
+      <p:transition spd="med">
+        <p:fade/>
+      </p:transition>
+    </mc:Fallback>
+  </mc:AlternateContent>
+</p:sld>
+</file>
+
+<file path=ppt/slides/slide5.xml><?xml version="1.0" encoding="utf-8"?>
+<p:sld xmlns:a="http://schemas.openxmlformats.org/drawingml/2006/main" xmlns:r="http://schemas.openxmlformats.org/officeDocument/2006/relationships" xmlns:p="http://schemas.openxmlformats.org/presentationml/2006/main">
+  <p:cSld>
+    <p:spTree>
+      <p:nvGrpSpPr>
+        <p:cNvPr id="1" name=""/>
+        <p:cNvGrpSpPr/>
+        <p:nvPr/>
+      </p:nvGrpSpPr>
+      <p:grpSpPr>
+        <a:xfrm>
+          <a:off x="0" y="0"/>
+          <a:ext cx="0" cy="0"/>
+          <a:chOff x="0" y="0"/>
+          <a:chExt cx="0" cy="0"/>
+        </a:xfrm>
+      </p:grpSpPr>
+      <p:sp>
+        <p:nvSpPr>
+          <p:cNvPr id="3" name="Title 2"/>
+          <p:cNvSpPr>
+            <a:spLocks noGrp="1"/>
+          </p:cNvSpPr>
+          <p:nvPr>
+            <p:ph type="title"/>
+          </p:nvPr>
+        </p:nvSpPr>
+        <p:spPr>
+          <a:xfrm>
+            <a:off x="1574801" y="1447802"/>
+            <a:ext cx="7950199" cy="1981198"/>
+          </a:xfrm>
+        </p:spPr>
+        <p:txBody>
+          <a:bodyPr/>
+          <a:lstStyle/>
+          <a:p>
+            <a:pPr>
+              <a:lnSpc>
+                <a:spcPts val="5800"/>
+              </a:lnSpc>
+              <a:spcBef>
+                <a:spcPts val="0"/>
+              </a:spcBef>
+            </a:pPr>
+            <a:r>
+              <a:rPr lang="en-US" sz="5400" dirty="0">
+                <a:solidFill>
+                  <a:schemeClr val="tx1"/>
+                </a:solidFill>
+              </a:rPr>
+              <a:t>“A cryptosystem should be secure even if everything about the system, except the key, is public knowledge.”</a:t>
+            </a:r>
+            <a:endParaRPr lang="en-US" sz="5400" dirty="0"/>
+          </a:p>
+        </p:txBody>
+      </p:sp>
+      <p:sp>
+        <p:nvSpPr>
+          <p:cNvPr id="8" name="Text Placeholder 7">
+            <a:extLst>
+              <a:ext uri="{FF2B5EF4-FFF2-40B4-BE49-F238E27FC236}">
+                <a16:creationId xmlns:a16="http://schemas.microsoft.com/office/drawing/2014/main" id="{6AA54BE0-18D4-454D-ABF9-5019BA428BE4}"/>
+              </a:ext>
+            </a:extLst>
+          </p:cNvPr>
+          <p:cNvSpPr>
+            <a:spLocks noGrp="1"/>
+          </p:cNvSpPr>
+          <p:nvPr>
+            <p:ph type="body" sz="half" idx="13"/>
+          </p:nvPr>
+        </p:nvSpPr>
+        <p:spPr/>
+        <p:txBody>
+          <a:bodyPr/>
+          <a:lstStyle/>
+          <a:p>
+            <a:r>
+              <a:rPr lang="en-US" dirty="0"/>
+              <a:t>– Auguste </a:t>
+            </a:r>
+            <a:r>
+              <a:rPr lang="en-US" dirty="0" err="1"/>
+              <a:t>Kerckhoff</a:t>
+            </a:r>
+            <a:r>
+              <a:rPr lang="en-US" dirty="0"/>
+              <a:t>, 1883</a:t>
+            </a:r>
+          </a:p>
+          <a:p>
+            <a:endParaRPr lang="en-US" dirty="0"/>
+          </a:p>
+        </p:txBody>
+      </p:sp>
+      <p:sp>
+        <p:nvSpPr>
+          <p:cNvPr id="4" name="Content Placeholder 3"/>
+          <p:cNvSpPr>
+            <a:spLocks noGrp="1"/>
+          </p:cNvSpPr>
+          <p:nvPr>
+            <p:ph type="body" sz="half" idx="2"/>
+          </p:nvPr>
+        </p:nvSpPr>
+        <p:spPr/>
+        <p:txBody>
+          <a:bodyPr>
+            <a:normAutofit/>
+          </a:bodyPr>
+          <a:lstStyle/>
+          <a:p>
+            <a:pPr lvl="0"/>
+            <a:r>
+              <a:rPr lang="en-US" dirty="0">
+                <a:solidFill>
+                  <a:schemeClr val="accent1"/>
+                </a:solidFill>
+              </a:rPr>
+              <a:t>Knowledge of the cryptographic algorithm and its design does not diminish other security properties. In fact, it is expected that the attacker knows the cryptographic algorithm quite well. Security of the cryptographic algorithm rests only in the underlying hardness assumptions (e.g. the hardness of integer factorization), protection of algorithm secrets (e.g. keys) and implementation correctness.</a:t>
+            </a:r>
+          </a:p>
+          <a:p>
+            <a:endParaRPr lang="en-US" dirty="0">
+              <a:solidFill>
+                <a:schemeClr val="accent1"/>
+              </a:solidFill>
+            </a:endParaRPr>
+          </a:p>
+        </p:txBody>
+      </p:sp>
+      <p:sp>
+        <p:nvSpPr>
+          <p:cNvPr id="2" name="Slide Number Placeholder 1"/>
+          <p:cNvSpPr>
+            <a:spLocks noGrp="1"/>
+          </p:cNvSpPr>
+          <p:nvPr>
+            <p:ph type="sldNum" sz="quarter" idx="12"/>
+          </p:nvPr>
+        </p:nvSpPr>
+        <p:spPr/>
+        <p:txBody>
+          <a:bodyPr/>
+          <a:lstStyle/>
+          <a:p>
+            <a:fld id="{EE2556C5-CE8C-6547-B838-EA80C61A4AF7}" type="slidenum">
+              <a:rPr lang="en-US" smtClean="0"/>
+              <a:pPr/>
+              <a:t>5</a:t>
+            </a:fld>
+            <a:endParaRPr lang="en-US" dirty="0"/>
+          </a:p>
+        </p:txBody>
+      </p:sp>
+    </p:spTree>
+    <p:extLst>
+      <p:ext uri="{BB962C8B-B14F-4D97-AF65-F5344CB8AC3E}">
+        <p14:creationId xmlns:p14="http://schemas.microsoft.com/office/powerpoint/2010/main" val="3514731230"/>
+      </p:ext>
+    </p:extLst>
+  </p:cSld>
+  <p:clrMapOvr>
+    <a:masterClrMapping/>
+  </p:clrMapOvr>
+  <mc:AlternateContent xmlns:mc="http://schemas.openxmlformats.org/markup-compatibility/2006" xmlns:p14="http://schemas.microsoft.com/office/powerpoint/2010/main">
+    <mc:Choice Requires="p14">
+      <p:transition spd="med" p14:dur="700">
+        <p:fade/>
+      </p:transition>
+    </mc:Choice>
+    <mc:Fallback xmlns="">
+      <p:transition spd="med">
+        <p:fade/>
+      </p:transition>
+    </mc:Fallback>
+  </mc:AlternateContent>
+</p:sld>
+</file>
+
+<file path=ppt/slides/slide6.xml><?xml version="1.0" encoding="utf-8"?>
+<p:sld xmlns:a="http://schemas.openxmlformats.org/drawingml/2006/main" xmlns:r="http://schemas.openxmlformats.org/officeDocument/2006/relationships" xmlns:p="http://schemas.openxmlformats.org/presentationml/2006/main">
+  <p:cSld>
+    <p:spTree>
+      <p:nvGrpSpPr>
+        <p:cNvPr id="1" name=""/>
+        <p:cNvGrpSpPr/>
+        <p:nvPr/>
+      </p:nvGrpSpPr>
+      <p:grpSpPr>
+        <a:xfrm>
+          <a:off x="0" y="0"/>
+          <a:ext cx="0" cy="0"/>
+          <a:chOff x="0" y="0"/>
+          <a:chExt cx="0" cy="0"/>
+        </a:xfrm>
+      </p:grpSpPr>
+      <p:sp>
+        <p:nvSpPr>
+          <p:cNvPr id="2" name="Title 1">
+            <a:extLst>
+              <a:ext uri="{FF2B5EF4-FFF2-40B4-BE49-F238E27FC236}">
+                <a16:creationId xmlns:a16="http://schemas.microsoft.com/office/drawing/2014/main" id="{071ECC35-E986-4A42-A309-4C221BA56C9F}"/>
+              </a:ext>
+            </a:extLst>
+          </p:cNvPr>
+          <p:cNvSpPr>
+            <a:spLocks noGrp="1"/>
+          </p:cNvSpPr>
+          <p:nvPr>
+            <p:ph type="title"/>
+          </p:nvPr>
+        </p:nvSpPr>
+        <p:spPr/>
+        <p:txBody>
+          <a:bodyPr/>
+          <a:lstStyle/>
+          <a:p>
+            <a:r>
+              <a:rPr lang="en-US" dirty="0"/>
+              <a:t>Symmetric Key Cryptography</a:t>
+            </a:r>
+          </a:p>
+        </p:txBody>
+      </p:sp>
+      <p:sp>
+        <p:nvSpPr>
+          <p:cNvPr id="58" name="Rounded Rectangle 5">
+            <a:extLst>
+              <a:ext uri="{FF2B5EF4-FFF2-40B4-BE49-F238E27FC236}">
+                <a16:creationId xmlns:a16="http://schemas.microsoft.com/office/drawing/2014/main" id="{7DFE6515-D8FF-4FB7-AE79-92A3E876CCF3}"/>
+              </a:ext>
+            </a:extLst>
+          </p:cNvPr>
+          <p:cNvSpPr/>
+          <p:nvPr/>
+        </p:nvSpPr>
+        <p:spPr>
+          <a:xfrm>
+            <a:off x="5080264" y="1733686"/>
+            <a:ext cx="2029347" cy="1082318"/>
+          </a:xfrm>
+          <a:prstGeom prst="roundRect">
+            <a:avLst/>
+          </a:prstGeom>
+          <a:solidFill>
+            <a:schemeClr val="tx2"/>
+          </a:solidFill>
+          <a:ln>
+            <a:noFill/>
+          </a:ln>
+          <a:effectLst/>
+        </p:spPr>
+        <p:style>
+          <a:lnRef idx="1">
+            <a:schemeClr val="accent1"/>
+          </a:lnRef>
+          <a:fillRef idx="3">
+            <a:schemeClr val="accent1"/>
+          </a:fillRef>
+          <a:effectRef idx="2">
+            <a:schemeClr val="accent1"/>
+          </a:effectRef>
+          <a:fontRef idx="minor">
+            <a:schemeClr val="lt1"/>
+          </a:fontRef>
+        </p:style>
+        <p:txBody>
+          <a:bodyPr rtlCol="0" anchor="ctr"/>
+          <a:lstStyle/>
+          <a:p>
+            <a:pPr algn="ctr"/>
+            <a:r>
+              <a:rPr lang="en-US" dirty="0"/>
+              <a:t>Symmetric Key Cryptography</a:t>
+            </a:r>
+          </a:p>
+        </p:txBody>
+      </p:sp>
+      <p:pic>
+        <p:nvPicPr>
+          <p:cNvPr id="59" name="Picture 58">
+            <a:extLst>
+              <a:ext uri="{FF2B5EF4-FFF2-40B4-BE49-F238E27FC236}">
+                <a16:creationId xmlns:a16="http://schemas.microsoft.com/office/drawing/2014/main" id="{BA5BC172-DC8D-4C3D-8534-9A39EDFE5793}"/>
+              </a:ext>
+            </a:extLst>
+          </p:cNvPr>
+          <p:cNvPicPr>
+            <a:picLocks noChangeAspect="1"/>
+          </p:cNvPicPr>
+          <p:nvPr/>
+        </p:nvPicPr>
+        <p:blipFill>
+          <a:blip r:embed="rId2"/>
+          <a:stretch>
+            <a:fillRect/>
+          </a:stretch>
+        </p:blipFill>
+        <p:spPr>
+          <a:xfrm>
+            <a:off x="1221488" y="1471561"/>
+            <a:ext cx="1608278" cy="1608278"/>
+          </a:xfrm>
+          <a:prstGeom prst="rect">
+            <a:avLst/>
+          </a:prstGeom>
+        </p:spPr>
+      </p:pic>
+      <p:pic>
+        <p:nvPicPr>
+          <p:cNvPr id="60" name="Picture 59">
+            <a:extLst>
+              <a:ext uri="{FF2B5EF4-FFF2-40B4-BE49-F238E27FC236}">
+                <a16:creationId xmlns:a16="http://schemas.microsoft.com/office/drawing/2014/main" id="{E7668ADC-4C4C-4B79-A2A0-F5F2A862E820}"/>
+              </a:ext>
+            </a:extLst>
+          </p:cNvPr>
+          <p:cNvPicPr>
+            <a:picLocks noChangeAspect="1"/>
+          </p:cNvPicPr>
+          <p:nvPr/>
+        </p:nvPicPr>
+        <p:blipFill>
+          <a:blip r:embed="rId3"/>
+          <a:stretch>
+            <a:fillRect/>
+          </a:stretch>
+        </p:blipFill>
+        <p:spPr>
+          <a:xfrm>
+            <a:off x="5285291" y="4578112"/>
+            <a:ext cx="1617185" cy="1617185"/>
+          </a:xfrm>
+          <a:prstGeom prst="rect">
+            <a:avLst/>
+          </a:prstGeom>
+        </p:spPr>
+      </p:pic>
+      <p:pic>
+        <p:nvPicPr>
+          <p:cNvPr id="61" name="Picture 60">
+            <a:extLst>
+              <a:ext uri="{FF2B5EF4-FFF2-40B4-BE49-F238E27FC236}">
+                <a16:creationId xmlns:a16="http://schemas.microsoft.com/office/drawing/2014/main" id="{11A88200-2BB0-4695-837B-C4B3464C320E}"/>
+              </a:ext>
+            </a:extLst>
+          </p:cNvPr>
+          <p:cNvPicPr>
+            <a:picLocks noChangeAspect="1"/>
+          </p:cNvPicPr>
+          <p:nvPr/>
+        </p:nvPicPr>
+        <p:blipFill>
+          <a:blip r:embed="rId4"/>
+          <a:stretch>
+            <a:fillRect/>
+          </a:stretch>
+        </p:blipFill>
+        <p:spPr>
+          <a:xfrm>
+            <a:off x="9351751" y="1471561"/>
+            <a:ext cx="1617185" cy="1617185"/>
+          </a:xfrm>
+          <a:prstGeom prst="rect">
+            <a:avLst/>
+          </a:prstGeom>
+        </p:spPr>
+      </p:pic>
+      <p:pic>
+        <p:nvPicPr>
+          <p:cNvPr id="62" name="Picture 61">
+            <a:extLst>
+              <a:ext uri="{FF2B5EF4-FFF2-40B4-BE49-F238E27FC236}">
+                <a16:creationId xmlns:a16="http://schemas.microsoft.com/office/drawing/2014/main" id="{F81C3F06-562E-47F3-BBAE-D0A14714AA88}"/>
+              </a:ext>
+            </a:extLst>
+          </p:cNvPr>
+          <p:cNvPicPr>
+            <a:picLocks noChangeAspect="1"/>
+          </p:cNvPicPr>
+          <p:nvPr/>
+        </p:nvPicPr>
+        <p:blipFill>
+          <a:blip r:embed="rId5"/>
+          <a:stretch>
+            <a:fillRect/>
+          </a:stretch>
+        </p:blipFill>
+        <p:spPr>
+          <a:xfrm>
+            <a:off x="1046333" y="2498433"/>
+            <a:ext cx="581405" cy="581405"/>
+          </a:xfrm>
+          <a:prstGeom prst="rect">
+            <a:avLst/>
+          </a:prstGeom>
+        </p:spPr>
+      </p:pic>
+      <p:sp>
+        <p:nvSpPr>
+          <p:cNvPr id="63" name="Right Arrow 11">
+            <a:extLst>
+              <a:ext uri="{FF2B5EF4-FFF2-40B4-BE49-F238E27FC236}">
+                <a16:creationId xmlns:a16="http://schemas.microsoft.com/office/drawing/2014/main" id="{5F98C94F-3414-4152-9F61-8DF00D344539}"/>
+              </a:ext>
+            </a:extLst>
+          </p:cNvPr>
+          <p:cNvSpPr/>
+          <p:nvPr/>
+        </p:nvSpPr>
+        <p:spPr>
+          <a:xfrm>
+            <a:off x="2983272" y="2046537"/>
+            <a:ext cx="2029345" cy="397414"/>
+          </a:xfrm>
+          <a:prstGeom prst="rightArrow">
+            <a:avLst/>
+          </a:prstGeom>
+          <a:solidFill>
+            <a:schemeClr val="tx2"/>
+          </a:solidFill>
+          <a:ln>
+            <a:noFill/>
+          </a:ln>
+          <a:effectLst/>
+        </p:spPr>
+        <p:style>
+          <a:lnRef idx="1">
+            <a:schemeClr val="accent1"/>
+          </a:lnRef>
+          <a:fillRef idx="3">
+            <a:schemeClr val="accent1"/>
+          </a:fillRef>
+          <a:effectRef idx="2">
+            <a:schemeClr val="accent1"/>
+          </a:effectRef>
+          <a:fontRef idx="minor">
+            <a:schemeClr val="lt1"/>
+          </a:fontRef>
+        </p:style>
+        <p:txBody>
+          <a:bodyPr rtlCol="0" anchor="ctr"/>
+          <a:lstStyle/>
+          <a:p>
+            <a:pPr algn="ctr"/>
+            <a:r>
+              <a:rPr lang="en-US" sz="1400" dirty="0"/>
+              <a:t>Chuck Norris counted</a:t>
+            </a:r>
+          </a:p>
+        </p:txBody>
+      </p:sp>
+      <p:sp>
+        <p:nvSpPr>
+          <p:cNvPr id="64" name="Right Arrow 12">
+            <a:extLst>
+              <a:ext uri="{FF2B5EF4-FFF2-40B4-BE49-F238E27FC236}">
+                <a16:creationId xmlns:a16="http://schemas.microsoft.com/office/drawing/2014/main" id="{95F1E12A-3E6D-43CF-9F53-380ED0B04CB8}"/>
+              </a:ext>
+            </a:extLst>
+          </p:cNvPr>
+          <p:cNvSpPr/>
+          <p:nvPr/>
+        </p:nvSpPr>
+        <p:spPr>
+          <a:xfrm>
+            <a:off x="7177017" y="2039514"/>
+            <a:ext cx="2096993" cy="397414"/>
+          </a:xfrm>
+          <a:prstGeom prst="rightArrow">
+            <a:avLst/>
+          </a:prstGeom>
+          <a:solidFill>
+            <a:schemeClr val="tx2"/>
+          </a:solidFill>
+          <a:ln>
+            <a:noFill/>
+          </a:ln>
+          <a:effectLst/>
+        </p:spPr>
+        <p:style>
+          <a:lnRef idx="1">
+            <a:schemeClr val="accent1"/>
+          </a:lnRef>
+          <a:fillRef idx="3">
+            <a:schemeClr val="accent1"/>
+          </a:fillRef>
+          <a:effectRef idx="2">
+            <a:schemeClr val="accent1"/>
+          </a:effectRef>
+          <a:fontRef idx="minor">
+            <a:schemeClr val="lt1"/>
+          </a:fontRef>
+        </p:style>
+        <p:txBody>
+          <a:bodyPr rtlCol="0" anchor="ctr"/>
+          <a:lstStyle/>
+          <a:p>
+            <a:pPr algn="ctr"/>
+            <a:r>
+              <a:rPr lang="en-US" sz="1400" dirty="0"/>
+              <a:t>to infinity.  Twice…</a:t>
+            </a:r>
+          </a:p>
+        </p:txBody>
+      </p:sp>
+      <p:sp>
+        <p:nvSpPr>
+          <p:cNvPr id="65" name="Right Arrow 13">
+            <a:extLst>
+              <a:ext uri="{FF2B5EF4-FFF2-40B4-BE49-F238E27FC236}">
+                <a16:creationId xmlns:a16="http://schemas.microsoft.com/office/drawing/2014/main" id="{21B447EC-61B0-4CCC-84B8-8C7DB7C1FE54}"/>
+              </a:ext>
+            </a:extLst>
+          </p:cNvPr>
+          <p:cNvSpPr/>
+          <p:nvPr/>
+        </p:nvSpPr>
+        <p:spPr>
+          <a:xfrm rot="5400000">
+            <a:off x="5289743" y="3291422"/>
+            <a:ext cx="1608280" cy="817134"/>
+          </a:xfrm>
+          <a:prstGeom prst="rightArrow">
+            <a:avLst/>
+          </a:prstGeom>
+          <a:solidFill>
+            <a:schemeClr val="tx2"/>
+          </a:solidFill>
+          <a:ln>
+            <a:noFill/>
+          </a:ln>
+          <a:effectLst/>
+        </p:spPr>
+        <p:style>
+          <a:lnRef idx="1">
+            <a:schemeClr val="accent1"/>
+          </a:lnRef>
+          <a:fillRef idx="3">
+            <a:schemeClr val="accent1"/>
+          </a:fillRef>
+          <a:effectRef idx="2">
+            <a:schemeClr val="accent1"/>
+          </a:effectRef>
+          <a:fontRef idx="minor">
+            <a:schemeClr val="lt1"/>
+          </a:fontRef>
+        </p:style>
+        <p:txBody>
+          <a:bodyPr rtlCol="0" anchor="ctr"/>
+          <a:lstStyle/>
+          <a:p>
+            <a:pPr algn="ctr"/>
+            <a:r>
+              <a:rPr lang="en-US" dirty="0"/>
+              <a:t>Fe34f..</a:t>
+            </a:r>
+          </a:p>
+        </p:txBody>
+      </p:sp>
+      <p:sp>
+        <p:nvSpPr>
+          <p:cNvPr id="66" name="Right Arrow 17">
+            <a:extLst>
+              <a:ext uri="{FF2B5EF4-FFF2-40B4-BE49-F238E27FC236}">
+                <a16:creationId xmlns:a16="http://schemas.microsoft.com/office/drawing/2014/main" id="{5DAF98DB-8A74-4602-9385-9B57C692F9B5}"/>
+              </a:ext>
+            </a:extLst>
+          </p:cNvPr>
+          <p:cNvSpPr/>
+          <p:nvPr/>
+        </p:nvSpPr>
+        <p:spPr>
+          <a:xfrm flipH="1">
+            <a:off x="2983271" y="2478470"/>
+            <a:ext cx="2029346" cy="397414"/>
+          </a:xfrm>
+          <a:prstGeom prst="rightArrow">
+            <a:avLst/>
+          </a:prstGeom>
+          <a:solidFill>
+            <a:schemeClr val="tx2"/>
+          </a:solidFill>
+          <a:ln>
+            <a:noFill/>
+          </a:ln>
+          <a:effectLst/>
+        </p:spPr>
+        <p:style>
+          <a:lnRef idx="1">
+            <a:schemeClr val="accent1"/>
+          </a:lnRef>
+          <a:fillRef idx="3">
+            <a:schemeClr val="accent1"/>
+          </a:fillRef>
+          <a:effectRef idx="2">
+            <a:schemeClr val="accent1"/>
+          </a:effectRef>
+          <a:fontRef idx="minor">
+            <a:schemeClr val="lt1"/>
+          </a:fontRef>
+        </p:style>
+        <p:txBody>
+          <a:bodyPr rtlCol="0" anchor="ctr"/>
+          <a:lstStyle/>
+          <a:p>
+            <a:pPr algn="ctr"/>
+            <a:r>
+              <a:rPr lang="en-US" sz="1400" dirty="0"/>
+              <a:t>had to once.</a:t>
+            </a:r>
+          </a:p>
+        </p:txBody>
+      </p:sp>
+      <p:sp>
+        <p:nvSpPr>
+          <p:cNvPr id="67" name="Right Arrow 18">
+            <a:extLst>
+              <a:ext uri="{FF2B5EF4-FFF2-40B4-BE49-F238E27FC236}">
+                <a16:creationId xmlns:a16="http://schemas.microsoft.com/office/drawing/2014/main" id="{DA3079FE-8FFA-41DB-8C55-6BB3A30A3B93}"/>
+              </a:ext>
+            </a:extLst>
+          </p:cNvPr>
+          <p:cNvSpPr/>
+          <p:nvPr/>
+        </p:nvSpPr>
+        <p:spPr>
+          <a:xfrm flipH="1">
+            <a:off x="7174755" y="2491410"/>
+            <a:ext cx="2096993" cy="397414"/>
+          </a:xfrm>
+          <a:prstGeom prst="rightArrow">
+            <a:avLst/>
+          </a:prstGeom>
+          <a:solidFill>
+            <a:schemeClr val="tx2"/>
+          </a:solidFill>
+          <a:ln>
+            <a:noFill/>
+          </a:ln>
+          <a:effectLst/>
+        </p:spPr>
+        <p:style>
+          <a:lnRef idx="1">
+            <a:schemeClr val="accent1"/>
+          </a:lnRef>
+          <a:fillRef idx="3">
+            <a:schemeClr val="accent1"/>
+          </a:fillRef>
+          <a:effectRef idx="2">
+            <a:schemeClr val="accent1"/>
+          </a:effectRef>
+          <a:fontRef idx="minor">
+            <a:schemeClr val="lt1"/>
+          </a:fontRef>
+        </p:style>
+        <p:txBody>
+          <a:bodyPr rtlCol="0" anchor="ctr"/>
+          <a:lstStyle/>
+          <a:p>
+            <a:pPr algn="ctr"/>
+            <a:r>
+              <a:rPr lang="en-US" sz="1400" dirty="0"/>
+              <a:t>Bruce Lee only…</a:t>
+            </a:r>
+          </a:p>
+        </p:txBody>
+      </p:sp>
+      <p:pic>
+        <p:nvPicPr>
+          <p:cNvPr id="68" name="Picture 67">
+            <a:extLst>
+              <a:ext uri="{FF2B5EF4-FFF2-40B4-BE49-F238E27FC236}">
+                <a16:creationId xmlns:a16="http://schemas.microsoft.com/office/drawing/2014/main" id="{FC490F39-0E54-460D-9E14-08F215FBDD15}"/>
+              </a:ext>
+            </a:extLst>
+          </p:cNvPr>
+          <p:cNvPicPr>
+            <a:picLocks noChangeAspect="1"/>
+          </p:cNvPicPr>
+          <p:nvPr/>
+        </p:nvPicPr>
+        <p:blipFill>
+          <a:blip r:embed="rId5"/>
+          <a:stretch>
+            <a:fillRect/>
+          </a:stretch>
+        </p:blipFill>
+        <p:spPr>
+          <a:xfrm>
+            <a:off x="10549275" y="2498433"/>
+            <a:ext cx="581405" cy="581405"/>
+          </a:xfrm>
+          <a:prstGeom prst="rect">
+            <a:avLst/>
+          </a:prstGeom>
+        </p:spPr>
+      </p:pic>
+    </p:spTree>
+    <p:extLst>
+      <p:ext uri="{BB962C8B-B14F-4D97-AF65-F5344CB8AC3E}">
+        <p14:creationId xmlns:p14="http://schemas.microsoft.com/office/powerpoint/2010/main" val="1142685054"/>
+      </p:ext>
+    </p:extLst>
+  </p:cSld>
+  <p:clrMapOvr>
+    <a:masterClrMapping/>
+  </p:clrMapOvr>
+  <mc:AlternateContent xmlns:mc="http://schemas.openxmlformats.org/markup-compatibility/2006" xmlns:p14="http://schemas.microsoft.com/office/powerpoint/2010/main">
+    <mc:Choice Requires="p14">
+      <p:transition spd="med" p14:dur="700">
+        <p:fade/>
+      </p:transition>
+    </mc:Choice>
+    <mc:Fallback xmlns="">
+      <p:transition spd="med">
+        <p:fade/>
+      </p:transition>
+    </mc:Fallback>
+  </mc:AlternateContent>
+</p:sld>
+</file>
+
+<file path=ppt/slides/slide7.xml><?xml version="1.0" encoding="utf-8"?>
+<p:sld xmlns:a="http://schemas.openxmlformats.org/drawingml/2006/main" xmlns:r="http://schemas.openxmlformats.org/officeDocument/2006/relationships" xmlns:p="http://schemas.openxmlformats.org/presentationml/2006/main">
+  <p:cSld>
+    <p:spTree>
+      <p:nvGrpSpPr>
+        <p:cNvPr id="1" name=""/>
+        <p:cNvGrpSpPr/>
+        <p:nvPr/>
+      </p:nvGrpSpPr>
+      <p:grpSpPr>
+        <a:xfrm>
+          <a:off x="0" y="0"/>
+          <a:ext cx="0" cy="0"/>
+          <a:chOff x="0" y="0"/>
+          <a:chExt cx="0" cy="0"/>
+        </a:xfrm>
+      </p:grpSpPr>
+      <p:sp>
+        <p:nvSpPr>
+          <p:cNvPr id="2" name="Title 1">
+            <a:extLst>
+              <a:ext uri="{FF2B5EF4-FFF2-40B4-BE49-F238E27FC236}">
+                <a16:creationId xmlns:a16="http://schemas.microsoft.com/office/drawing/2014/main" id="{071ECC35-E986-4A42-A309-4C221BA56C9F}"/>
+              </a:ext>
+            </a:extLst>
+          </p:cNvPr>
+          <p:cNvSpPr>
+            <a:spLocks noGrp="1"/>
+          </p:cNvSpPr>
+          <p:nvPr>
+            <p:ph type="title"/>
+          </p:nvPr>
+        </p:nvSpPr>
+        <p:spPr/>
+        <p:txBody>
+          <a:bodyPr/>
+          <a:lstStyle/>
+          <a:p>
+            <a:r>
+              <a:rPr lang="en-US" dirty="0"/>
+              <a:t>Symmetric Key Cryptography</a:t>
+            </a:r>
+          </a:p>
+        </p:txBody>
+      </p:sp>
+      <p:pic>
+        <p:nvPicPr>
+          <p:cNvPr id="5" name="Content Placeholder 4" descr="User">
+            <a:extLst>
+              <a:ext uri="{FF2B5EF4-FFF2-40B4-BE49-F238E27FC236}">
+                <a16:creationId xmlns:a16="http://schemas.microsoft.com/office/drawing/2014/main" id="{3C763673-EC55-48D8-8FA7-DE137217580F}"/>
+              </a:ext>
+            </a:extLst>
+          </p:cNvPr>
+          <p:cNvPicPr>
+            <a:picLocks noGrp="1" noChangeAspect="1"/>
+          </p:cNvPicPr>
+          <p:nvPr>
+            <p:ph sz="quarter" idx="13"/>
+          </p:nvPr>
+        </p:nvPicPr>
+        <p:blipFill>
+          <a:blip r:embed="rId2">
+            <a:extLst>
+              <a:ext uri="{28A0092B-C50C-407E-A947-70E740481C1C}">
+                <a14:useLocalDpi xmlns:a14="http://schemas.microsoft.com/office/drawing/2010/main" val="0"/>
+              </a:ext>
+              <a:ext uri="{96DAC541-7B7A-43D3-8B79-37D633B846F1}">
+                <asvg:svgBlip xmlns:asvg="http://schemas.microsoft.com/office/drawing/2016/SVG/main" r:embed="rId3"/>
+              </a:ext>
+            </a:extLst>
+          </a:blip>
+          <a:stretch>
+            <a:fillRect/>
+          </a:stretch>
+        </p:blipFill>
+        <p:spPr>
+          <a:xfrm>
+            <a:off x="607483" y="1438551"/>
+            <a:ext cx="1697315" cy="1697315"/>
+          </a:xfrm>
+        </p:spPr>
+      </p:pic>
+      <p:pic>
+        <p:nvPicPr>
+          <p:cNvPr id="7" name="Graphic 6" descr="Woman">
+            <a:extLst>
+              <a:ext uri="{FF2B5EF4-FFF2-40B4-BE49-F238E27FC236}">
+                <a16:creationId xmlns:a16="http://schemas.microsoft.com/office/drawing/2014/main" id="{DAA288AF-E900-4CC2-A1FE-045544D35752}"/>
+              </a:ext>
+            </a:extLst>
+          </p:cNvPr>
+          <p:cNvPicPr>
+            <a:picLocks noChangeAspect="1"/>
+          </p:cNvPicPr>
+          <p:nvPr/>
+        </p:nvPicPr>
+        <p:blipFill rotWithShape="1">
+          <a:blip r:embed="rId4">
+            <a:extLst>
+              <a:ext uri="{28A0092B-C50C-407E-A947-70E740481C1C}">
+                <a14:useLocalDpi xmlns:a14="http://schemas.microsoft.com/office/drawing/2010/main" val="0"/>
+              </a:ext>
+              <a:ext uri="{96DAC541-7B7A-43D3-8B79-37D633B846F1}">
+                <asvg:svgBlip xmlns:asvg="http://schemas.microsoft.com/office/drawing/2016/SVG/main" r:embed="rId5"/>
+              </a:ext>
+            </a:extLst>
+          </a:blip>
+          <a:srcRect l="16966" r="17951" b="-1239"/>
+          <a:stretch/>
+        </p:blipFill>
+        <p:spPr>
+          <a:xfrm>
+            <a:off x="5303520" y="3225430"/>
+            <a:ext cx="1645920" cy="2560320"/>
+          </a:xfrm>
+          <a:prstGeom prst="rect">
+            <a:avLst/>
+          </a:prstGeom>
+        </p:spPr>
+      </p:pic>
+      <p:pic>
+        <p:nvPicPr>
+          <p:cNvPr id="9" name="Graphic 8" descr="Man">
+            <a:extLst>
+              <a:ext uri="{FF2B5EF4-FFF2-40B4-BE49-F238E27FC236}">
+                <a16:creationId xmlns:a16="http://schemas.microsoft.com/office/drawing/2014/main" id="{250E52D6-2268-47BE-86A6-105FE070410C}"/>
+              </a:ext>
+            </a:extLst>
+          </p:cNvPr>
+          <p:cNvPicPr>
+            <a:picLocks noChangeAspect="1"/>
+          </p:cNvPicPr>
+          <p:nvPr/>
+        </p:nvPicPr>
+        <p:blipFill rotWithShape="1">
+          <a:blip r:embed="rId6">
+            <a:extLst>
+              <a:ext uri="{28A0092B-C50C-407E-A947-70E740481C1C}">
+                <a14:useLocalDpi xmlns:a14="http://schemas.microsoft.com/office/drawing/2010/main" val="0"/>
+              </a:ext>
+              <a:ext uri="{96DAC541-7B7A-43D3-8B79-37D633B846F1}">
+                <asvg:svgBlip xmlns:asvg="http://schemas.microsoft.com/office/drawing/2016/SVG/main" r:embed="rId7"/>
+              </a:ext>
+            </a:extLst>
+          </a:blip>
+          <a:srcRect l="18575" r="18523"/>
+          <a:stretch/>
+        </p:blipFill>
+        <p:spPr>
+          <a:xfrm>
+            <a:off x="9018522" y="1438551"/>
+            <a:ext cx="1737360" cy="2762005"/>
+          </a:xfrm>
+          <a:prstGeom prst="rect">
+            <a:avLst/>
+          </a:prstGeom>
+        </p:spPr>
+      </p:pic>
+      <p:cxnSp>
+        <p:nvCxnSpPr>
+          <p:cNvPr id="17" name="Straight Arrow Connector 16">
+            <a:extLst>
+              <a:ext uri="{FF2B5EF4-FFF2-40B4-BE49-F238E27FC236}">
+                <a16:creationId xmlns:a16="http://schemas.microsoft.com/office/drawing/2014/main" id="{CDACE4C4-B2D4-4B6E-B526-D1900F7A74FB}"/>
+              </a:ext>
+            </a:extLst>
+          </p:cNvPr>
+          <p:cNvCxnSpPr>
+            <a:cxnSpLocks/>
+            <a:stCxn id="5" idx="3"/>
+            <a:endCxn id="9" idx="1"/>
+          </p:cNvCxnSpPr>
+          <p:nvPr/>
+        </p:nvCxnSpPr>
+        <p:spPr>
+          <a:xfrm>
+            <a:off x="2304798" y="2287209"/>
+            <a:ext cx="6713724" cy="532345"/>
+          </a:xfrm>
+          <a:prstGeom prst="straightConnector1">
+            <a:avLst/>
+          </a:prstGeom>
+          <a:ln>
+            <a:tailEnd type="triangle"/>
+          </a:ln>
+        </p:spPr>
+        <p:style>
+          <a:lnRef idx="3">
+            <a:schemeClr val="accent2"/>
+          </a:lnRef>
+          <a:fillRef idx="0">
+            <a:schemeClr val="accent2"/>
+          </a:fillRef>
+          <a:effectRef idx="2">
+            <a:schemeClr val="accent2"/>
+          </a:effectRef>
+          <a:fontRef idx="minor">
+            <a:schemeClr val="tx1"/>
+          </a:fontRef>
+        </p:style>
+      </p:cxnSp>
+      <p:cxnSp>
+        <p:nvCxnSpPr>
+          <p:cNvPr id="21" name="Straight Arrow Connector 20">
+            <a:extLst>
+              <a:ext uri="{FF2B5EF4-FFF2-40B4-BE49-F238E27FC236}">
+                <a16:creationId xmlns:a16="http://schemas.microsoft.com/office/drawing/2014/main" id="{AD5043B5-A4DD-4F49-91A4-856D6DD4DBAE}"/>
+              </a:ext>
+            </a:extLst>
+          </p:cNvPr>
+          <p:cNvCxnSpPr>
+            <a:cxnSpLocks/>
+            <a:stCxn id="5" idx="3"/>
+            <a:endCxn id="7" idx="1"/>
+          </p:cNvCxnSpPr>
+          <p:nvPr/>
+        </p:nvCxnSpPr>
+        <p:spPr>
+          <a:xfrm>
+            <a:off x="2304798" y="2287209"/>
+            <a:ext cx="2998722" cy="2218381"/>
+          </a:xfrm>
+          <a:prstGeom prst="straightConnector1">
+            <a:avLst/>
+          </a:prstGeom>
+          <a:ln>
+            <a:tailEnd type="triangle"/>
+          </a:ln>
+        </p:spPr>
+        <p:style>
+          <a:lnRef idx="3">
+            <a:schemeClr val="accent2"/>
+          </a:lnRef>
+          <a:fillRef idx="0">
+            <a:schemeClr val="accent2"/>
+          </a:fillRef>
+          <a:effectRef idx="2">
+            <a:schemeClr val="accent2"/>
+          </a:effectRef>
+          <a:fontRef idx="minor">
+            <a:schemeClr val="tx1"/>
+          </a:fontRef>
+        </p:style>
+      </p:cxnSp>
+      <p:pic>
+        <p:nvPicPr>
+          <p:cNvPr id="32" name="Picture 31">
+            <a:extLst>
+              <a:ext uri="{FF2B5EF4-FFF2-40B4-BE49-F238E27FC236}">
+                <a16:creationId xmlns:a16="http://schemas.microsoft.com/office/drawing/2014/main" id="{E0305348-0DE6-4E53-A2E1-36C3B807F72A}"/>
+              </a:ext>
+            </a:extLst>
+          </p:cNvPr>
+          <p:cNvPicPr>
+            <a:picLocks noChangeAspect="1"/>
+          </p:cNvPicPr>
+          <p:nvPr/>
+        </p:nvPicPr>
+        <p:blipFill>
+          <a:blip r:embed="rId8"/>
+          <a:stretch>
+            <a:fillRect/>
+          </a:stretch>
+        </p:blipFill>
+        <p:spPr>
+          <a:xfrm>
+            <a:off x="874984" y="2581119"/>
+            <a:ext cx="436667" cy="436667"/>
+          </a:xfrm>
+          <a:prstGeom prst="rect">
+            <a:avLst/>
+          </a:prstGeom>
+        </p:spPr>
+      </p:pic>
+      <p:pic>
+        <p:nvPicPr>
+          <p:cNvPr id="33" name="Picture 32">
+            <a:extLst>
+              <a:ext uri="{FF2B5EF4-FFF2-40B4-BE49-F238E27FC236}">
+                <a16:creationId xmlns:a16="http://schemas.microsoft.com/office/drawing/2014/main" id="{32CB4B89-E95A-4B56-BDD9-BB852EAC02B9}"/>
+              </a:ext>
+            </a:extLst>
+          </p:cNvPr>
+          <p:cNvPicPr>
+            <a:picLocks noChangeAspect="1"/>
+          </p:cNvPicPr>
+          <p:nvPr/>
+        </p:nvPicPr>
+        <p:blipFill>
+          <a:blip r:embed="rId8"/>
+          <a:stretch>
+            <a:fillRect/>
+          </a:stretch>
+        </p:blipFill>
+        <p:spPr>
+          <a:xfrm>
+            <a:off x="8922818" y="3110697"/>
+            <a:ext cx="483047" cy="483047"/>
+          </a:xfrm>
+          <a:prstGeom prst="rect">
+            <a:avLst/>
+          </a:prstGeom>
+        </p:spPr>
+      </p:pic>
+      <p:pic>
+        <p:nvPicPr>
+          <p:cNvPr id="36" name="Picture 35">
+            <a:extLst>
+              <a:ext uri="{FF2B5EF4-FFF2-40B4-BE49-F238E27FC236}">
+                <a16:creationId xmlns:a16="http://schemas.microsoft.com/office/drawing/2014/main" id="{E0445D00-824B-4D24-AD61-8B894DC8AC1D}"/>
+              </a:ext>
+            </a:extLst>
+          </p:cNvPr>
+          <p:cNvPicPr>
+            <a:picLocks noChangeAspect="1"/>
+          </p:cNvPicPr>
+          <p:nvPr/>
+        </p:nvPicPr>
+        <p:blipFill>
+          <a:blip r:embed="rId9"/>
+          <a:stretch>
+            <a:fillRect/>
+          </a:stretch>
+        </p:blipFill>
+        <p:spPr>
+          <a:xfrm>
+            <a:off x="5328124" y="4777888"/>
+            <a:ext cx="443328" cy="443328"/>
+          </a:xfrm>
+          <a:prstGeom prst="rect">
+            <a:avLst/>
+          </a:prstGeom>
+        </p:spPr>
+      </p:pic>
+      <p:pic>
+        <p:nvPicPr>
+          <p:cNvPr id="37" name="Picture 36">
+            <a:extLst>
+              <a:ext uri="{FF2B5EF4-FFF2-40B4-BE49-F238E27FC236}">
+                <a16:creationId xmlns:a16="http://schemas.microsoft.com/office/drawing/2014/main" id="{8A7890F3-E949-4FB8-837A-07B8F0188048}"/>
+              </a:ext>
+            </a:extLst>
+          </p:cNvPr>
+          <p:cNvPicPr>
+            <a:picLocks noChangeAspect="1"/>
+          </p:cNvPicPr>
+          <p:nvPr/>
+        </p:nvPicPr>
+        <p:blipFill>
+          <a:blip r:embed="rId9"/>
+          <a:stretch>
+            <a:fillRect/>
+          </a:stretch>
+        </p:blipFill>
+        <p:spPr>
+          <a:xfrm>
+            <a:off x="1209252" y="2581119"/>
+            <a:ext cx="436667" cy="436667"/>
+          </a:xfrm>
+          <a:prstGeom prst="rect">
+            <a:avLst/>
+          </a:prstGeom>
+        </p:spPr>
+      </p:pic>
+      <p:cxnSp>
+        <p:nvCxnSpPr>
+          <p:cNvPr id="39" name="Straight Arrow Connector 38">
+            <a:extLst>
+              <a:ext uri="{FF2B5EF4-FFF2-40B4-BE49-F238E27FC236}">
+                <a16:creationId xmlns:a16="http://schemas.microsoft.com/office/drawing/2014/main" id="{EE0DC300-F90D-4D29-B710-4A6B030B2427}"/>
+              </a:ext>
+            </a:extLst>
+          </p:cNvPr>
+          <p:cNvCxnSpPr>
+            <a:cxnSpLocks/>
+            <a:stCxn id="9" idx="2"/>
+            <a:endCxn id="7" idx="3"/>
+          </p:cNvCxnSpPr>
+          <p:nvPr/>
+        </p:nvCxnSpPr>
+        <p:spPr>
+          <a:xfrm flipH="1">
+            <a:off x="6949440" y="4200556"/>
+            <a:ext cx="2937762" cy="305034"/>
+          </a:xfrm>
+          <a:prstGeom prst="straightConnector1">
+            <a:avLst/>
+          </a:prstGeom>
+          <a:ln>
+            <a:tailEnd type="triangle"/>
+          </a:ln>
+        </p:spPr>
+        <p:style>
+          <a:lnRef idx="3">
+            <a:schemeClr val="accent2"/>
+          </a:lnRef>
+          <a:fillRef idx="0">
+            <a:schemeClr val="accent2"/>
+          </a:fillRef>
+          <a:effectRef idx="2">
+            <a:schemeClr val="accent2"/>
+          </a:effectRef>
+          <a:fontRef idx="minor">
+            <a:schemeClr val="tx1"/>
+          </a:fontRef>
+        </p:style>
+      </p:cxnSp>
+      <p:pic>
+        <p:nvPicPr>
+          <p:cNvPr id="40" name="Picture 39">
+            <a:extLst>
+              <a:ext uri="{FF2B5EF4-FFF2-40B4-BE49-F238E27FC236}">
+                <a16:creationId xmlns:a16="http://schemas.microsoft.com/office/drawing/2014/main" id="{BCF281AC-DB33-4202-9BD5-B04A1545B9B5}"/>
+              </a:ext>
+            </a:extLst>
+          </p:cNvPr>
+          <p:cNvPicPr>
+            <a:picLocks noChangeAspect="1"/>
+          </p:cNvPicPr>
+          <p:nvPr/>
+        </p:nvPicPr>
+        <p:blipFill>
+          <a:blip r:embed="rId10"/>
+          <a:stretch>
+            <a:fillRect/>
+          </a:stretch>
+        </p:blipFill>
+        <p:spPr>
+          <a:xfrm>
+            <a:off x="5328124" y="5356012"/>
+            <a:ext cx="443328" cy="443328"/>
+          </a:xfrm>
+          <a:prstGeom prst="rect">
+            <a:avLst/>
+          </a:prstGeom>
+        </p:spPr>
+      </p:pic>
+      <p:pic>
+        <p:nvPicPr>
+          <p:cNvPr id="41" name="Picture 40">
+            <a:extLst>
+              <a:ext uri="{FF2B5EF4-FFF2-40B4-BE49-F238E27FC236}">
+                <a16:creationId xmlns:a16="http://schemas.microsoft.com/office/drawing/2014/main" id="{8BAD14D8-75AD-450C-B7BF-E97CE57FC5DE}"/>
+              </a:ext>
+            </a:extLst>
+          </p:cNvPr>
+          <p:cNvPicPr>
+            <a:picLocks noChangeAspect="1"/>
+          </p:cNvPicPr>
+          <p:nvPr/>
+        </p:nvPicPr>
+        <p:blipFill>
+          <a:blip r:embed="rId10"/>
+          <a:stretch>
+            <a:fillRect/>
+          </a:stretch>
+        </p:blipFill>
+        <p:spPr>
+          <a:xfrm>
+            <a:off x="8919920" y="3677754"/>
+            <a:ext cx="488841" cy="488841"/>
+          </a:xfrm>
+          <a:prstGeom prst="rect">
+            <a:avLst/>
+          </a:prstGeom>
+        </p:spPr>
+      </p:pic>
+    </p:spTree>
+    <p:extLst>
+      <p:ext uri="{BB962C8B-B14F-4D97-AF65-F5344CB8AC3E}">
+        <p14:creationId xmlns:p14="http://schemas.microsoft.com/office/powerpoint/2010/main" val="3950566117"/>
+      </p:ext>
+    </p:extLst>
+  </p:cSld>
+  <p:clrMapOvr>
+    <a:masterClrMapping/>
+  </p:clrMapOvr>
+  <mc:AlternateContent xmlns:mc="http://schemas.openxmlformats.org/markup-compatibility/2006" xmlns:p14="http://schemas.microsoft.com/office/powerpoint/2010/main">
+    <mc:Choice Requires="p14">
+      <p:transition spd="med" p14:dur="700">
+        <p:fade/>
+      </p:transition>
+    </mc:Choice>
+    <mc:Fallback xmlns="">
+      <p:transition spd="med">
+        <p:fade/>
+      </p:transition>
+    </mc:Fallback>
+  </mc:AlternateContent>
+  <p:timing>
+    <p:tnLst>
+      <p:par>
+        <p:cTn id="1" dur="indefinite" restart="never" nodeType="tmRoot">
+          <p:childTnLst>
+            <p:seq concurrent="1" nextAc="seek">
+              <p:cTn id="2" dur="indefinite" nodeType="mainSeq">
+                <p:childTnLst>
+                  <p:par>
+                    <p:cTn id="3" fill="hold">
+                      <p:stCondLst>
+                        <p:cond delay="indefinite"/>
+                      </p:stCondLst>
+                      <p:childTnLst>
+                        <p:par>
+                          <p:cTn id="4" fill="hold">
+                            <p:stCondLst>
+                              <p:cond delay="0"/>
+                            </p:stCondLst>
+                            <p:childTnLst>
+                              <p:par>
+                                <p:cTn id="5" presetID="1" presetClass="entr" presetSubtype="0" fill="hold" nodeType="clickEffect">
+                                  <p:stCondLst>
+                                    <p:cond delay="0"/>
+                                  </p:stCondLst>
+                                  <p:childTnLst>
+                                    <p:set>
+                                      <p:cBhvr>
+                                        <p:cTn id="6" dur="1" fill="hold">
+                                          <p:stCondLst>
+                                            <p:cond delay="0"/>
+                                          </p:stCondLst>
+                                        </p:cTn>
+                                        <p:tgtEl>
+                                          <p:spTgt spid="17"/>
+                                        </p:tgtEl>
+                                        <p:attrNameLst>
+                                          <p:attrName>style.visibility</p:attrName>
+                                        </p:attrNameLst>
+                                      </p:cBhvr>
+                                      <p:to>
+                                        <p:strVal val="visible"/>
+                                      </p:to>
+                                    </p:set>
+                                  </p:childTnLst>
+                                </p:cTn>
+                              </p:par>
+                              <p:par>
+                                <p:cTn id="7" presetID="1" presetClass="entr" presetSubtype="0" fill="hold" nodeType="withEffect">
+                                  <p:stCondLst>
+                                    <p:cond delay="0"/>
+                                  </p:stCondLst>
+                                  <p:childTnLst>
+                                    <p:set>
+                                      <p:cBhvr>
+                                        <p:cTn id="8" dur="1" fill="hold">
+                                          <p:stCondLst>
+                                            <p:cond delay="0"/>
+                                          </p:stCondLst>
+                                        </p:cTn>
+                                        <p:tgtEl>
+                                          <p:spTgt spid="9"/>
+                                        </p:tgtEl>
+                                        <p:attrNameLst>
+                                          <p:attrName>style.visibility</p:attrName>
+                                        </p:attrNameLst>
+                                      </p:cBhvr>
+                                      <p:to>
+                                        <p:strVal val="visible"/>
+                                      </p:to>
+                                    </p:set>
+                                  </p:childTnLst>
+                                </p:cTn>
+                              </p:par>
+                            </p:childTnLst>
+                          </p:cTn>
+                        </p:par>
+                      </p:childTnLst>
+                    </p:cTn>
+                  </p:par>
+                  <p:par>
+                    <p:cTn id="9" fill="hold">
+                      <p:stCondLst>
+                        <p:cond delay="indefinite"/>
+                      </p:stCondLst>
+                      <p:childTnLst>
+                        <p:par>
+                          <p:cTn id="10" fill="hold">
+                            <p:stCondLst>
+                              <p:cond delay="0"/>
+                            </p:stCondLst>
+                            <p:childTnLst>
+                              <p:par>
+                                <p:cTn id="11" presetID="1" presetClass="entr" presetSubtype="0" fill="hold" nodeType="clickEffect">
+                                  <p:stCondLst>
+                                    <p:cond delay="0"/>
+                                  </p:stCondLst>
+                                  <p:childTnLst>
+                                    <p:set>
+                                      <p:cBhvr>
+                                        <p:cTn id="12" dur="1" fill="hold">
+                                          <p:stCondLst>
+                                            <p:cond delay="0"/>
+                                          </p:stCondLst>
+                                        </p:cTn>
+                                        <p:tgtEl>
+                                          <p:spTgt spid="32"/>
+                                        </p:tgtEl>
+                                        <p:attrNameLst>
+                                          <p:attrName>style.visibility</p:attrName>
+                                        </p:attrNameLst>
+                                      </p:cBhvr>
+                                      <p:to>
+                                        <p:strVal val="visible"/>
+                                      </p:to>
+                                    </p:set>
+                                  </p:childTnLst>
+                                </p:cTn>
+                              </p:par>
+                            </p:childTnLst>
+                          </p:cTn>
+                        </p:par>
+                        <p:par>
+                          <p:cTn id="13" fill="hold">
+                            <p:stCondLst>
+                              <p:cond delay="0"/>
+                            </p:stCondLst>
+                            <p:childTnLst>
+                              <p:par>
+                                <p:cTn id="14" presetID="1" presetClass="entr" presetSubtype="0" fill="hold" nodeType="afterEffect">
+                                  <p:stCondLst>
+                                    <p:cond delay="0"/>
+                                  </p:stCondLst>
+                                  <p:childTnLst>
+                                    <p:set>
+                                      <p:cBhvr>
+                                        <p:cTn id="15" dur="1" fill="hold">
+                                          <p:stCondLst>
+                                            <p:cond delay="0"/>
+                                          </p:stCondLst>
+                                        </p:cTn>
+                                        <p:tgtEl>
+                                          <p:spTgt spid="33"/>
+                                        </p:tgtEl>
+                                        <p:attrNameLst>
+                                          <p:attrName>style.visibility</p:attrName>
+                                        </p:attrNameLst>
+                                      </p:cBhvr>
+                                      <p:to>
+                                        <p:strVal val="visible"/>
+                                      </p:to>
+                                    </p:set>
+                                  </p:childTnLst>
+                                </p:cTn>
+                              </p:par>
+                            </p:childTnLst>
+                          </p:cTn>
+                        </p:par>
+                      </p:childTnLst>
+                    </p:cTn>
+                  </p:par>
+                  <p:par>
+                    <p:cTn id="16" fill="hold">
+                      <p:stCondLst>
+                        <p:cond delay="indefinite"/>
+                      </p:stCondLst>
+                      <p:childTnLst>
+                        <p:par>
+                          <p:cTn id="17" fill="hold">
+                            <p:stCondLst>
+                              <p:cond delay="0"/>
+                            </p:stCondLst>
+                            <p:childTnLst>
+                              <p:par>
+                                <p:cTn id="18" presetID="1" presetClass="entr" presetSubtype="0" fill="hold" nodeType="clickEffect">
+                                  <p:stCondLst>
+                                    <p:cond delay="0"/>
+                                  </p:stCondLst>
+                                  <p:childTnLst>
+                                    <p:set>
+                                      <p:cBhvr>
+                                        <p:cTn id="19" dur="1" fill="hold">
+                                          <p:stCondLst>
+                                            <p:cond delay="0"/>
+                                          </p:stCondLst>
+                                        </p:cTn>
+                                        <p:tgtEl>
+                                          <p:spTgt spid="7"/>
+                                        </p:tgtEl>
+                                        <p:attrNameLst>
+                                          <p:attrName>style.visibility</p:attrName>
+                                        </p:attrNameLst>
+                                      </p:cBhvr>
+                                      <p:to>
+                                        <p:strVal val="visible"/>
+                                      </p:to>
+                                    </p:set>
+                                  </p:childTnLst>
+                                </p:cTn>
+                              </p:par>
+                              <p:par>
+                                <p:cTn id="20" presetID="1" presetClass="entr" presetSubtype="0" fill="hold" nodeType="withEffect">
+                                  <p:stCondLst>
+                                    <p:cond delay="0"/>
+                                  </p:stCondLst>
+                                  <p:childTnLst>
+                                    <p:set>
+                                      <p:cBhvr>
+                                        <p:cTn id="21" dur="1" fill="hold">
+                                          <p:stCondLst>
+                                            <p:cond delay="0"/>
+                                          </p:stCondLst>
+                                        </p:cTn>
+                                        <p:tgtEl>
+                                          <p:spTgt spid="21"/>
+                                        </p:tgtEl>
+                                        <p:attrNameLst>
+                                          <p:attrName>style.visibility</p:attrName>
+                                        </p:attrNameLst>
+                                      </p:cBhvr>
+                                      <p:to>
+                                        <p:strVal val="visible"/>
+                                      </p:to>
+                                    </p:set>
+                                  </p:childTnLst>
+                                </p:cTn>
+                              </p:par>
+                            </p:childTnLst>
+                          </p:cTn>
+                        </p:par>
+                      </p:childTnLst>
+                    </p:cTn>
+                  </p:par>
+                  <p:par>
+                    <p:cTn id="22" fill="hold">
+                      <p:stCondLst>
+                        <p:cond delay="indefinite"/>
+                      </p:stCondLst>
+                      <p:childTnLst>
+                        <p:par>
+                          <p:cTn id="23" fill="hold">
+                            <p:stCondLst>
+                              <p:cond delay="0"/>
+                            </p:stCondLst>
+                            <p:childTnLst>
+                              <p:par>
+                                <p:cTn id="24" presetID="1" presetClass="entr" presetSubtype="0" fill="hold" nodeType="clickEffect">
+                                  <p:stCondLst>
+                                    <p:cond delay="0"/>
+                                  </p:stCondLst>
+                                  <p:childTnLst>
+                                    <p:set>
+                                      <p:cBhvr>
+                                        <p:cTn id="25" dur="1" fill="hold">
+                                          <p:stCondLst>
+                                            <p:cond delay="0"/>
+                                          </p:stCondLst>
+                                        </p:cTn>
+                                        <p:tgtEl>
+                                          <p:spTgt spid="37"/>
+                                        </p:tgtEl>
+                                        <p:attrNameLst>
+                                          <p:attrName>style.visibility</p:attrName>
+                                        </p:attrNameLst>
+                                      </p:cBhvr>
+                                      <p:to>
+                                        <p:strVal val="visible"/>
+                                      </p:to>
+                                    </p:set>
+                                  </p:childTnLst>
+                                </p:cTn>
+                              </p:par>
+                              <p:par>
+                                <p:cTn id="26" presetID="1" presetClass="entr" presetSubtype="0" fill="hold" nodeType="withEffect">
+                                  <p:stCondLst>
+                                    <p:cond delay="0"/>
+                                  </p:stCondLst>
+                                  <p:childTnLst>
+                                    <p:set>
+                                      <p:cBhvr>
+                                        <p:cTn id="27" dur="1" fill="hold">
+                                          <p:stCondLst>
+                                            <p:cond delay="0"/>
+                                          </p:stCondLst>
+                                        </p:cTn>
+                                        <p:tgtEl>
+                                          <p:spTgt spid="36"/>
+                                        </p:tgtEl>
+                                        <p:attrNameLst>
+                                          <p:attrName>style.visibility</p:attrName>
+                                        </p:attrNameLst>
+                                      </p:cBhvr>
+                                      <p:to>
+                                        <p:strVal val="visible"/>
+                                      </p:to>
+                                    </p:set>
+                                  </p:childTnLst>
+                                </p:cTn>
+                              </p:par>
+                            </p:childTnLst>
+                          </p:cTn>
+                        </p:par>
+                      </p:childTnLst>
+                    </p:cTn>
+                  </p:par>
+                  <p:par>
+                    <p:cTn id="28" fill="hold">
+                      <p:stCondLst>
+                        <p:cond delay="indefinite"/>
+                      </p:stCondLst>
+                      <p:childTnLst>
+                        <p:par>
+                          <p:cTn id="29" fill="hold">
+                            <p:stCondLst>
+                              <p:cond delay="0"/>
+                            </p:stCondLst>
+                            <p:childTnLst>
+                              <p:par>
+                                <p:cTn id="30" presetID="1" presetClass="entr" presetSubtype="0" fill="hold" nodeType="clickEffect">
+                                  <p:stCondLst>
+                                    <p:cond delay="0"/>
+                                  </p:stCondLst>
+                                  <p:childTnLst>
+                                    <p:set>
+                                      <p:cBhvr>
+                                        <p:cTn id="31" dur="1" fill="hold">
+                                          <p:stCondLst>
+                                            <p:cond delay="0"/>
+                                          </p:stCondLst>
+                                        </p:cTn>
+                                        <p:tgtEl>
+                                          <p:spTgt spid="39"/>
+                                        </p:tgtEl>
+                                        <p:attrNameLst>
+                                          <p:attrName>style.visibility</p:attrName>
+                                        </p:attrNameLst>
+                                      </p:cBhvr>
+                                      <p:to>
+                                        <p:strVal val="visible"/>
+                                      </p:to>
+                                    </p:set>
+                                  </p:childTnLst>
+                                </p:cTn>
+                              </p:par>
+                            </p:childTnLst>
+                          </p:cTn>
+                        </p:par>
+                      </p:childTnLst>
+                    </p:cTn>
+                  </p:par>
+                  <p:par>
+                    <p:cTn id="32" fill="hold">
+                      <p:stCondLst>
+                        <p:cond delay="indefinite"/>
+                      </p:stCondLst>
+                      <p:childTnLst>
+                        <p:par>
+                          <p:cTn id="33" fill="hold">
+                            <p:stCondLst>
+                              <p:cond delay="0"/>
+                            </p:stCondLst>
+                            <p:childTnLst>
+                              <p:par>
+                                <p:cTn id="34" presetID="1" presetClass="entr" presetSubtype="0" fill="hold" nodeType="clickEffect">
+                                  <p:stCondLst>
+                                    <p:cond delay="0"/>
+                                  </p:stCondLst>
+                                  <p:childTnLst>
+                                    <p:set>
+                                      <p:cBhvr>
+                                        <p:cTn id="35" dur="1" fill="hold">
+                                          <p:stCondLst>
+                                            <p:cond delay="0"/>
+                                          </p:stCondLst>
+                                        </p:cTn>
+                                        <p:tgtEl>
+                                          <p:spTgt spid="41"/>
+                                        </p:tgtEl>
+                                        <p:attrNameLst>
+                                          <p:attrName>style.visibility</p:attrName>
+                                        </p:attrNameLst>
+                                      </p:cBhvr>
+                                      <p:to>
+                                        <p:strVal val="visible"/>
+                                      </p:to>
+                                    </p:set>
+                                  </p:childTnLst>
+                                </p:cTn>
+                              </p:par>
+                              <p:par>
+                                <p:cTn id="36" presetID="1" presetClass="entr" presetSubtype="0" fill="hold" nodeType="withEffect">
+                                  <p:stCondLst>
+                                    <p:cond delay="0"/>
+                                  </p:stCondLst>
+                                  <p:childTnLst>
+                                    <p:set>
+                                      <p:cBhvr>
+                                        <p:cTn id="37" dur="1" fill="hold">
+                                          <p:stCondLst>
+                                            <p:cond delay="0"/>
+                                          </p:stCondLst>
+                                        </p:cTn>
+                                        <p:tgtEl>
+                                          <p:spTgt spid="40"/>
+                                        </p:tgtEl>
+                                        <p:attrNameLst>
+                                          <p:attrName>style.visibility</p:attrName>
+                                        </p:attrNameLst>
+                                      </p:cBhvr>
+                                      <p:to>
+                                        <p:strVal val="visible"/>
+                                      </p:to>
+                                    </p:set>
+                                  </p:childTnLst>
+                                </p:cTn>
+                              </p:par>
+                            </p:childTnLst>
+                          </p:cTn>
+                        </p:par>
+                      </p:childTnLst>
+                    </p:cTn>
+                  </p:par>
+                </p:childTnLst>
+              </p:cTn>
+              <p:prevCondLst>
+                <p:cond evt="onPrev" delay="0">
+                  <p:tgtEl>
+                    <p:sldTgt/>
+                  </p:tgtEl>
+                </p:cond>
+              </p:prevCondLst>
+              <p:nextCondLst>
+                <p:cond evt="onNext" delay="0">
+                  <p:tgtEl>
+                    <p:sldTgt/>
+                  </p:tgtEl>
+                </p:cond>
+              </p:nextCondLst>
+            </p:seq>
+          </p:childTnLst>
+        </p:cTn>
+      </p:par>
+    </p:tnLst>
+  </p:timing>
+</p:sld>
+</file>
+
+<file path=ppt/slides/slide8.xml><?xml version="1.0" encoding="utf-8"?>
+<p:sld xmlns:a="http://schemas.openxmlformats.org/drawingml/2006/main" xmlns:r="http://schemas.openxmlformats.org/officeDocument/2006/relationships" xmlns:p="http://schemas.openxmlformats.org/presentationml/2006/main">
+  <p:cSld>
+    <p:spTree>
+      <p:nvGrpSpPr>
+        <p:cNvPr id="1" name=""/>
+        <p:cNvGrpSpPr/>
+        <p:nvPr/>
+      </p:nvGrpSpPr>
+      <p:grpSpPr>
+        <a:xfrm>
+          <a:off x="0" y="0"/>
+          <a:ext cx="0" cy="0"/>
+          <a:chOff x="0" y="0"/>
+          <a:chExt cx="0" cy="0"/>
+        </a:xfrm>
+      </p:grpSpPr>
+      <p:sp>
+        <p:nvSpPr>
+          <p:cNvPr id="2" name="Title 1">
+            <a:extLst>
+              <a:ext uri="{FF2B5EF4-FFF2-40B4-BE49-F238E27FC236}">
+                <a16:creationId xmlns:a16="http://schemas.microsoft.com/office/drawing/2014/main" id="{071ECC35-E986-4A42-A309-4C221BA56C9F}"/>
+              </a:ext>
+            </a:extLst>
+          </p:cNvPr>
+          <p:cNvSpPr>
+            <a:spLocks noGrp="1"/>
+          </p:cNvSpPr>
+          <p:nvPr>
+            <p:ph type="title"/>
+          </p:nvPr>
+        </p:nvSpPr>
+        <p:spPr/>
+        <p:txBody>
+          <a:bodyPr/>
+          <a:lstStyle/>
+          <a:p>
+            <a:r>
+              <a:rPr lang="en-US" dirty="0"/>
+              <a:t>Asymmetric Key Cryptography</a:t>
+            </a:r>
+          </a:p>
+        </p:txBody>
+      </p:sp>
+      <p:sp>
+        <p:nvSpPr>
+          <p:cNvPr id="4" name="Content Placeholder 3">
+            <a:extLst>
+              <a:ext uri="{FF2B5EF4-FFF2-40B4-BE49-F238E27FC236}">
+                <a16:creationId xmlns:a16="http://schemas.microsoft.com/office/drawing/2014/main" id="{6B47ABEA-0A1A-4485-913C-52BC543FAB1B}"/>
+              </a:ext>
+            </a:extLst>
+          </p:cNvPr>
+          <p:cNvSpPr>
+            <a:spLocks noGrp="1"/>
+          </p:cNvSpPr>
+          <p:nvPr>
+            <p:ph sz="quarter" idx="13"/>
+          </p:nvPr>
+        </p:nvSpPr>
+        <p:spPr/>
+        <p:txBody>
+          <a:bodyPr/>
+          <a:lstStyle/>
+          <a:p>
+            <a:r>
+              <a:rPr lang="en-US" dirty="0"/>
+              <a:t>Asymmetric-key cryptography is a system of encryption where cryptographic keys are paired, such that:</a:t>
+            </a:r>
+          </a:p>
+          <a:p>
+            <a:pPr marL="342900" indent="-342900">
+              <a:buFont typeface="Arial" panose="020B0604020202020204" pitchFamily="34" charset="0"/>
+              <a:buChar char="•"/>
+            </a:pPr>
+            <a:r>
+              <a:rPr lang="en-US" dirty="0"/>
+              <a:t>An encryption performed with one key can be decrypted by the other member of the pair.</a:t>
+            </a:r>
+          </a:p>
+          <a:p>
+            <a:pPr marL="342900" indent="-342900">
+              <a:buFont typeface="Arial" panose="020B0604020202020204" pitchFamily="34" charset="0"/>
+              <a:buChar char="•"/>
+            </a:pPr>
+            <a:r>
+              <a:rPr lang="en-US" dirty="0"/>
+              <a:t>Possession of one key does not enable the practical computation of the other. </a:t>
+            </a:r>
+          </a:p>
+          <a:p>
+            <a:endParaRPr lang="en-US" dirty="0"/>
+          </a:p>
+        </p:txBody>
+      </p:sp>
+    </p:spTree>
+    <p:extLst>
+      <p:ext uri="{BB962C8B-B14F-4D97-AF65-F5344CB8AC3E}">
+        <p14:creationId xmlns:p14="http://schemas.microsoft.com/office/powerpoint/2010/main" val="882685578"/>
+      </p:ext>
+    </p:extLst>
+  </p:cSld>
+  <p:clrMapOvr>
+    <a:masterClrMapping/>
+  </p:clrMapOvr>
+  <mc:AlternateContent xmlns:mc="http://schemas.openxmlformats.org/markup-compatibility/2006" xmlns:p14="http://schemas.microsoft.com/office/powerpoint/2010/main">
+    <mc:Choice Requires="p14">
+      <p:transition spd="med" p14:dur="700">
+        <p:fade/>
+      </p:transition>
+    </mc:Choice>
+    <mc:Fallback xmlns="">
+      <p:transition spd="med">
+        <p:fade/>
+      </p:transition>
+    </mc:Fallback>
+  </mc:AlternateContent>
+</p:sld>
+</file>
+
+<file path=ppt/slides/slide9.xml><?xml version="1.0" encoding="utf-8"?>
+<p:sld xmlns:a="http://schemas.openxmlformats.org/drawingml/2006/main" xmlns:r="http://schemas.openxmlformats.org/officeDocument/2006/relationships" xmlns:p="http://schemas.openxmlformats.org/presentationml/2006/main">
+  <p:cSld>
+    <p:spTree>
+      <p:nvGrpSpPr>
+        <p:cNvPr id="1" name=""/>
+        <p:cNvGrpSpPr/>
+        <p:nvPr/>
+      </p:nvGrpSpPr>
+      <p:grpSpPr>
+        <a:xfrm>
+          <a:off x="0" y="0"/>
+          <a:ext cx="0" cy="0"/>
+          <a:chOff x="0" y="0"/>
+          <a:chExt cx="0" cy="0"/>
+        </a:xfrm>
+      </p:grpSpPr>
+      <p:sp>
+        <p:nvSpPr>
           <p:cNvPr id="4" name="Title 3"/>
           <p:cNvSpPr>
             <a:spLocks noGrp="1"/>
@@ -30367,13 +33695,13 @@
           <a:p>
             <a:r>
               <a:rPr lang="en-US" dirty="0"/>
-              <a:t>RSA is an algorithm used for encrypting small amount of data. </a:t>
+              <a:t>RSA is an asymmetric cryptographic algorithm developed in 1977. </a:t>
             </a:r>
           </a:p>
           <a:p>
             <a:r>
               <a:rPr lang="en-US" b="1" dirty="0"/>
-              <a:t>The security of the algorithm relies on the difficulty of factoring large prime integers.</a:t>
+              <a:t>The security of the algorithm relies on the difficulty of factoring large integers.</a:t>
             </a:r>
           </a:p>
           <a:p>
@@ -30482,873 +33810,6 @@
     <p:extLst>
       <p:ext uri="{BB962C8B-B14F-4D97-AF65-F5344CB8AC3E}">
         <p14:creationId xmlns:p14="http://schemas.microsoft.com/office/powerpoint/2010/main" val="1894832327"/>
-      </p:ext>
-    </p:extLst>
-  </p:cSld>
-  <p:clrMapOvr>
-    <a:masterClrMapping/>
-  </p:clrMapOvr>
-  <mc:AlternateContent xmlns:mc="http://schemas.openxmlformats.org/markup-compatibility/2006" xmlns:p14="http://schemas.microsoft.com/office/powerpoint/2010/main">
-    <mc:Choice Requires="p14">
-      <p:transition spd="med" p14:dur="700">
-        <p:fade/>
-      </p:transition>
-    </mc:Choice>
-    <mc:Fallback xmlns="">
-      <p:transition spd="med">
-        <p:fade/>
-      </p:transition>
-    </mc:Fallback>
-  </mc:AlternateContent>
-</p:sld>
-</file>
-
-<file path=ppt/slides/slide5.xml><?xml version="1.0" encoding="utf-8"?>
-<p:sld xmlns:a="http://schemas.openxmlformats.org/drawingml/2006/main" xmlns:r="http://schemas.openxmlformats.org/officeDocument/2006/relationships" xmlns:p="http://schemas.openxmlformats.org/presentationml/2006/main">
-  <p:cSld>
-    <p:spTree>
-      <p:nvGrpSpPr>
-        <p:cNvPr id="1" name=""/>
-        <p:cNvGrpSpPr/>
-        <p:nvPr/>
-      </p:nvGrpSpPr>
-      <p:grpSpPr>
-        <a:xfrm>
-          <a:off x="0" y="0"/>
-          <a:ext cx="0" cy="0"/>
-          <a:chOff x="0" y="0"/>
-          <a:chExt cx="0" cy="0"/>
-        </a:xfrm>
-      </p:grpSpPr>
-      <p:sp>
-        <p:nvSpPr>
-          <p:cNvPr id="4" name="Title 3"/>
-          <p:cNvSpPr>
-            <a:spLocks noGrp="1"/>
-          </p:cNvSpPr>
-          <p:nvPr>
-            <p:ph type="title"/>
-          </p:nvPr>
-        </p:nvSpPr>
-        <p:spPr/>
-        <p:txBody>
-          <a:bodyPr/>
-          <a:lstStyle/>
-          <a:p>
-            <a:r>
-              <a:rPr lang="en-US" dirty="0"/>
-              <a:t>AN Introduction To RSA</a:t>
-            </a:r>
-          </a:p>
-        </p:txBody>
-      </p:sp>
-      <p:sp>
-        <p:nvSpPr>
-          <p:cNvPr id="5" name="Content Placeholder 4"/>
-          <p:cNvSpPr>
-            <a:spLocks noGrp="1"/>
-          </p:cNvSpPr>
-          <p:nvPr>
-            <p:ph sz="quarter" idx="13"/>
-          </p:nvPr>
-        </p:nvSpPr>
-        <p:spPr/>
-        <p:txBody>
-          <a:bodyPr>
-            <a:normAutofit/>
-          </a:bodyPr>
-          <a:lstStyle/>
-          <a:p>
-            <a:r>
-              <a:rPr lang="en-US" dirty="0"/>
-              <a:t>The keys are created by selecting 2 prime numbers (p, q) and multiplying them together to create a modulus (n). This value is used during encryption and decryption.</a:t>
-            </a:r>
-          </a:p>
-          <a:p>
-            <a:pPr lvl="1"/>
-            <a:r>
-              <a:rPr lang="en-US" dirty="0"/>
-              <a:t>Public key = (e, n) – e is called the “public exponent”, while n is the modulus.</a:t>
-            </a:r>
-          </a:p>
-          <a:p>
-            <a:pPr lvl="1"/>
-            <a:r>
-              <a:rPr lang="en-US" dirty="0"/>
-              <a:t>Private key = (d, n) – d is called the “private exponent”, while n is the modulus.</a:t>
-            </a:r>
-          </a:p>
-          <a:p>
-            <a:pPr marL="0" lvl="1" indent="0">
-              <a:buNone/>
-            </a:pPr>
-            <a:endParaRPr lang="en-US" dirty="0">
-              <a:solidFill>
-                <a:srgbClr val="0071C5"/>
-              </a:solidFill>
-            </a:endParaRPr>
-          </a:p>
-          <a:p>
-            <a:pPr marL="0" lvl="1" indent="0">
-              <a:buNone/>
-            </a:pPr>
-            <a:r>
-              <a:rPr lang="en-US" dirty="0">
-                <a:solidFill>
-                  <a:srgbClr val="0071C5"/>
-                </a:solidFill>
-              </a:rPr>
-              <a:t>For more details on how to compute the public and private exponents, see the RSA article on Wikipedia.  </a:t>
-            </a:r>
-            <a:r>
-              <a:rPr lang="en-US" dirty="0"/>
-              <a:t>(</a:t>
-            </a:r>
-            <a:r>
-              <a:rPr lang="en-US" dirty="0">
-                <a:hlinkClick r:id="rId3"/>
-              </a:rPr>
-              <a:t>https://en.wikipedia.org/wiki/RSA_(cryptosystem)</a:t>
-            </a:r>
-            <a:r>
-              <a:rPr lang="en-US" dirty="0"/>
-              <a:t>)</a:t>
-            </a:r>
-            <a:endParaRPr lang="en-US" dirty="0">
-              <a:solidFill>
-                <a:srgbClr val="0071C5"/>
-              </a:solidFill>
-            </a:endParaRPr>
-          </a:p>
-          <a:p>
-            <a:pPr marL="0" lvl="1" indent="0">
-              <a:buNone/>
-            </a:pPr>
-            <a:endParaRPr lang="en-US" dirty="0"/>
-          </a:p>
-        </p:txBody>
-      </p:sp>
-    </p:spTree>
-    <p:extLst>
-      <p:ext uri="{BB962C8B-B14F-4D97-AF65-F5344CB8AC3E}">
-        <p14:creationId xmlns:p14="http://schemas.microsoft.com/office/powerpoint/2010/main" val="1425912052"/>
-      </p:ext>
-    </p:extLst>
-  </p:cSld>
-  <p:clrMapOvr>
-    <a:masterClrMapping/>
-  </p:clrMapOvr>
-  <mc:AlternateContent xmlns:mc="http://schemas.openxmlformats.org/markup-compatibility/2006" xmlns:p14="http://schemas.microsoft.com/office/powerpoint/2010/main">
-    <mc:Choice Requires="p14">
-      <p:transition spd="med" p14:dur="700">
-        <p:fade/>
-      </p:transition>
-    </mc:Choice>
-    <mc:Fallback xmlns="">
-      <p:transition spd="med">
-        <p:fade/>
-      </p:transition>
-    </mc:Fallback>
-  </mc:AlternateContent>
-</p:sld>
-</file>
-
-<file path=ppt/slides/slide6.xml><?xml version="1.0" encoding="utf-8"?>
-<p:sld xmlns:a="http://schemas.openxmlformats.org/drawingml/2006/main" xmlns:r="http://schemas.openxmlformats.org/officeDocument/2006/relationships" xmlns:p="http://schemas.openxmlformats.org/presentationml/2006/main">
-  <p:cSld>
-    <p:spTree>
-      <p:nvGrpSpPr>
-        <p:cNvPr id="1" name=""/>
-        <p:cNvGrpSpPr/>
-        <p:nvPr/>
-      </p:nvGrpSpPr>
-      <p:grpSpPr>
-        <a:xfrm>
-          <a:off x="0" y="0"/>
-          <a:ext cx="0" cy="0"/>
-          <a:chOff x="0" y="0"/>
-          <a:chExt cx="0" cy="0"/>
-        </a:xfrm>
-      </p:grpSpPr>
-      <p:sp>
-        <p:nvSpPr>
-          <p:cNvPr id="4" name="Title 3"/>
-          <p:cNvSpPr>
-            <a:spLocks noGrp="1"/>
-          </p:cNvSpPr>
-          <p:nvPr>
-            <p:ph type="title"/>
-          </p:nvPr>
-        </p:nvSpPr>
-        <p:spPr/>
-        <p:txBody>
-          <a:bodyPr/>
-          <a:lstStyle/>
-          <a:p>
-            <a:r>
-              <a:rPr lang="en-US" dirty="0"/>
-              <a:t>An Introduction To RSA</a:t>
-            </a:r>
-          </a:p>
-        </p:txBody>
-      </p:sp>
-      <p:sp>
-        <p:nvSpPr>
-          <p:cNvPr id="5" name="Content Placeholder 4"/>
-          <p:cNvSpPr>
-            <a:spLocks noGrp="1"/>
-          </p:cNvSpPr>
-          <p:nvPr>
-            <p:ph sz="quarter" idx="13"/>
-          </p:nvPr>
-        </p:nvSpPr>
-        <p:spPr/>
-        <p:txBody>
-          <a:bodyPr>
-            <a:normAutofit/>
-          </a:bodyPr>
-          <a:lstStyle/>
-          <a:p>
-            <a:r>
-              <a:rPr lang="en-US" dirty="0"/>
-              <a:t>Once the public and private keys are generated, encryption and decryption can occur.</a:t>
-            </a:r>
-          </a:p>
-          <a:p>
-            <a:pPr algn="ctr"/>
-            <a:r>
-              <a:rPr lang="en-US" dirty="0"/>
-              <a:t>Encrypt a message (m) with modular exponentiation…</a:t>
-            </a:r>
-          </a:p>
-          <a:p>
-            <a:pPr marL="0" lvl="1" indent="0" algn="ctr">
-              <a:buNone/>
-            </a:pPr>
-            <a:r>
-              <a:rPr lang="en-US" b="1" dirty="0">
-                <a:solidFill>
-                  <a:srgbClr val="FF0000"/>
-                </a:solidFill>
-              </a:rPr>
-              <a:t>c</a:t>
-            </a:r>
-            <a:r>
-              <a:rPr lang="en-US" b="1" dirty="0"/>
-              <a:t> = </a:t>
-            </a:r>
-            <a:r>
-              <a:rPr lang="en-US" b="1" dirty="0">
-                <a:solidFill>
-                  <a:srgbClr val="00B050"/>
-                </a:solidFill>
-              </a:rPr>
-              <a:t>m</a:t>
-            </a:r>
-            <a:r>
-              <a:rPr lang="en-US" b="1" baseline="30000" dirty="0"/>
-              <a:t>e</a:t>
-            </a:r>
-            <a:r>
-              <a:rPr lang="en-US" b="1" dirty="0"/>
-              <a:t> mod n</a:t>
-            </a:r>
-          </a:p>
-          <a:p>
-            <a:pPr lvl="0" algn="ctr"/>
-            <a:r>
-              <a:rPr lang="en-US" dirty="0"/>
-              <a:t>…and decrypt a message (c) with modular exponentiation</a:t>
-            </a:r>
-          </a:p>
-          <a:p>
-            <a:pPr marL="0" lvl="1" indent="0" algn="ctr">
-              <a:buNone/>
-            </a:pPr>
-            <a:r>
-              <a:rPr lang="en-US" b="1" dirty="0">
-                <a:solidFill>
-                  <a:srgbClr val="00B050"/>
-                </a:solidFill>
-              </a:rPr>
-              <a:t>m</a:t>
-            </a:r>
-            <a:r>
-              <a:rPr lang="en-US" b="1" dirty="0"/>
-              <a:t> = </a:t>
-            </a:r>
-            <a:r>
-              <a:rPr lang="en-US" b="1" dirty="0">
-                <a:solidFill>
-                  <a:srgbClr val="FF0000"/>
-                </a:solidFill>
-              </a:rPr>
-              <a:t>c</a:t>
-            </a:r>
-            <a:r>
-              <a:rPr lang="en-US" b="1" baseline="30000" dirty="0"/>
-              <a:t>d</a:t>
-            </a:r>
-            <a:r>
-              <a:rPr lang="en-US" b="1" dirty="0"/>
-              <a:t> mod n</a:t>
-            </a:r>
-          </a:p>
-          <a:p>
-            <a:endParaRPr lang="en-US" dirty="0"/>
-          </a:p>
-        </p:txBody>
-      </p:sp>
-    </p:spTree>
-    <p:extLst>
-      <p:ext uri="{BB962C8B-B14F-4D97-AF65-F5344CB8AC3E}">
-        <p14:creationId xmlns:p14="http://schemas.microsoft.com/office/powerpoint/2010/main" val="3512066327"/>
-      </p:ext>
-    </p:extLst>
-  </p:cSld>
-  <p:clrMapOvr>
-    <a:masterClrMapping/>
-  </p:clrMapOvr>
-  <mc:AlternateContent xmlns:mc="http://schemas.openxmlformats.org/markup-compatibility/2006" xmlns:p14="http://schemas.microsoft.com/office/powerpoint/2010/main">
-    <mc:Choice Requires="p14">
-      <p:transition spd="med" p14:dur="700">
-        <p:fade/>
-      </p:transition>
-    </mc:Choice>
-    <mc:Fallback xmlns="">
-      <p:transition spd="med">
-        <p:fade/>
-      </p:transition>
-    </mc:Fallback>
-  </mc:AlternateContent>
-</p:sld>
-</file>
-
-<file path=ppt/slides/slide7.xml><?xml version="1.0" encoding="utf-8"?>
-<p:sld xmlns:a="http://schemas.openxmlformats.org/drawingml/2006/main" xmlns:r="http://schemas.openxmlformats.org/officeDocument/2006/relationships" xmlns:p="http://schemas.openxmlformats.org/presentationml/2006/main">
-  <p:cSld>
-    <p:spTree>
-      <p:nvGrpSpPr>
-        <p:cNvPr id="1" name=""/>
-        <p:cNvGrpSpPr/>
-        <p:nvPr/>
-      </p:nvGrpSpPr>
-      <p:grpSpPr>
-        <a:xfrm>
-          <a:off x="0" y="0"/>
-          <a:ext cx="0" cy="0"/>
-          <a:chOff x="0" y="0"/>
-          <a:chExt cx="0" cy="0"/>
-        </a:xfrm>
-      </p:grpSpPr>
-      <p:sp>
-        <p:nvSpPr>
-          <p:cNvPr id="4" name="Title 3"/>
-          <p:cNvSpPr>
-            <a:spLocks noGrp="1"/>
-          </p:cNvSpPr>
-          <p:nvPr>
-            <p:ph type="title"/>
-          </p:nvPr>
-        </p:nvSpPr>
-        <p:spPr/>
-        <p:txBody>
-          <a:bodyPr/>
-          <a:lstStyle/>
-          <a:p>
-            <a:r>
-              <a:rPr lang="en-US" dirty="0"/>
-              <a:t>Breaking RSA keys by factoring large integers</a:t>
-            </a:r>
-          </a:p>
-        </p:txBody>
-      </p:sp>
-      <p:sp>
-        <p:nvSpPr>
-          <p:cNvPr id="5" name="Content Placeholder 4"/>
-          <p:cNvSpPr>
-            <a:spLocks noGrp="1"/>
-          </p:cNvSpPr>
-          <p:nvPr>
-            <p:ph sz="quarter" idx="13"/>
-          </p:nvPr>
-        </p:nvSpPr>
-        <p:spPr/>
-        <p:txBody>
-          <a:bodyPr>
-            <a:normAutofit/>
-          </a:bodyPr>
-          <a:lstStyle/>
-          <a:p>
-            <a:r>
-              <a:rPr lang="en-US" dirty="0"/>
-              <a:t>As stated earlier…</a:t>
-            </a:r>
-          </a:p>
-          <a:p>
-            <a:pPr algn="ctr"/>
-            <a:r>
-              <a:rPr lang="en-US" b="1" dirty="0"/>
-              <a:t>The security of RSA relies on the difficulty of factoring large integers.</a:t>
-            </a:r>
-          </a:p>
-          <a:p>
-            <a:pPr algn="ctr"/>
-            <a:endParaRPr lang="en-US" dirty="0"/>
-          </a:p>
-          <a:p>
-            <a:r>
-              <a:rPr lang="en-US" dirty="0"/>
-              <a:t>One way to break RSA is to factor n into its composite primes, p and q. After doing this, computing the private key is trivial.</a:t>
-            </a:r>
-          </a:p>
-          <a:p>
-            <a:r>
-              <a:rPr lang="en-US" dirty="0"/>
-              <a:t>Numerous algorithms exist for factoring large integers – none of them are very efficient.</a:t>
-            </a:r>
-          </a:p>
-          <a:p>
-            <a:pPr lvl="1"/>
-            <a:r>
-              <a:rPr lang="en-US" dirty="0"/>
-              <a:t>Quadratic sieve, general number field sieve, Shor’s algorithm (quantum computers)</a:t>
-            </a:r>
-          </a:p>
-        </p:txBody>
-      </p:sp>
-    </p:spTree>
-    <p:extLst>
-      <p:ext uri="{BB962C8B-B14F-4D97-AF65-F5344CB8AC3E}">
-        <p14:creationId xmlns:p14="http://schemas.microsoft.com/office/powerpoint/2010/main" val="82824601"/>
-      </p:ext>
-    </p:extLst>
-  </p:cSld>
-  <p:clrMapOvr>
-    <a:masterClrMapping/>
-  </p:clrMapOvr>
-  <mc:AlternateContent xmlns:mc="http://schemas.openxmlformats.org/markup-compatibility/2006" xmlns:p14="http://schemas.microsoft.com/office/powerpoint/2010/main">
-    <mc:Choice Requires="p14">
-      <p:transition spd="med" p14:dur="700">
-        <p:fade/>
-      </p:transition>
-    </mc:Choice>
-    <mc:Fallback xmlns="">
-      <p:transition spd="med">
-        <p:fade/>
-      </p:transition>
-    </mc:Fallback>
-  </mc:AlternateContent>
-</p:sld>
-</file>
-
-<file path=ppt/slides/slide8.xml><?xml version="1.0" encoding="utf-8"?>
-<p:sld xmlns:a="http://schemas.openxmlformats.org/drawingml/2006/main" xmlns:r="http://schemas.openxmlformats.org/officeDocument/2006/relationships" xmlns:p="http://schemas.openxmlformats.org/presentationml/2006/main">
-  <p:cSld>
-    <p:spTree>
-      <p:nvGrpSpPr>
-        <p:cNvPr id="1" name=""/>
-        <p:cNvGrpSpPr/>
-        <p:nvPr/>
-      </p:nvGrpSpPr>
-      <p:grpSpPr>
-        <a:xfrm>
-          <a:off x="0" y="0"/>
-          <a:ext cx="0" cy="0"/>
-          <a:chOff x="0" y="0"/>
-          <a:chExt cx="0" cy="0"/>
-        </a:xfrm>
-      </p:grpSpPr>
-      <p:sp>
-        <p:nvSpPr>
-          <p:cNvPr id="4" name="Title 3"/>
-          <p:cNvSpPr>
-            <a:spLocks noGrp="1"/>
-          </p:cNvSpPr>
-          <p:nvPr>
-            <p:ph type="title"/>
-          </p:nvPr>
-        </p:nvSpPr>
-        <p:spPr/>
-        <p:txBody>
-          <a:bodyPr/>
-          <a:lstStyle/>
-          <a:p>
-            <a:r>
-              <a:rPr lang="en-US" dirty="0"/>
-              <a:t>Breaking RSA keys by factoring large integers</a:t>
-            </a:r>
-          </a:p>
-        </p:txBody>
-      </p:sp>
-      <p:sp>
-        <p:nvSpPr>
-          <p:cNvPr id="5" name="Content Placeholder 4"/>
-          <p:cNvSpPr>
-            <a:spLocks noGrp="1"/>
-          </p:cNvSpPr>
-          <p:nvPr>
-            <p:ph sz="quarter" idx="13"/>
-          </p:nvPr>
-        </p:nvSpPr>
-        <p:spPr>
-          <a:xfrm>
-            <a:off x="607484" y="1604434"/>
-            <a:ext cx="10972800" cy="4567767"/>
-          </a:xfrm>
-        </p:spPr>
-        <p:txBody>
-          <a:bodyPr>
-            <a:normAutofit lnSpcReduction="10000"/>
-          </a:bodyPr>
-          <a:lstStyle/>
-          <a:p>
-            <a:r>
-              <a:rPr lang="en-US" dirty="0"/>
-              <a:t>Size of Modulus and Time to Factor Examples:</a:t>
-            </a:r>
-          </a:p>
-          <a:p>
-            <a:pPr lvl="1">
-              <a:spcBef>
-                <a:spcPts val="800"/>
-              </a:spcBef>
-            </a:pPr>
-            <a:r>
-              <a:rPr lang="en-US" dirty="0"/>
-              <a:t>1 digit (3 bit) Primes:</a:t>
-            </a:r>
-          </a:p>
-          <a:p>
-            <a:pPr marL="0" lvl="1" indent="0">
-              <a:spcBef>
-                <a:spcPts val="800"/>
-              </a:spcBef>
-              <a:buNone/>
-            </a:pPr>
-            <a:r>
-              <a:rPr lang="en-US" dirty="0"/>
-              <a:t>	n = 15</a:t>
-            </a:r>
-          </a:p>
-          <a:p>
-            <a:pPr marL="0" lvl="1" indent="0">
-              <a:spcBef>
-                <a:spcPts val="800"/>
-              </a:spcBef>
-              <a:buNone/>
-            </a:pPr>
-            <a:r>
-              <a:rPr lang="en-US" dirty="0"/>
-              <a:t>	</a:t>
-            </a:r>
-            <a:r>
-              <a:rPr lang="en-US" b="1" dirty="0"/>
-              <a:t>You can do it in your head</a:t>
-            </a:r>
-          </a:p>
-          <a:p>
-            <a:pPr lvl="1">
-              <a:spcBef>
-                <a:spcPts val="800"/>
-              </a:spcBef>
-            </a:pPr>
-            <a:r>
-              <a:rPr lang="en-US" dirty="0"/>
-              <a:t>2 digit (7 bit) Primes:</a:t>
-            </a:r>
-          </a:p>
-          <a:p>
-            <a:pPr marL="0" lvl="1" indent="0">
-              <a:spcBef>
-                <a:spcPts val="800"/>
-              </a:spcBef>
-              <a:buNone/>
-            </a:pPr>
-            <a:r>
-              <a:rPr lang="en-US" dirty="0"/>
-              <a:t>	n = 143</a:t>
-            </a:r>
-          </a:p>
-          <a:p>
-            <a:pPr marL="0" lvl="1" indent="0">
-              <a:spcBef>
-                <a:spcPts val="800"/>
-              </a:spcBef>
-              <a:buNone/>
-            </a:pPr>
-            <a:r>
-              <a:rPr lang="en-US" dirty="0"/>
-              <a:t>	</a:t>
-            </a:r>
-            <a:r>
-              <a:rPr lang="en-US" b="1" dirty="0"/>
-              <a:t>Wolfram Alpha, ~2 seconds</a:t>
-            </a:r>
-          </a:p>
-          <a:p>
-            <a:pPr lvl="1">
-              <a:spcBef>
-                <a:spcPts val="800"/>
-              </a:spcBef>
-            </a:pPr>
-            <a:r>
-              <a:rPr lang="en-US" dirty="0"/>
-              <a:t>29 digit (96 bit) primes</a:t>
-            </a:r>
-          </a:p>
-          <a:p>
-            <a:pPr marL="0" lvl="1" indent="0">
-              <a:spcBef>
-                <a:spcPts val="800"/>
-              </a:spcBef>
-              <a:buNone/>
-            </a:pPr>
-            <a:r>
-              <a:rPr lang="en-US" dirty="0"/>
-              <a:t>	n = </a:t>
-            </a:r>
-            <a:r>
-              <a:rPr lang="en-US" sz="2000" dirty="0"/>
-              <a:t>867,613,962,415,402,435,477,298,008,177,867,109,237,440,452,526,483,367,617</a:t>
-            </a:r>
-            <a:endParaRPr lang="en-US" dirty="0"/>
-          </a:p>
-          <a:p>
-            <a:pPr marL="0" lvl="1" indent="0">
-              <a:spcBef>
-                <a:spcPts val="800"/>
-              </a:spcBef>
-              <a:buNone/>
-            </a:pPr>
-            <a:r>
-              <a:rPr lang="en-US" dirty="0"/>
-              <a:t> 	</a:t>
-            </a:r>
-            <a:r>
-              <a:rPr lang="en-US" b="1" dirty="0"/>
-              <a:t>Mathematica, ~24 seconds</a:t>
-            </a:r>
-          </a:p>
-        </p:txBody>
-      </p:sp>
-    </p:spTree>
-    <p:extLst>
-      <p:ext uri="{BB962C8B-B14F-4D97-AF65-F5344CB8AC3E}">
-        <p14:creationId xmlns:p14="http://schemas.microsoft.com/office/powerpoint/2010/main" val="3984108401"/>
-      </p:ext>
-    </p:extLst>
-  </p:cSld>
-  <p:clrMapOvr>
-    <a:masterClrMapping/>
-  </p:clrMapOvr>
-  <mc:AlternateContent xmlns:mc="http://schemas.openxmlformats.org/markup-compatibility/2006" xmlns:p14="http://schemas.microsoft.com/office/powerpoint/2010/main">
-    <mc:Choice Requires="p14">
-      <p:transition spd="med" p14:dur="700">
-        <p:fade/>
-      </p:transition>
-    </mc:Choice>
-    <mc:Fallback xmlns="">
-      <p:transition spd="med">
-        <p:fade/>
-      </p:transition>
-    </mc:Fallback>
-  </mc:AlternateContent>
-</p:sld>
-</file>
-
-<file path=ppt/slides/slide9.xml><?xml version="1.0" encoding="utf-8"?>
-<p:sld xmlns:a="http://schemas.openxmlformats.org/drawingml/2006/main" xmlns:r="http://schemas.openxmlformats.org/officeDocument/2006/relationships" xmlns:p="http://schemas.openxmlformats.org/presentationml/2006/main">
-  <p:cSld>
-    <p:spTree>
-      <p:nvGrpSpPr>
-        <p:cNvPr id="1" name=""/>
-        <p:cNvGrpSpPr/>
-        <p:nvPr/>
-      </p:nvGrpSpPr>
-      <p:grpSpPr>
-        <a:xfrm>
-          <a:off x="0" y="0"/>
-          <a:ext cx="0" cy="0"/>
-          <a:chOff x="0" y="0"/>
-          <a:chExt cx="0" cy="0"/>
-        </a:xfrm>
-      </p:grpSpPr>
-      <p:sp>
-        <p:nvSpPr>
-          <p:cNvPr id="4" name="Title 3"/>
-          <p:cNvSpPr>
-            <a:spLocks noGrp="1"/>
-          </p:cNvSpPr>
-          <p:nvPr>
-            <p:ph type="title"/>
-          </p:nvPr>
-        </p:nvSpPr>
-        <p:spPr/>
-        <p:txBody>
-          <a:bodyPr/>
-          <a:lstStyle/>
-          <a:p>
-            <a:r>
-              <a:rPr lang="en-US"/>
-              <a:t>Breaking RSA keys by factoring large integers</a:t>
-            </a:r>
-            <a:endParaRPr lang="en-US" dirty="0"/>
-          </a:p>
-        </p:txBody>
-      </p:sp>
-      <p:sp>
-        <p:nvSpPr>
-          <p:cNvPr id="5" name="Content Placeholder 4"/>
-          <p:cNvSpPr>
-            <a:spLocks noGrp="1"/>
-          </p:cNvSpPr>
-          <p:nvPr>
-            <p:ph sz="quarter" idx="13"/>
-          </p:nvPr>
-        </p:nvSpPr>
-        <p:spPr>
-          <a:xfrm>
-            <a:off x="607484" y="1604434"/>
-            <a:ext cx="10972800" cy="4567767"/>
-          </a:xfrm>
-        </p:spPr>
-        <p:txBody>
-          <a:bodyPr>
-            <a:normAutofit/>
-          </a:bodyPr>
-          <a:lstStyle/>
-          <a:p>
-            <a:r>
-              <a:rPr lang="en-US" dirty="0"/>
-              <a:t>Size of Modulus and Time to Factor Examples:</a:t>
-            </a:r>
-          </a:p>
-          <a:p>
-            <a:pPr lvl="1">
-              <a:spcBef>
-                <a:spcPts val="800"/>
-              </a:spcBef>
-            </a:pPr>
-            <a:r>
-              <a:rPr lang="en-US" dirty="0"/>
-              <a:t>38 digit (128 bit) Primes:</a:t>
-            </a:r>
-          </a:p>
-          <a:p>
-            <a:pPr marL="0" lvl="1" indent="0">
-              <a:spcBef>
-                <a:spcPts val="800"/>
-              </a:spcBef>
-              <a:buNone/>
-            </a:pPr>
-            <a:r>
-              <a:rPr lang="en-US" dirty="0"/>
-              <a:t>	n = </a:t>
-            </a:r>
-            <a:r>
-              <a:rPr lang="en-US" sz="1500" dirty="0"/>
-              <a:t>4,637,459,905,241,799,769,412,843,561,193,493,829,489,199,478,024,203,253,706,191,473,185,200,037,729</a:t>
-            </a:r>
-          </a:p>
-          <a:p>
-            <a:pPr marL="0" lvl="1" indent="0">
-              <a:spcBef>
-                <a:spcPts val="800"/>
-              </a:spcBef>
-              <a:buNone/>
-            </a:pPr>
-            <a:r>
-              <a:rPr lang="en-US" dirty="0"/>
-              <a:t>	</a:t>
-            </a:r>
-            <a:r>
-              <a:rPr lang="en-US" b="1" dirty="0"/>
-              <a:t>Mathematica - ~5 hours</a:t>
-            </a:r>
-          </a:p>
-          <a:p>
-            <a:pPr lvl="1">
-              <a:spcBef>
-                <a:spcPts val="800"/>
-              </a:spcBef>
-            </a:pPr>
-            <a:r>
-              <a:rPr lang="en-US" dirty="0"/>
-              <a:t>77 digit (256 bit) Primes:</a:t>
-            </a:r>
-          </a:p>
-          <a:p>
-            <a:pPr marL="0" lvl="1" indent="0">
-              <a:spcBef>
-                <a:spcPts val="800"/>
-              </a:spcBef>
-              <a:buNone/>
-            </a:pPr>
-            <a:r>
-              <a:rPr lang="en-US" dirty="0"/>
-              <a:t>	n = </a:t>
-            </a:r>
-            <a:r>
-              <a:rPr lang="en-US" sz="2000" dirty="0"/>
-              <a:t>236,012,741,621,802,425,066,330,265,165,700,315,193,312,434,416,449,</a:t>
-            </a:r>
-          </a:p>
-          <a:p>
-            <a:pPr marL="0" lvl="1" indent="0">
-              <a:spcBef>
-                <a:spcPts val="800"/>
-              </a:spcBef>
-              <a:buNone/>
-            </a:pPr>
-            <a:r>
-              <a:rPr lang="en-US" sz="2000" dirty="0"/>
-              <a:t>	        968,636,968,575,390,885,339,147,519,239,167,208,203,220,363,699,066,</a:t>
-            </a:r>
-          </a:p>
-          <a:p>
-            <a:pPr marL="0" lvl="1" indent="0">
-              <a:spcBef>
-                <a:spcPts val="800"/>
-              </a:spcBef>
-              <a:buNone/>
-            </a:pPr>
-            <a:r>
-              <a:rPr lang="en-US" sz="2000" dirty="0"/>
-              <a:t>	        385,552,349,528,694,161,090,438,463,626,425,305,838,906,204,022,793</a:t>
-            </a:r>
-          </a:p>
-          <a:p>
-            <a:pPr marL="0" lvl="1" indent="0">
-              <a:spcBef>
-                <a:spcPts val="800"/>
-              </a:spcBef>
-              <a:buNone/>
-            </a:pPr>
-            <a:r>
-              <a:rPr lang="en-US" dirty="0"/>
-              <a:t>	</a:t>
-            </a:r>
-            <a:r>
-              <a:rPr lang="en-US" b="1" dirty="0"/>
-              <a:t>Mathematica - ???</a:t>
-            </a:r>
-          </a:p>
-          <a:p>
-            <a:pPr marL="0" lvl="1" indent="0">
-              <a:spcBef>
-                <a:spcPts val="800"/>
-              </a:spcBef>
-              <a:buNone/>
-            </a:pPr>
-            <a:endParaRPr lang="en-US" b="1" dirty="0"/>
-          </a:p>
-        </p:txBody>
-      </p:sp>
-    </p:spTree>
-    <p:extLst>
-      <p:ext uri="{BB962C8B-B14F-4D97-AF65-F5344CB8AC3E}">
-        <p14:creationId xmlns:p14="http://schemas.microsoft.com/office/powerpoint/2010/main" val="3831406169"/>
       </p:ext>
     </p:extLst>
   </p:cSld>
